--- a/Documents/Technical Proposal - Due 21-10-19/PathFinder_presentation.pptx
+++ b/Documents/Technical Proposal - Due 21-10-19/PathFinder_presentation.pptx
@@ -5,18 +5,25 @@
     <p:sldMasterId id="2147483648" r:id="rId4"/>
   </p:sldMasterIdLst>
   <p:notesMasterIdLst>
-    <p:notesMasterId r:id="rId11"/>
+    <p:notesMasterId r:id="rId18"/>
   </p:notesMasterIdLst>
   <p:handoutMasterIdLst>
-    <p:handoutMasterId r:id="rId12"/>
+    <p:handoutMasterId r:id="rId19"/>
   </p:handoutMasterIdLst>
   <p:sldIdLst>
     <p:sldId id="2441" r:id="rId5"/>
     <p:sldId id="2439" r:id="rId6"/>
-    <p:sldId id="260" r:id="rId7"/>
-    <p:sldId id="258" r:id="rId8"/>
-    <p:sldId id="2438" r:id="rId9"/>
-    <p:sldId id="2436" r:id="rId10"/>
+    <p:sldId id="2442" r:id="rId7"/>
+    <p:sldId id="2443" r:id="rId8"/>
+    <p:sldId id="260" r:id="rId9"/>
+    <p:sldId id="2444" r:id="rId10"/>
+    <p:sldId id="2445" r:id="rId11"/>
+    <p:sldId id="258" r:id="rId12"/>
+    <p:sldId id="2446" r:id="rId13"/>
+    <p:sldId id="2447" r:id="rId14"/>
+    <p:sldId id="2448" r:id="rId15"/>
+    <p:sldId id="2438" r:id="rId16"/>
+    <p:sldId id="2436" r:id="rId17"/>
   </p:sldIdLst>
   <p:sldSz cx="12192000" cy="6858000"/>
   <p:notesSz cx="6858000" cy="9144000"/>
@@ -231,7 +238,7 @@
           <a:p>
             <a:fld id="{966D5B4E-BF3E-3B45-A4BA-D6C3B92870D7}" type="datetimeFigureOut">
               <a:rPr lang="en-US" smtClean="0"/>
-              <a:t>10/19/2019</a:t>
+              <a:t>10/21/2019</a:t>
             </a:fld>
             <a:endParaRPr lang="en-US" dirty="0"/>
           </a:p>
@@ -408,7 +415,7 @@
           <a:p>
             <a:fld id="{F5A8621B-8C8E-49BA-8772-41D0FE75A082}" type="datetimeFigureOut">
               <a:rPr lang="en-US" smtClean="0"/>
-              <a:t>10/19/2019</a:t>
+              <a:t>10/21/2019</a:t>
             </a:fld>
             <a:endParaRPr lang="en-US" dirty="0"/>
           </a:p>
@@ -740,7 +747,7 @@
           <a:p>
             <a:fld id="{228B34ED-4CDD-41C9-90F7-D768D5559A6F}" type="slidenum">
               <a:rPr lang="en-US" smtClean="0"/>
-              <a:t>3</a:t>
+              <a:t>5</a:t>
             </a:fld>
             <a:endParaRPr lang="en-US" dirty="0"/>
           </a:p>
@@ -1916,7 +1923,7 @@
           </a:ln>
           <a:extLst>
             <a:ext uri="{C572A759-6A51-4108-AA02-DFA0A04FC94B}">
-              <ma14:wrappingTextBoxFlag xmlns="" xmlns:ma14="http://schemas.microsoft.com/office/mac/drawingml/2011/main" val="1"/>
+              <ma14:wrappingTextBoxFlag xmlns:ma14="http://schemas.microsoft.com/office/mac/drawingml/2011/main" xmlns="" val="1"/>
             </a:ext>
           </a:extLst>
         </p:spPr>
@@ -2240,7 +2247,7 @@
           </a:ln>
           <a:extLst>
             <a:ext uri="{C572A759-6A51-4108-AA02-DFA0A04FC94B}">
-              <ma14:wrappingTextBoxFlag xmlns="" xmlns:ma14="http://schemas.microsoft.com/office/mac/drawingml/2011/main" val="1"/>
+              <ma14:wrappingTextBoxFlag xmlns:ma14="http://schemas.microsoft.com/office/mac/drawingml/2011/main" xmlns="" val="1"/>
             </a:ext>
           </a:extLst>
         </p:spPr>
@@ -2694,7 +2701,7 @@
           </a:ln>
           <a:extLst>
             <a:ext uri="{C572A759-6A51-4108-AA02-DFA0A04FC94B}">
-              <ma14:wrappingTextBoxFlag xmlns="" xmlns:ma14="http://schemas.microsoft.com/office/mac/drawingml/2011/main" val="1"/>
+              <ma14:wrappingTextBoxFlag xmlns:ma14="http://schemas.microsoft.com/office/mac/drawingml/2011/main" xmlns="" val="1"/>
             </a:ext>
           </a:extLst>
         </p:spPr>
@@ -3118,7 +3125,7 @@
           </a:ln>
           <a:extLst>
             <a:ext uri="{C572A759-6A51-4108-AA02-DFA0A04FC94B}">
-              <ma14:wrappingTextBoxFlag xmlns="" xmlns:ma14="http://schemas.microsoft.com/office/mac/drawingml/2011/main" val="1"/>
+              <ma14:wrappingTextBoxFlag xmlns:ma14="http://schemas.microsoft.com/office/mac/drawingml/2011/main" xmlns="" val="1"/>
             </a:ext>
           </a:extLst>
         </p:spPr>
@@ -5683,7 +5690,7 @@
           </a:ln>
           <a:extLst>
             <a:ext uri="{C572A759-6A51-4108-AA02-DFA0A04FC94B}">
-              <ma14:wrappingTextBoxFlag xmlns="" xmlns:ma14="http://schemas.microsoft.com/office/mac/drawingml/2011/main" val="1"/>
+              <ma14:wrappingTextBoxFlag xmlns:ma14="http://schemas.microsoft.com/office/mac/drawingml/2011/main" xmlns="" val="1"/>
             </a:ext>
           </a:extLst>
         </p:spPr>
@@ -7120,7 +7127,7 @@
           </a:ln>
           <a:extLst>
             <a:ext uri="{C572A759-6A51-4108-AA02-DFA0A04FC94B}">
-              <ma14:wrappingTextBoxFlag xmlns="" xmlns:ma14="http://schemas.microsoft.com/office/mac/drawingml/2011/main" val="1"/>
+              <ma14:wrappingTextBoxFlag xmlns:ma14="http://schemas.microsoft.com/office/mac/drawingml/2011/main" xmlns="" val="1"/>
             </a:ext>
           </a:extLst>
         </p:spPr>
@@ -7738,7 +7745,7 @@
         </p:nvSpPr>
         <p:spPr>
           <a:xfrm>
-            <a:off x="0" y="0"/>
+            <a:off x="0" y="11289"/>
             <a:ext cx="12192000" cy="6858000"/>
           </a:xfrm>
           <a:prstGeom prst="rect">
@@ -7875,8 +7882,8 @@
         </p:nvSpPr>
         <p:spPr>
           <a:xfrm>
-            <a:off x="3372680" y="3751480"/>
-            <a:ext cx="5459896" cy="1874072"/>
+            <a:off x="3273777" y="3751480"/>
+            <a:ext cx="5655733" cy="1874072"/>
           </a:xfrm>
           <a:prstGeom prst="rect">
             <a:avLst/>
@@ -8068,7 +8075,7 @@
           </a:lstStyle>
           <a:p>
             <a:r>
-              <a:rPr lang="en-US" sz="2000" i="1" spc="350">
+              <a:rPr lang="en-US" sz="2000" i="1" spc="350" dirty="0" smtClean="0">
                 <a:effectLst>
                   <a:outerShdw blurRad="38100" dist="38100" dir="2700000" algn="tl">
                     <a:srgbClr val="000000">
@@ -8079,10 +8086,24 @@
                 <a:latin typeface="Helvetica" panose="020B0604020202020204" pitchFamily="34" charset="0"/>
                 <a:cs typeface="Helvetica" panose="020B0604020202020204" pitchFamily="34" charset="0"/>
               </a:rPr>
-              <a:t>Chris Costelloe </a:t>
-            </a:r>
-            <a:r>
-              <a:rPr lang="en-IE" sz="2000" i="1" spc="350">
+              <a:t>Christopher </a:t>
+            </a:r>
+            <a:r>
+              <a:rPr lang="en-US" sz="2000" i="1" spc="350" dirty="0">
+                <a:effectLst>
+                  <a:outerShdw blurRad="38100" dist="38100" dir="2700000" algn="tl">
+                    <a:srgbClr val="000000">
+                      <a:alpha val="43137"/>
+                    </a:srgbClr>
+                  </a:outerShdw>
+                </a:effectLst>
+                <a:latin typeface="Helvetica" panose="020B0604020202020204" pitchFamily="34" charset="0"/>
+                <a:cs typeface="Helvetica" panose="020B0604020202020204" pitchFamily="34" charset="0"/>
+              </a:rPr>
+              <a:t>Costelloe </a:t>
+            </a:r>
+            <a:r>
+              <a:rPr lang="en-IE" sz="2000" i="1" spc="350" dirty="0">
                 <a:effectLst>
                   <a:outerShdw blurRad="38100" dist="38100" dir="2700000" algn="tl">
                     <a:srgbClr val="000000">
@@ -8096,7 +8117,7 @@
               <a:t>K00233369</a:t>
             </a:r>
             <a:r>
-              <a:rPr lang="en-US" sz="2000" i="1" spc="350">
+              <a:rPr lang="en-US" sz="2000" i="1" spc="350" dirty="0">
                 <a:effectLst>
                   <a:outerShdw blurRad="38100" dist="38100" dir="2700000" algn="tl">
                     <a:srgbClr val="000000">
@@ -8110,7 +8131,7 @@
               <a:t>, Kevin Dunne </a:t>
             </a:r>
             <a:r>
-              <a:rPr lang="en-IE" sz="2000" i="1" spc="350">
+              <a:rPr lang="en-IE" sz="2000" i="1" spc="350" dirty="0">
                 <a:effectLst>
                   <a:outerShdw blurRad="38100" dist="38100" dir="2700000" algn="tl">
                     <a:srgbClr val="000000">
@@ -8124,7 +8145,7 @@
               <a:t>K00232599</a:t>
             </a:r>
             <a:r>
-              <a:rPr lang="en-US" sz="2000" i="1" spc="350">
+              <a:rPr lang="en-US" sz="2000" i="1" spc="350" dirty="0">
                 <a:effectLst>
                   <a:outerShdw blurRad="38100" dist="38100" dir="2700000" algn="tl">
                     <a:srgbClr val="000000">
@@ -8137,17 +8158,6 @@
               </a:rPr>
               <a:t>, Jekaterina Pavlenko K00224431</a:t>
             </a:r>
-            <a:endParaRPr lang="en-US" sz="2000" i="1" spc="350" dirty="0">
-              <a:effectLst>
-                <a:outerShdw blurRad="38100" dist="38100" dir="2700000" algn="tl">
-                  <a:srgbClr val="000000">
-                    <a:alpha val="43137"/>
-                  </a:srgbClr>
-                </a:outerShdw>
-              </a:effectLst>
-              <a:latin typeface="Helvetica" panose="020B0604020202020204" pitchFamily="34" charset="0"/>
-              <a:cs typeface="Helvetica" panose="020B0604020202020204" pitchFamily="34" charset="0"/>
-            </a:endParaRPr>
           </a:p>
         </p:txBody>
       </p:sp>
@@ -8164,7 +8174,186 @@
 </p:sld>
 </file>
 
-<file path=ppt/slides/slide2.xml><?xml version="1.0" encoding="utf-8"?>
+<file path=ppt/slides/slide10.xml><?xml version="1.0" encoding="utf-8"?>
+<p:sld xmlns:a="http://schemas.openxmlformats.org/drawingml/2006/main" xmlns:r="http://schemas.openxmlformats.org/officeDocument/2006/relationships" xmlns:p="http://schemas.openxmlformats.org/presentationml/2006/main">
+  <p:cSld>
+    <p:spTree>
+      <p:nvGrpSpPr>
+        <p:cNvPr id="1" name=""/>
+        <p:cNvGrpSpPr/>
+        <p:nvPr/>
+      </p:nvGrpSpPr>
+      <p:grpSpPr>
+        <a:xfrm>
+          <a:off x="0" y="0"/>
+          <a:ext cx="0" cy="0"/>
+          <a:chOff x="0" y="0"/>
+          <a:chExt cx="0" cy="0"/>
+        </a:xfrm>
+      </p:grpSpPr>
+      <p:sp>
+        <p:nvSpPr>
+          <p:cNvPr id="8" name="Rectangle 7"/>
+          <p:cNvSpPr/>
+          <p:nvPr/>
+        </p:nvSpPr>
+        <p:spPr>
+          <a:xfrm>
+            <a:off x="10182577" y="6469063"/>
+            <a:ext cx="1414903" cy="388937"/>
+          </a:xfrm>
+          <a:prstGeom prst="rect">
+            <a:avLst/>
+          </a:prstGeom>
+          <a:solidFill>
+            <a:schemeClr val="bg1"/>
+          </a:solidFill>
+          <a:ln>
+            <a:noFill/>
+          </a:ln>
+        </p:spPr>
+        <p:style>
+          <a:lnRef idx="2">
+            <a:schemeClr val="accent1">
+              <a:shade val="50000"/>
+            </a:schemeClr>
+          </a:lnRef>
+          <a:fillRef idx="1">
+            <a:schemeClr val="accent1"/>
+          </a:fillRef>
+          <a:effectRef idx="0">
+            <a:schemeClr val="accent1"/>
+          </a:effectRef>
+          <a:fontRef idx="minor">
+            <a:schemeClr val="lt1"/>
+          </a:fontRef>
+        </p:style>
+        <p:txBody>
+          <a:bodyPr rtlCol="0" anchor="ctr"/>
+          <a:lstStyle/>
+          <a:p>
+            <a:pPr algn="ctr"/>
+            <a:endParaRPr lang="en-IE"/>
+          </a:p>
+        </p:txBody>
+      </p:sp>
+      <p:sp>
+        <p:nvSpPr>
+          <p:cNvPr id="6" name="Title 5"/>
+          <p:cNvSpPr>
+            <a:spLocks noGrp="1"/>
+          </p:cNvSpPr>
+          <p:nvPr>
+            <p:ph type="title"/>
+          </p:nvPr>
+        </p:nvSpPr>
+        <p:spPr/>
+        <p:txBody>
+          <a:bodyPr>
+            <a:normAutofit/>
+          </a:bodyPr>
+          <a:lstStyle/>
+          <a:p>
+            <a:r>
+              <a:rPr lang="en-IE" sz="4400" cap="none" dirty="0" smtClean="0">
+                <a:effectLst>
+                  <a:outerShdw blurRad="38100" dist="38100" dir="2700000" algn="tl">
+                    <a:srgbClr val="000000">
+                      <a:alpha val="43137"/>
+                    </a:srgbClr>
+                  </a:outerShdw>
+                </a:effectLst>
+                <a:latin typeface="Futura"/>
+              </a:rPr>
+              <a:t>Sprints</a:t>
+            </a:r>
+            <a:endParaRPr lang="en-IE" sz="4400" cap="none" dirty="0">
+              <a:effectLst>
+                <a:outerShdw blurRad="38100" dist="38100" dir="2700000" algn="tl">
+                  <a:srgbClr val="000000">
+                    <a:alpha val="43137"/>
+                  </a:srgbClr>
+                </a:outerShdw>
+              </a:effectLst>
+              <a:latin typeface="Futura"/>
+            </a:endParaRPr>
+          </a:p>
+        </p:txBody>
+      </p:sp>
+      <p:sp>
+        <p:nvSpPr>
+          <p:cNvPr id="5" name="Slide Number Placeholder 4"/>
+          <p:cNvSpPr>
+            <a:spLocks noGrp="1"/>
+          </p:cNvSpPr>
+          <p:nvPr>
+            <p:ph type="sldNum" sz="quarter" idx="4294967295"/>
+          </p:nvPr>
+        </p:nvSpPr>
+        <p:spPr>
+          <a:xfrm>
+            <a:off x="11747500" y="6469063"/>
+            <a:ext cx="444500" cy="365125"/>
+          </a:xfrm>
+        </p:spPr>
+        <p:txBody>
+          <a:bodyPr/>
+          <a:lstStyle/>
+          <a:p>
+            <a:fld id="{8C2E478F-E849-4A8C-AF1F-CBCC78A7CBFA}" type="slidenum">
+              <a:rPr lang="en-US" smtClean="0"/>
+              <a:t>10</a:t>
+            </a:fld>
+            <a:endParaRPr lang="en-US" dirty="0"/>
+          </a:p>
+        </p:txBody>
+      </p:sp>
+      <p:pic>
+        <p:nvPicPr>
+          <p:cNvPr id="9" name="Picture Placeholder 8"/>
+          <p:cNvPicPr>
+            <a:picLocks noGrp="1" noChangeAspect="1"/>
+          </p:cNvPicPr>
+          <p:nvPr>
+            <p:ph type="pic" sz="quarter" idx="10"/>
+          </p:nvPr>
+        </p:nvPicPr>
+        <p:blipFill>
+          <a:blip r:embed="rId2">
+            <a:extLst>
+              <a:ext uri="{28A0092B-C50C-407E-A947-70E740481C1C}">
+                <a14:useLocalDpi xmlns:a14="http://schemas.microsoft.com/office/drawing/2010/main" val="0"/>
+              </a:ext>
+            </a:extLst>
+          </a:blip>
+          <a:stretch>
+            <a:fillRect/>
+          </a:stretch>
+        </p:blipFill>
+        <p:spPr>
+          <a:xfrm>
+            <a:off x="1231523" y="1540043"/>
+            <a:ext cx="9728953" cy="4469731"/>
+          </a:xfrm>
+          <a:prstGeom prst="rect">
+            <a:avLst/>
+          </a:prstGeom>
+        </p:spPr>
+      </p:pic>
+    </p:spTree>
+    <p:extLst>
+      <p:ext uri="{BB962C8B-B14F-4D97-AF65-F5344CB8AC3E}">
+        <p14:creationId xmlns:p14="http://schemas.microsoft.com/office/powerpoint/2010/main" val="2947599405"/>
+      </p:ext>
+    </p:extLst>
+  </p:cSld>
+  <p:clrMapOvr>
+    <a:masterClrMapping/>
+  </p:clrMapOvr>
+</p:sld>
+</file>
+
+<file path=ppt/slides/slide11.xml><?xml version="1.0" encoding="utf-8"?>
 <p:sld xmlns:a="http://schemas.openxmlformats.org/drawingml/2006/main" xmlns:r="http://schemas.openxmlformats.org/officeDocument/2006/relationships" xmlns:p="http://schemas.openxmlformats.org/presentationml/2006/main">
   <p:cSld>
     <p:spTree>
@@ -8183,10 +8372,10 @@
       </p:grpSpPr>
       <p:pic>
         <p:nvPicPr>
-          <p:cNvPr id="7" name="Picture Placeholder 6" descr="Iphone Floating taking image">
+          <p:cNvPr id="7" name="Picture Placeholder 6" descr="Abstract Coding&#10;">
             <a:extLst>
               <a:ext uri="{FF2B5EF4-FFF2-40B4-BE49-F238E27FC236}">
-                <a16:creationId xmlns:a16="http://schemas.microsoft.com/office/drawing/2014/main" id="{7BE52127-9518-4872-A0A9-09A7D0871423}"/>
+                <a16:creationId xmlns:a16="http://schemas.microsoft.com/office/drawing/2014/main" id="{5F76566E-36EF-4E0C-8563-ABC2D25923BA}"/>
               </a:ext>
             </a:extLst>
           </p:cNvPr>
@@ -8220,7 +8409,7 @@
                 <a16:creationId xmlns:a16="http://schemas.microsoft.com/office/drawing/2014/main" id="{D687D26E-D67A-4318-AAB1-DCEAA89EEB21}"/>
               </a:ext>
               <a:ext uri="{C183D7F6-B498-43B3-948B-1728B52AA6E4}">
-                <adec:decorative xmlns:adec="http://schemas.microsoft.com/office/drawing/2017/decorative" val="1"/>
+                <adec:decorative xmlns:adec="http://schemas.microsoft.com/office/drawing/2017/decorative" xmlns="" val="1"/>
               </a:ext>
             </a:extLst>
           </p:cNvPr>
@@ -8232,24 +8421,95 @@
             <a:off x="0" y="0"/>
             <a:ext cx="6096000" cy="6882714"/>
           </a:xfrm>
-          <a:prstGeom prst="parallelogram">
+          <a:custGeom>
             <a:avLst/>
-          </a:prstGeom>
+            <a:gdLst>
+              <a:gd name="connsiteX0" fmla="*/ 0 w 6096000"/>
+              <a:gd name="connsiteY0" fmla="*/ 0 h 6858000"/>
+              <a:gd name="connsiteX1" fmla="*/ 6096000 w 6096000"/>
+              <a:gd name="connsiteY1" fmla="*/ 0 h 6858000"/>
+              <a:gd name="connsiteX2" fmla="*/ 6096000 w 6096000"/>
+              <a:gd name="connsiteY2" fmla="*/ 6858000 h 6858000"/>
+              <a:gd name="connsiteX3" fmla="*/ 0 w 6096000"/>
+              <a:gd name="connsiteY3" fmla="*/ 6858000 h 6858000"/>
+              <a:gd name="connsiteX4" fmla="*/ 0 w 6096000"/>
+              <a:gd name="connsiteY4" fmla="*/ 0 h 6858000"/>
+              <a:gd name="connsiteX0" fmla="*/ 0 w 6096000"/>
+              <a:gd name="connsiteY0" fmla="*/ 0 h 6858000"/>
+              <a:gd name="connsiteX1" fmla="*/ 6096000 w 6096000"/>
+              <a:gd name="connsiteY1" fmla="*/ 0 h 6858000"/>
+              <a:gd name="connsiteX2" fmla="*/ 2734962 w 6096000"/>
+              <a:gd name="connsiteY2" fmla="*/ 6808573 h 6858000"/>
+              <a:gd name="connsiteX3" fmla="*/ 0 w 6096000"/>
+              <a:gd name="connsiteY3" fmla="*/ 6858000 h 6858000"/>
+              <a:gd name="connsiteX4" fmla="*/ 0 w 6096000"/>
+              <a:gd name="connsiteY4" fmla="*/ 0 h 6858000"/>
+              <a:gd name="connsiteX0" fmla="*/ 0 w 6096000"/>
+              <a:gd name="connsiteY0" fmla="*/ 0 h 6882714"/>
+              <a:gd name="connsiteX1" fmla="*/ 6096000 w 6096000"/>
+              <a:gd name="connsiteY1" fmla="*/ 0 h 6882714"/>
+              <a:gd name="connsiteX2" fmla="*/ 4242486 w 6096000"/>
+              <a:gd name="connsiteY2" fmla="*/ 6882714 h 6882714"/>
+              <a:gd name="connsiteX3" fmla="*/ 0 w 6096000"/>
+              <a:gd name="connsiteY3" fmla="*/ 6858000 h 6882714"/>
+              <a:gd name="connsiteX4" fmla="*/ 0 w 6096000"/>
+              <a:gd name="connsiteY4" fmla="*/ 0 h 6882714"/>
+            </a:gdLst>
+            <a:ahLst/>
+            <a:cxnLst>
+              <a:cxn ang="0">
+                <a:pos x="connsiteX0" y="connsiteY0"/>
+              </a:cxn>
+              <a:cxn ang="0">
+                <a:pos x="connsiteX1" y="connsiteY1"/>
+              </a:cxn>
+              <a:cxn ang="0">
+                <a:pos x="connsiteX2" y="connsiteY2"/>
+              </a:cxn>
+              <a:cxn ang="0">
+                <a:pos x="connsiteX3" y="connsiteY3"/>
+              </a:cxn>
+              <a:cxn ang="0">
+                <a:pos x="connsiteX4" y="connsiteY4"/>
+              </a:cxn>
+            </a:cxnLst>
+            <a:rect l="l" t="t" r="r" b="b"/>
+            <a:pathLst>
+              <a:path w="6096000" h="6882714">
+                <a:moveTo>
+                  <a:pt x="0" y="0"/>
+                </a:moveTo>
+                <a:lnTo>
+                  <a:pt x="6096000" y="0"/>
+                </a:lnTo>
+                <a:lnTo>
+                  <a:pt x="4242486" y="6882714"/>
+                </a:lnTo>
+                <a:lnTo>
+                  <a:pt x="0" y="6858000"/>
+                </a:lnTo>
+                <a:lnTo>
+                  <a:pt x="0" y="0"/>
+                </a:lnTo>
+                <a:close/>
+              </a:path>
+            </a:pathLst>
+          </a:custGeom>
           <a:gradFill flip="none" rotWithShape="1">
             <a:gsLst>
               <a:gs pos="0">
                 <a:srgbClr val="01023B">
-                  <a:alpha val="50000"/>
+                  <a:alpha val="70000"/>
                 </a:srgbClr>
               </a:gs>
               <a:gs pos="100000">
                 <a:srgbClr val="E99757">
-                  <a:alpha val="50000"/>
+                  <a:alpha val="70000"/>
                 </a:srgbClr>
               </a:gs>
               <a:gs pos="50000">
                 <a:srgbClr val="A53F52">
-                  <a:alpha val="50000"/>
+                  <a:alpha val="70000"/>
                 </a:srgbClr>
               </a:gs>
             </a:gsLst>
@@ -8303,18 +8563,19 @@
         </p:nvSpPr>
         <p:spPr>
           <a:xfrm>
-            <a:off x="6095999" y="2158296"/>
-            <a:ext cx="5687291" cy="2394840"/>
+            <a:off x="6389511" y="556202"/>
+            <a:ext cx="5251450" cy="1661297"/>
           </a:xfrm>
         </p:spPr>
         <p:txBody>
           <a:bodyPr>
-            <a:normAutofit/>
+            <a:noAutofit/>
           </a:bodyPr>
           <a:lstStyle/>
           <a:p>
-            <a:r>
-              <a:rPr lang="en-US" cap="none" dirty="0">
+            <a:pPr algn="ctr"/>
+            <a:r>
+              <a:rPr lang="en-US" sz="4400" cap="none" spc="0" dirty="0" smtClean="0">
                 <a:effectLst>
                   <a:outerShdw blurRad="38100" dist="38100" dir="2700000" algn="tl">
                     <a:srgbClr val="000000">
@@ -8323,375 +8584,11 @@
                   </a:outerShdw>
                 </a:effectLst>
                 <a:latin typeface="Futura"/>
-                <a:cs typeface="Helvetica" panose="020B0604020202020204" pitchFamily="34" charset="0"/>
               </a:rPr>
-              <a:t>Background</a:t>
-            </a:r>
-          </a:p>
-        </p:txBody>
-      </p:sp>
-      <p:sp>
-        <p:nvSpPr>
-          <p:cNvPr id="2094" name="Slide Number Placeholder 2093">
-            <a:extLst>
-              <a:ext uri="{FF2B5EF4-FFF2-40B4-BE49-F238E27FC236}">
-                <a16:creationId xmlns:a16="http://schemas.microsoft.com/office/drawing/2014/main" id="{5DA62994-769D-4C19-BB0A-5144E0A5CFCD}"/>
-              </a:ext>
-            </a:extLst>
-          </p:cNvPr>
-          <p:cNvSpPr>
-            <a:spLocks noGrp="1"/>
-          </p:cNvSpPr>
-          <p:nvPr>
-            <p:ph type="sldNum" sz="quarter" idx="12"/>
-          </p:nvPr>
-        </p:nvSpPr>
-        <p:spPr/>
-        <p:txBody>
-          <a:bodyPr/>
-          <a:lstStyle/>
-          <a:p>
-            <a:fld id="{8C2E478F-E849-4A8C-AF1F-CBCC78A7CBFA}" type="slidenum">
-              <a:rPr lang="en-US" smtClean="0"/>
-              <a:pPr/>
-              <a:t>2</a:t>
-            </a:fld>
-            <a:endParaRPr lang="en-US" dirty="0"/>
-          </a:p>
-        </p:txBody>
-      </p:sp>
-      <p:sp>
-        <p:nvSpPr>
-          <p:cNvPr id="2" name="Rectangle 1">
-            <a:extLst>
-              <a:ext uri="{FF2B5EF4-FFF2-40B4-BE49-F238E27FC236}">
-                <a16:creationId xmlns:a16="http://schemas.microsoft.com/office/drawing/2014/main" id="{B589C1B1-9843-46D3-A3AB-CE8CBB4786C7}"/>
-              </a:ext>
-            </a:extLst>
-          </p:cNvPr>
-          <p:cNvSpPr/>
-          <p:nvPr/>
-        </p:nvSpPr>
-        <p:spPr>
-          <a:xfrm>
-            <a:off x="10045148" y="6468303"/>
-            <a:ext cx="1616765" cy="365125"/>
-          </a:xfrm>
-          <a:prstGeom prst="rect">
-            <a:avLst/>
-          </a:prstGeom>
-          <a:ln>
-            <a:noFill/>
-          </a:ln>
-        </p:spPr>
-        <p:style>
-          <a:lnRef idx="2">
-            <a:schemeClr val="dk1"/>
-          </a:lnRef>
-          <a:fillRef idx="1">
-            <a:schemeClr val="lt1"/>
-          </a:fillRef>
-          <a:effectRef idx="0">
-            <a:schemeClr val="dk1"/>
-          </a:effectRef>
-          <a:fontRef idx="minor">
-            <a:schemeClr val="dk1"/>
-          </a:fontRef>
-        </p:style>
-        <p:txBody>
-          <a:bodyPr rtlCol="0" anchor="ctr"/>
-          <a:lstStyle/>
-          <a:p>
-            <a:pPr algn="ctr"/>
-            <a:endParaRPr lang="en-IE"/>
-          </a:p>
-        </p:txBody>
-      </p:sp>
-      <p:sp>
-        <p:nvSpPr>
-          <p:cNvPr id="10" name="Text Placeholder 3">
-            <a:extLst>
-              <a:ext uri="{FF2B5EF4-FFF2-40B4-BE49-F238E27FC236}">
-                <a16:creationId xmlns:a16="http://schemas.microsoft.com/office/drawing/2014/main" id="{B113E456-031B-4D3E-9F4C-DBC6AFF18DB5}"/>
-              </a:ext>
-            </a:extLst>
-          </p:cNvPr>
-          <p:cNvSpPr txBox="1">
-            <a:spLocks/>
-          </p:cNvSpPr>
-          <p:nvPr/>
-        </p:nvSpPr>
-        <p:spPr>
-          <a:xfrm>
-            <a:off x="5832011" y="4019965"/>
-            <a:ext cx="6162260" cy="572032"/>
-          </a:xfrm>
-          <a:prstGeom prst="rect">
-            <a:avLst/>
-          </a:prstGeom>
-        </p:spPr>
-        <p:txBody>
-          <a:bodyPr vert="horz" lIns="91440" tIns="45720" rIns="91440" bIns="45720" rtlCol="0" anchor="ctr">
-            <a:normAutofit/>
-          </a:bodyPr>
-          <a:lstStyle>
-            <a:lvl1pPr marL="0" indent="0" algn="l" defTabSz="914400" rtl="0" eaLnBrk="1" latinLnBrk="0" hangingPunct="1">
-              <a:lnSpc>
-                <a:spcPct val="100000"/>
-              </a:lnSpc>
-              <a:spcBef>
-                <a:spcPts val="1000"/>
-              </a:spcBef>
-              <a:buFont typeface="Arial" panose="020B0604020202020204" pitchFamily="34" charset="0"/>
-              <a:buNone/>
-              <a:defRPr sz="2400" kern="1200" spc="600">
-                <a:solidFill>
-                  <a:schemeClr val="tx1">
-                    <a:tint val="75000"/>
-                  </a:schemeClr>
-                </a:solidFill>
-                <a:latin typeface="+mn-lt"/>
-                <a:ea typeface="+mn-ea"/>
-                <a:cs typeface="+mn-cs"/>
-              </a:defRPr>
-            </a:lvl1pPr>
-            <a:lvl2pPr marL="457200" indent="0" algn="l" defTabSz="914400" rtl="0" eaLnBrk="1" latinLnBrk="0" hangingPunct="1">
-              <a:lnSpc>
-                <a:spcPct val="150000"/>
-              </a:lnSpc>
-              <a:spcBef>
-                <a:spcPts val="500"/>
-              </a:spcBef>
-              <a:buFont typeface="Arial" panose="020B0604020202020204" pitchFamily="34" charset="0"/>
-              <a:buNone/>
-              <a:defRPr sz="2000" kern="1200">
-                <a:solidFill>
-                  <a:schemeClr val="tx1">
-                    <a:tint val="75000"/>
-                  </a:schemeClr>
-                </a:solidFill>
-                <a:latin typeface="+mn-lt"/>
-                <a:ea typeface="+mn-ea"/>
-                <a:cs typeface="+mn-cs"/>
-              </a:defRPr>
-            </a:lvl2pPr>
-            <a:lvl3pPr marL="914400" indent="0" algn="l" defTabSz="914400" rtl="0" eaLnBrk="1" latinLnBrk="0" hangingPunct="1">
-              <a:lnSpc>
-                <a:spcPct val="150000"/>
-              </a:lnSpc>
-              <a:spcBef>
-                <a:spcPts val="500"/>
-              </a:spcBef>
-              <a:buFont typeface="Arial" panose="020B0604020202020204" pitchFamily="34" charset="0"/>
-              <a:buNone/>
-              <a:defRPr sz="1800" kern="1200">
-                <a:solidFill>
-                  <a:schemeClr val="tx1">
-                    <a:tint val="75000"/>
-                  </a:schemeClr>
-                </a:solidFill>
-                <a:latin typeface="+mn-lt"/>
-                <a:ea typeface="+mn-ea"/>
-                <a:cs typeface="+mn-cs"/>
-              </a:defRPr>
-            </a:lvl3pPr>
-            <a:lvl4pPr marL="1371600" indent="0" algn="l" defTabSz="914400" rtl="0" eaLnBrk="1" latinLnBrk="0" hangingPunct="1">
-              <a:lnSpc>
-                <a:spcPct val="150000"/>
-              </a:lnSpc>
-              <a:spcBef>
-                <a:spcPts val="500"/>
-              </a:spcBef>
-              <a:buFont typeface="Arial" panose="020B0604020202020204" pitchFamily="34" charset="0"/>
-              <a:buNone/>
-              <a:defRPr sz="1600" kern="1200">
-                <a:solidFill>
-                  <a:schemeClr val="tx1">
-                    <a:tint val="75000"/>
-                  </a:schemeClr>
-                </a:solidFill>
-                <a:latin typeface="+mn-lt"/>
-                <a:ea typeface="+mn-ea"/>
-                <a:cs typeface="+mn-cs"/>
-              </a:defRPr>
-            </a:lvl4pPr>
-            <a:lvl5pPr marL="1828800" indent="0" algn="l" defTabSz="914400" rtl="0" eaLnBrk="1" latinLnBrk="0" hangingPunct="1">
-              <a:lnSpc>
-                <a:spcPct val="150000"/>
-              </a:lnSpc>
-              <a:spcBef>
-                <a:spcPts val="500"/>
-              </a:spcBef>
-              <a:buFont typeface="Arial" panose="020B0604020202020204" pitchFamily="34" charset="0"/>
-              <a:buNone/>
-              <a:defRPr sz="1600" kern="1200">
-                <a:solidFill>
-                  <a:schemeClr val="tx1">
-                    <a:tint val="75000"/>
-                  </a:schemeClr>
-                </a:solidFill>
-                <a:latin typeface="+mn-lt"/>
-                <a:ea typeface="+mn-ea"/>
-                <a:cs typeface="+mn-cs"/>
-              </a:defRPr>
-            </a:lvl5pPr>
-            <a:lvl6pPr marL="2286000" indent="0" algn="l" defTabSz="914400" rtl="0" eaLnBrk="1" latinLnBrk="0" hangingPunct="1">
-              <a:lnSpc>
-                <a:spcPct val="90000"/>
-              </a:lnSpc>
-              <a:spcBef>
-                <a:spcPts val="500"/>
-              </a:spcBef>
-              <a:buFont typeface="Arial" panose="020B0604020202020204" pitchFamily="34" charset="0"/>
-              <a:buNone/>
-              <a:defRPr sz="1600" kern="1200">
-                <a:solidFill>
-                  <a:schemeClr val="tx1">
-                    <a:tint val="75000"/>
-                  </a:schemeClr>
-                </a:solidFill>
-                <a:latin typeface="+mn-lt"/>
-                <a:ea typeface="+mn-ea"/>
-                <a:cs typeface="+mn-cs"/>
-              </a:defRPr>
-            </a:lvl6pPr>
-            <a:lvl7pPr marL="2743200" indent="0" algn="l" defTabSz="914400" rtl="0" eaLnBrk="1" latinLnBrk="0" hangingPunct="1">
-              <a:lnSpc>
-                <a:spcPct val="90000"/>
-              </a:lnSpc>
-              <a:spcBef>
-                <a:spcPts val="500"/>
-              </a:spcBef>
-              <a:buFont typeface="Arial" panose="020B0604020202020204" pitchFamily="34" charset="0"/>
-              <a:buNone/>
-              <a:defRPr sz="1600" kern="1200">
-                <a:solidFill>
-                  <a:schemeClr val="tx1">
-                    <a:tint val="75000"/>
-                  </a:schemeClr>
-                </a:solidFill>
-                <a:latin typeface="+mn-lt"/>
-                <a:ea typeface="+mn-ea"/>
-                <a:cs typeface="+mn-cs"/>
-              </a:defRPr>
-            </a:lvl7pPr>
-            <a:lvl8pPr marL="3200400" indent="0" algn="l" defTabSz="914400" rtl="0" eaLnBrk="1" latinLnBrk="0" hangingPunct="1">
-              <a:lnSpc>
-                <a:spcPct val="90000"/>
-              </a:lnSpc>
-              <a:spcBef>
-                <a:spcPts val="500"/>
-              </a:spcBef>
-              <a:buFont typeface="Arial" panose="020B0604020202020204" pitchFamily="34" charset="0"/>
-              <a:buNone/>
-              <a:defRPr sz="1600" kern="1200">
-                <a:solidFill>
-                  <a:schemeClr val="tx1">
-                    <a:tint val="75000"/>
-                  </a:schemeClr>
-                </a:solidFill>
-                <a:latin typeface="+mn-lt"/>
-                <a:ea typeface="+mn-ea"/>
-                <a:cs typeface="+mn-cs"/>
-              </a:defRPr>
-            </a:lvl8pPr>
-            <a:lvl9pPr marL="3657600" indent="0" algn="l" defTabSz="914400" rtl="0" eaLnBrk="1" latinLnBrk="0" hangingPunct="1">
-              <a:lnSpc>
-                <a:spcPct val="90000"/>
-              </a:lnSpc>
-              <a:spcBef>
-                <a:spcPts val="500"/>
-              </a:spcBef>
-              <a:buFont typeface="Arial" panose="020B0604020202020204" pitchFamily="34" charset="0"/>
-              <a:buNone/>
-              <a:defRPr sz="1600" kern="1200">
-                <a:solidFill>
-                  <a:schemeClr val="tx1">
-                    <a:tint val="75000"/>
-                  </a:schemeClr>
-                </a:solidFill>
-                <a:latin typeface="+mn-lt"/>
-                <a:ea typeface="+mn-ea"/>
-                <a:cs typeface="+mn-cs"/>
-              </a:defRPr>
-            </a:lvl9pPr>
-          </a:lstStyle>
-          <a:p>
-            <a:r>
-              <a:rPr lang="en-US" dirty="0">
-                <a:solidFill>
-                  <a:schemeClr val="bg2">
-                    <a:lumMod val="25000"/>
-                  </a:schemeClr>
-                </a:solidFill>
-                <a:effectLst>
-                  <a:outerShdw blurRad="38100" dist="38100" dir="2700000" algn="tl">
-                    <a:srgbClr val="000000">
-                      <a:alpha val="43137"/>
-                    </a:srgbClr>
-                  </a:outerShdw>
-                </a:effectLst>
-                <a:latin typeface="Helvetica" panose="020B0604020202020204" pitchFamily="34" charset="0"/>
-                <a:cs typeface="Helvetica" panose="020B0604020202020204" pitchFamily="34" charset="0"/>
-              </a:rPr>
-              <a:t>Why we chose this project?</a:t>
-            </a:r>
-          </a:p>
-        </p:txBody>
-      </p:sp>
-    </p:spTree>
-    <p:extLst>
-      <p:ext uri="{BB962C8B-B14F-4D97-AF65-F5344CB8AC3E}">
-        <p14:creationId xmlns:p14="http://schemas.microsoft.com/office/powerpoint/2010/main" val="3834210778"/>
-      </p:ext>
-    </p:extLst>
-  </p:cSld>
-  <p:clrMapOvr>
-    <a:masterClrMapping/>
-  </p:clrMapOvr>
-</p:sld>
-</file>
-
-<file path=ppt/slides/slide3.xml><?xml version="1.0" encoding="utf-8"?>
-<p:sld xmlns:a="http://schemas.openxmlformats.org/drawingml/2006/main" xmlns:r="http://schemas.openxmlformats.org/officeDocument/2006/relationships" xmlns:p="http://schemas.openxmlformats.org/presentationml/2006/main">
-  <p:cSld>
-    <p:spTree>
-      <p:nvGrpSpPr>
-        <p:cNvPr id="1" name=""/>
-        <p:cNvGrpSpPr/>
-        <p:nvPr/>
-      </p:nvGrpSpPr>
-      <p:grpSpPr>
-        <a:xfrm>
-          <a:off x="0" y="0"/>
-          <a:ext cx="0" cy="0"/>
-          <a:chOff x="0" y="0"/>
-          <a:chExt cx="0" cy="0"/>
-        </a:xfrm>
-      </p:grpSpPr>
-      <p:sp>
-        <p:nvSpPr>
-          <p:cNvPr id="12" name="Title 11">
-            <a:extLst>
-              <a:ext uri="{FF2B5EF4-FFF2-40B4-BE49-F238E27FC236}">
-                <a16:creationId xmlns:a16="http://schemas.microsoft.com/office/drawing/2014/main" id="{50AEA731-C7D0-4A0E-B871-4F369D8BEAC5}"/>
-              </a:ext>
-            </a:extLst>
-          </p:cNvPr>
-          <p:cNvSpPr>
-            <a:spLocks noGrp="1"/>
-          </p:cNvSpPr>
-          <p:nvPr>
-            <p:ph type="title"/>
-          </p:nvPr>
-        </p:nvSpPr>
-        <p:spPr/>
-        <p:txBody>
-          <a:bodyPr/>
-          <a:lstStyle/>
-          <a:p>
-            <a:r>
-              <a:rPr lang="en-US" sz="4400" cap="none" dirty="0">
+              <a:t>Collaboration Tools</a:t>
+            </a:r>
+            <a:r>
+              <a:rPr lang="en-US" sz="4400" spc="0" dirty="0" smtClean="0">
                 <a:effectLst>
                   <a:outerShdw blurRad="38100" dist="38100" dir="2700000" algn="tl">
                     <a:srgbClr val="000000">
@@ -8700,19 +8597,28 @@
                   </a:outerShdw>
                 </a:effectLst>
                 <a:latin typeface="Futura"/>
-                <a:cs typeface="Helvetica" panose="020B0604020202020204" pitchFamily="34" charset="0"/>
               </a:rPr>
-              <a:t>Technologies</a:t>
-            </a:r>
-          </a:p>
-        </p:txBody>
-      </p:sp>
-      <p:sp>
-        <p:nvSpPr>
-          <p:cNvPr id="14" name="Text Placeholder 13">
+              <a:t>:</a:t>
+            </a:r>
+            <a:endParaRPr lang="en-US" sz="4400" spc="0" dirty="0">
+              <a:effectLst>
+                <a:outerShdw blurRad="38100" dist="38100" dir="2700000" algn="tl">
+                  <a:srgbClr val="000000">
+                    <a:alpha val="43137"/>
+                  </a:srgbClr>
+                </a:outerShdw>
+              </a:effectLst>
+              <a:latin typeface="Futura"/>
+            </a:endParaRPr>
+          </a:p>
+        </p:txBody>
+      </p:sp>
+      <p:sp>
+        <p:nvSpPr>
+          <p:cNvPr id="2094" name="Slide Number Placeholder 2093">
             <a:extLst>
               <a:ext uri="{FF2B5EF4-FFF2-40B4-BE49-F238E27FC236}">
-                <a16:creationId xmlns:a16="http://schemas.microsoft.com/office/drawing/2014/main" id="{4A4D6BAE-677F-4450-AE14-AD8224A4660A}"/>
+                <a16:creationId xmlns:a16="http://schemas.microsoft.com/office/drawing/2014/main" id="{5DA62994-769D-4C19-BB0A-5144E0A5CFCD}"/>
               </a:ext>
             </a:extLst>
           </p:cNvPr>
@@ -8720,315 +8626,40 @@
             <a:spLocks noGrp="1"/>
           </p:cNvSpPr>
           <p:nvPr>
-            <p:ph type="body" idx="13"/>
+            <p:ph type="sldNum" sz="quarter" idx="12"/>
           </p:nvPr>
+        </p:nvSpPr>
+        <p:spPr/>
+        <p:txBody>
+          <a:bodyPr/>
+          <a:lstStyle/>
+          <a:p>
+            <a:fld id="{8C2E478F-E849-4A8C-AF1F-CBCC78A7CBFA}" type="slidenum">
+              <a:rPr lang="en-US" smtClean="0"/>
+              <a:pPr/>
+              <a:t>11</a:t>
+            </a:fld>
+            <a:endParaRPr lang="en-US" dirty="0"/>
+          </a:p>
+        </p:txBody>
+      </p:sp>
+      <p:sp>
+        <p:nvSpPr>
+          <p:cNvPr id="2" name="Rectangle 1"/>
+          <p:cNvSpPr/>
+          <p:nvPr/>
         </p:nvSpPr>
         <p:spPr>
           <a:xfrm>
-            <a:off x="7819115" y="1383023"/>
-            <a:ext cx="4174101" cy="754775"/>
-          </a:xfrm>
-        </p:spPr>
-        <p:txBody>
-          <a:bodyPr>
-            <a:noAutofit/>
-          </a:bodyPr>
-          <a:lstStyle/>
-          <a:p>
-            <a:pPr>
-              <a:lnSpc>
-                <a:spcPct val="100000"/>
-              </a:lnSpc>
-              <a:spcBef>
-                <a:spcPts val="600"/>
-              </a:spcBef>
-            </a:pPr>
-            <a:r>
-              <a:rPr lang="en-US" spc="400" dirty="0">
-                <a:solidFill>
-                  <a:schemeClr val="bg2">
-                    <a:lumMod val="25000"/>
-                  </a:schemeClr>
-                </a:solidFill>
-                <a:effectLst>
-                  <a:outerShdw blurRad="38100" dist="38100" dir="2700000" algn="tl">
-                    <a:srgbClr val="000000">
-                      <a:alpha val="43137"/>
-                    </a:srgbClr>
-                  </a:outerShdw>
-                </a:effectLst>
-                <a:latin typeface="Helvetica" panose="020B0604020202020204" pitchFamily="34" charset="0"/>
-                <a:cs typeface="Helvetica" panose="020B0604020202020204" pitchFamily="34" charset="0"/>
-              </a:rPr>
-              <a:t>List of what we are going to use:</a:t>
-            </a:r>
-          </a:p>
-        </p:txBody>
-      </p:sp>
-      <p:sp>
-        <p:nvSpPr>
-          <p:cNvPr id="13" name="Content Placeholder 12">
-            <a:extLst>
-              <a:ext uri="{FF2B5EF4-FFF2-40B4-BE49-F238E27FC236}">
-                <a16:creationId xmlns:a16="http://schemas.microsoft.com/office/drawing/2014/main" id="{A4E49AC7-7A73-4B51-BDF6-EABA3162F4B7}"/>
-              </a:ext>
-            </a:extLst>
-          </p:cNvPr>
-          <p:cNvSpPr>
-            <a:spLocks noGrp="1"/>
-          </p:cNvSpPr>
-          <p:nvPr>
-            <p:ph idx="1"/>
-          </p:nvPr>
-        </p:nvSpPr>
-        <p:spPr>
-          <a:xfrm>
-            <a:off x="7819115" y="2644726"/>
-            <a:ext cx="3991885" cy="3319976"/>
-          </a:xfrm>
-        </p:spPr>
-        <p:txBody>
-          <a:bodyPr>
-            <a:normAutofit/>
-          </a:bodyPr>
-          <a:lstStyle/>
-          <a:p>
-            <a:pPr>
-              <a:lnSpc>
-                <a:spcPct val="200000"/>
-              </a:lnSpc>
-              <a:spcBef>
-                <a:spcPts val="600"/>
-              </a:spcBef>
-            </a:pPr>
-            <a:r>
-              <a:rPr lang="en-US" sz="2000" spc="400" dirty="0">
-                <a:solidFill>
-                  <a:schemeClr val="bg2">
-                    <a:lumMod val="25000"/>
-                  </a:schemeClr>
-                </a:solidFill>
-                <a:effectLst>
-                  <a:outerShdw blurRad="38100" dist="38100" dir="2700000" algn="tl">
-                    <a:srgbClr val="000000">
-                      <a:alpha val="43137"/>
-                    </a:srgbClr>
-                  </a:outerShdw>
-                </a:effectLst>
-                <a:latin typeface="Helvetica" panose="020B0604020202020204" pitchFamily="34" charset="0"/>
-                <a:cs typeface="Helvetica" panose="020B0604020202020204" pitchFamily="34" charset="0"/>
-              </a:rPr>
-              <a:t>Bluetooth beacons</a:t>
-            </a:r>
-          </a:p>
-          <a:p>
-            <a:pPr>
-              <a:lnSpc>
-                <a:spcPct val="200000"/>
-              </a:lnSpc>
-              <a:spcBef>
-                <a:spcPts val="600"/>
-              </a:spcBef>
-            </a:pPr>
-            <a:r>
-              <a:rPr lang="en-US" sz="2000" spc="400" dirty="0">
-                <a:solidFill>
-                  <a:schemeClr val="bg2">
-                    <a:lumMod val="25000"/>
-                  </a:schemeClr>
-                </a:solidFill>
-                <a:effectLst>
-                  <a:outerShdw blurRad="38100" dist="38100" dir="2700000" algn="tl">
-                    <a:srgbClr val="000000">
-                      <a:alpha val="43137"/>
-                    </a:srgbClr>
-                  </a:outerShdw>
-                </a:effectLst>
-                <a:latin typeface="Helvetica" panose="020B0604020202020204" pitchFamily="34" charset="0"/>
-                <a:cs typeface="Helvetica" panose="020B0604020202020204" pitchFamily="34" charset="0"/>
-              </a:rPr>
-              <a:t>NFC tags</a:t>
-            </a:r>
-          </a:p>
-          <a:p>
-            <a:pPr>
-              <a:lnSpc>
-                <a:spcPct val="200000"/>
-              </a:lnSpc>
-              <a:spcBef>
-                <a:spcPts val="600"/>
-              </a:spcBef>
-            </a:pPr>
-            <a:r>
-              <a:rPr lang="en-US" sz="2000" spc="400" dirty="0">
-                <a:solidFill>
-                  <a:schemeClr val="bg2">
-                    <a:lumMod val="25000"/>
-                  </a:schemeClr>
-                </a:solidFill>
-                <a:effectLst>
-                  <a:outerShdw blurRad="38100" dist="38100" dir="2700000" algn="tl">
-                    <a:srgbClr val="000000">
-                      <a:alpha val="43137"/>
-                    </a:srgbClr>
-                  </a:outerShdw>
-                </a:effectLst>
-                <a:latin typeface="Helvetica" panose="020B0604020202020204" pitchFamily="34" charset="0"/>
-                <a:cs typeface="Helvetica" panose="020B0604020202020204" pitchFamily="34" charset="0"/>
-              </a:rPr>
-              <a:t>QR codes</a:t>
-            </a:r>
-          </a:p>
-          <a:p>
-            <a:pPr>
-              <a:lnSpc>
-                <a:spcPct val="200000"/>
-              </a:lnSpc>
-              <a:spcBef>
-                <a:spcPts val="600"/>
-              </a:spcBef>
-            </a:pPr>
-            <a:r>
-              <a:rPr lang="en-US" sz="2000" spc="400" dirty="0">
-                <a:solidFill>
-                  <a:schemeClr val="bg2">
-                    <a:lumMod val="25000"/>
-                  </a:schemeClr>
-                </a:solidFill>
-                <a:effectLst>
-                  <a:outerShdw blurRad="38100" dist="38100" dir="2700000" algn="tl">
-                    <a:srgbClr val="000000">
-                      <a:alpha val="43137"/>
-                    </a:srgbClr>
-                  </a:outerShdw>
-                </a:effectLst>
-                <a:latin typeface="Helvetica" panose="020B0604020202020204" pitchFamily="34" charset="0"/>
-                <a:cs typeface="Helvetica" panose="020B0604020202020204" pitchFamily="34" charset="0"/>
-              </a:rPr>
-              <a:t>Barcodes</a:t>
-            </a:r>
-          </a:p>
-        </p:txBody>
-      </p:sp>
-      <p:sp>
-        <p:nvSpPr>
-          <p:cNvPr id="35" name="Slide Number Placeholder 34">
-            <a:extLst>
-              <a:ext uri="{FF2B5EF4-FFF2-40B4-BE49-F238E27FC236}">
-                <a16:creationId xmlns:a16="http://schemas.microsoft.com/office/drawing/2014/main" id="{2DD84183-8918-4B86-8418-5094E7C47E67}"/>
-              </a:ext>
-            </a:extLst>
-          </p:cNvPr>
-          <p:cNvSpPr>
-            <a:spLocks noGrp="1"/>
-          </p:cNvSpPr>
-          <p:nvPr>
-            <p:ph type="sldNum" sz="quarter" idx="4"/>
-          </p:nvPr>
-        </p:nvSpPr>
-        <p:spPr/>
-        <p:txBody>
-          <a:bodyPr/>
-          <a:lstStyle/>
-          <a:p>
-            <a:fld id="{8C2E478F-E849-4A8C-AF1F-CBCC78A7CBFA}" type="slidenum">
-              <a:rPr lang="en-US" smtClean="0"/>
-              <a:t>3</a:t>
-            </a:fld>
-            <a:endParaRPr lang="en-US" dirty="0"/>
-          </a:p>
-        </p:txBody>
-      </p:sp>
-      <p:pic>
-        <p:nvPicPr>
-          <p:cNvPr id="7" name="Picture Placeholder 6" descr="A picture containing food&#10;&#10;Description automatically generated">
-            <a:extLst>
-              <a:ext uri="{FF2B5EF4-FFF2-40B4-BE49-F238E27FC236}">
-                <a16:creationId xmlns:a16="http://schemas.microsoft.com/office/drawing/2014/main" id="{598AE718-76FB-4E86-A329-AA6159F8BBE9}"/>
-              </a:ext>
-            </a:extLst>
-          </p:cNvPr>
-          <p:cNvPicPr>
-            <a:picLocks noGrp="1" noChangeAspect="1"/>
-          </p:cNvPicPr>
-          <p:nvPr>
-            <p:ph type="pic" sz="quarter" idx="14"/>
-          </p:nvPr>
-        </p:nvPicPr>
-        <p:blipFill>
-          <a:blip r:embed="rId3"/>
-          <a:srcRect t="3323" b="3323"/>
-          <a:stretch>
-            <a:fillRect/>
-          </a:stretch>
-        </p:blipFill>
-        <p:spPr>
-          <a:gradFill flip="none" rotWithShape="1">
-            <a:gsLst>
-              <a:gs pos="0">
-                <a:srgbClr val="01023B">
-                  <a:alpha val="50000"/>
-                </a:srgbClr>
-              </a:gs>
-              <a:gs pos="85000">
-                <a:srgbClr val="E99757">
-                  <a:alpha val="50000"/>
-                </a:srgbClr>
-              </a:gs>
-              <a:gs pos="50000">
-                <a:srgbClr val="A53F52">
-                  <a:alpha val="50000"/>
-                </a:srgbClr>
-              </a:gs>
-            </a:gsLst>
-            <a:lin ang="10800000" scaled="1"/>
-            <a:tileRect/>
-          </a:gradFill>
-          <a:ln>
-            <a:noFill/>
-          </a:ln>
-        </p:spPr>
-      </p:pic>
-      <p:sp>
-        <p:nvSpPr>
-          <p:cNvPr id="8" name="Rectangle 7">
-            <a:extLst>
-              <a:ext uri="{FF2B5EF4-FFF2-40B4-BE49-F238E27FC236}">
-                <a16:creationId xmlns:a16="http://schemas.microsoft.com/office/drawing/2014/main" id="{BF44EB5F-6A0F-4ED0-AE85-7BB94B8C2DB4}"/>
-              </a:ext>
-            </a:extLst>
-          </p:cNvPr>
-          <p:cNvSpPr/>
-          <p:nvPr/>
-        </p:nvSpPr>
-        <p:spPr>
-          <a:xfrm>
-            <a:off x="0" y="-19878"/>
-            <a:ext cx="7406905" cy="6853306"/>
+            <a:off x="10126133" y="6445495"/>
+            <a:ext cx="1423136" cy="414411"/>
           </a:xfrm>
           <a:prstGeom prst="rect">
             <a:avLst/>
           </a:prstGeom>
-          <a:gradFill>
-            <a:gsLst>
-              <a:gs pos="0">
-                <a:srgbClr val="01023B">
-                  <a:alpha val="50000"/>
-                </a:srgbClr>
-              </a:gs>
-              <a:gs pos="85000">
-                <a:srgbClr val="E99757">
-                  <a:alpha val="50000"/>
-                </a:srgbClr>
-              </a:gs>
-              <a:gs pos="50000">
-                <a:srgbClr val="A53F52">
-                  <a:alpha val="50000"/>
-                </a:srgbClr>
-              </a:gs>
-            </a:gsLst>
-            <a:lin ang="10800000" scaled="1"/>
-          </a:gradFill>
+          <a:solidFill>
+            <a:schemeClr val="bg1"/>
+          </a:solidFill>
           <a:ln>
             <a:noFill/>
           </a:ln>
@@ -9060,87 +8691,10 @@
       </p:sp>
       <p:sp>
         <p:nvSpPr>
-          <p:cNvPr id="9" name="Rectangle 8">
+          <p:cNvPr id="9" name="Text Placeholder 13">
             <a:extLst>
               <a:ext uri="{FF2B5EF4-FFF2-40B4-BE49-F238E27FC236}">
-                <a16:creationId xmlns:a16="http://schemas.microsoft.com/office/drawing/2014/main" id="{42F2EBF6-019D-42CE-8F77-238E2AF48884}"/>
-              </a:ext>
-            </a:extLst>
-          </p:cNvPr>
-          <p:cNvSpPr/>
-          <p:nvPr/>
-        </p:nvSpPr>
-        <p:spPr>
-          <a:xfrm>
-            <a:off x="10142806" y="6468303"/>
-            <a:ext cx="1406463" cy="389697"/>
-          </a:xfrm>
-          <a:prstGeom prst="rect">
-            <a:avLst/>
-          </a:prstGeom>
-          <a:ln>
-            <a:noFill/>
-          </a:ln>
-        </p:spPr>
-        <p:style>
-          <a:lnRef idx="2">
-            <a:schemeClr val="accent6"/>
-          </a:lnRef>
-          <a:fillRef idx="1">
-            <a:schemeClr val="lt1"/>
-          </a:fillRef>
-          <a:effectRef idx="0">
-            <a:schemeClr val="accent6"/>
-          </a:effectRef>
-          <a:fontRef idx="minor">
-            <a:schemeClr val="dk1"/>
-          </a:fontRef>
-        </p:style>
-        <p:txBody>
-          <a:bodyPr rtlCol="0" anchor="ctr"/>
-          <a:lstStyle/>
-          <a:p>
-            <a:pPr algn="ctr"/>
-            <a:endParaRPr lang="en-IE"/>
-          </a:p>
-        </p:txBody>
-      </p:sp>
-    </p:spTree>
-    <p:extLst>
-      <p:ext uri="{BB962C8B-B14F-4D97-AF65-F5344CB8AC3E}">
-        <p14:creationId xmlns:p14="http://schemas.microsoft.com/office/powerpoint/2010/main" val="2720361709"/>
-      </p:ext>
-    </p:extLst>
-  </p:cSld>
-  <p:clrMapOvr>
-    <a:masterClrMapping/>
-  </p:clrMapOvr>
-</p:sld>
-</file>
-
-<file path=ppt/slides/slide4.xml><?xml version="1.0" encoding="utf-8"?>
-<p:sld xmlns:a="http://schemas.openxmlformats.org/drawingml/2006/main" xmlns:r="http://schemas.openxmlformats.org/officeDocument/2006/relationships" xmlns:p="http://schemas.openxmlformats.org/presentationml/2006/main">
-  <p:cSld>
-    <p:spTree>
-      <p:nvGrpSpPr>
-        <p:cNvPr id="1" name=""/>
-        <p:cNvGrpSpPr/>
-        <p:nvPr/>
-      </p:nvGrpSpPr>
-      <p:grpSpPr>
-        <a:xfrm>
-          <a:off x="0" y="0"/>
-          <a:ext cx="0" cy="0"/>
-          <a:chOff x="0" y="0"/>
-          <a:chExt cx="0" cy="0"/>
-        </a:xfrm>
-      </p:grpSpPr>
-      <p:sp>
-        <p:nvSpPr>
-          <p:cNvPr id="3" name="Title 2">
-            <a:extLst>
-              <a:ext uri="{FF2B5EF4-FFF2-40B4-BE49-F238E27FC236}">
-                <a16:creationId xmlns:a16="http://schemas.microsoft.com/office/drawing/2014/main" id="{1D24B42B-925B-494C-A986-BD85E8117E1E}"/>
+                <a16:creationId xmlns:a16="http://schemas.microsoft.com/office/drawing/2014/main" id="{4A4D6BAE-677F-4450-AE14-AD8224A4660A}"/>
               </a:ext>
             </a:extLst>
           </p:cNvPr>
@@ -9148,13 +8702,13 @@
             <a:spLocks noGrp="1"/>
           </p:cNvSpPr>
           <p:nvPr>
-            <p:ph type="title"/>
+            <p:ph type="body" idx="13"/>
           </p:nvPr>
         </p:nvSpPr>
         <p:spPr>
           <a:xfrm>
-            <a:off x="6215270" y="2179089"/>
-            <a:ext cx="5976730" cy="1661297"/>
+            <a:off x="6297819" y="2328187"/>
+            <a:ext cx="5251450" cy="754775"/>
           </a:xfrm>
         </p:spPr>
         <p:txBody>
@@ -9163,54 +8717,16 @@
           </a:bodyPr>
           <a:lstStyle/>
           <a:p>
-            <a:pPr algn="ctr"/>
-            <a:r>
-              <a:rPr lang="en-US" cap="none" dirty="0">
-                <a:effectLst>
-                  <a:outerShdw blurRad="38100" dist="38100" dir="2700000" algn="tl">
-                    <a:srgbClr val="000000">
-                      <a:alpha val="43137"/>
-                    </a:srgbClr>
-                  </a:outerShdw>
-                </a:effectLst>
-                <a:latin typeface="Futura"/>
-                <a:cs typeface="Helvetica" panose="020B0604020202020204" pitchFamily="34" charset="0"/>
-              </a:rPr>
-              <a:t>Project Management</a:t>
-            </a:r>
-          </a:p>
-        </p:txBody>
-      </p:sp>
-      <p:sp>
-        <p:nvSpPr>
-          <p:cNvPr id="4" name="Text Placeholder 3">
-            <a:extLst>
-              <a:ext uri="{FF2B5EF4-FFF2-40B4-BE49-F238E27FC236}">
-                <a16:creationId xmlns:a16="http://schemas.microsoft.com/office/drawing/2014/main" id="{A8CA6DEC-302B-49C8-AC11-FD6F37AFA854}"/>
-              </a:ext>
-            </a:extLst>
-          </p:cNvPr>
-          <p:cNvSpPr>
-            <a:spLocks noGrp="1"/>
-          </p:cNvSpPr>
-          <p:nvPr>
-            <p:ph type="body" idx="1"/>
-          </p:nvPr>
-        </p:nvSpPr>
-        <p:spPr>
-          <a:xfrm>
-            <a:off x="6808305" y="4187689"/>
-            <a:ext cx="4962938" cy="572032"/>
-          </a:xfrm>
-        </p:spPr>
-        <p:txBody>
-          <a:bodyPr>
-            <a:normAutofit/>
-          </a:bodyPr>
-          <a:lstStyle/>
-          <a:p>
-            <a:r>
-              <a:rPr lang="en-US" dirty="0">
+            <a:pPr>
+              <a:lnSpc>
+                <a:spcPct val="100000"/>
+              </a:lnSpc>
+              <a:spcBef>
+                <a:spcPts val="600"/>
+              </a:spcBef>
+            </a:pPr>
+            <a:r>
+              <a:rPr lang="en-US" sz="2000" spc="300" dirty="0">
                 <a:solidFill>
                   <a:schemeClr val="bg2">
                     <a:lumMod val="25000"/>
@@ -9226,186 +8742,404 @@
                 <a:latin typeface="Helvetica" panose="020B0604020202020204" pitchFamily="34" charset="0"/>
                 <a:cs typeface="Helvetica" panose="020B0604020202020204" pitchFamily="34" charset="0"/>
               </a:rPr>
-              <a:t>Gantt chart &amp; Backlog</a:t>
-            </a:r>
-          </a:p>
-        </p:txBody>
-      </p:sp>
-      <p:sp>
-        <p:nvSpPr>
-          <p:cNvPr id="2094" name="Slide Number Placeholder 2093">
+              <a:t>List of what we are </a:t>
+            </a:r>
+            <a:r>
+              <a:rPr lang="en-US" sz="2000" spc="300" dirty="0" smtClean="0">
+                <a:solidFill>
+                  <a:schemeClr val="bg2">
+                    <a:lumMod val="25000"/>
+                  </a:schemeClr>
+                </a:solidFill>
+                <a:effectLst>
+                  <a:outerShdw blurRad="38100" dist="38100" dir="2700000" algn="tl">
+                    <a:srgbClr val="000000">
+                      <a:alpha val="43137"/>
+                    </a:srgbClr>
+                  </a:outerShdw>
+                </a:effectLst>
+                <a:latin typeface="Helvetica" panose="020B0604020202020204" pitchFamily="34" charset="0"/>
+                <a:cs typeface="Helvetica" panose="020B0604020202020204" pitchFamily="34" charset="0"/>
+              </a:rPr>
+              <a:t>using:</a:t>
+            </a:r>
+            <a:endParaRPr lang="en-US" sz="2000" spc="300" dirty="0">
+              <a:solidFill>
+                <a:schemeClr val="bg2">
+                  <a:lumMod val="25000"/>
+                </a:schemeClr>
+              </a:solidFill>
+              <a:effectLst>
+                <a:outerShdw blurRad="38100" dist="38100" dir="2700000" algn="tl">
+                  <a:srgbClr val="000000">
+                    <a:alpha val="43137"/>
+                  </a:srgbClr>
+                </a:outerShdw>
+              </a:effectLst>
+              <a:latin typeface="Helvetica" panose="020B0604020202020204" pitchFamily="34" charset="0"/>
+              <a:cs typeface="Helvetica" panose="020B0604020202020204" pitchFamily="34" charset="0"/>
+            </a:endParaRPr>
+          </a:p>
+        </p:txBody>
+      </p:sp>
+      <p:sp>
+        <p:nvSpPr>
+          <p:cNvPr id="10" name="Content Placeholder 12">
             <a:extLst>
               <a:ext uri="{FF2B5EF4-FFF2-40B4-BE49-F238E27FC236}">
-                <a16:creationId xmlns:a16="http://schemas.microsoft.com/office/drawing/2014/main" id="{5DA62994-769D-4C19-BB0A-5144E0A5CFCD}"/>
+                <a16:creationId xmlns:a16="http://schemas.microsoft.com/office/drawing/2014/main" id="{A4E49AC7-7A73-4B51-BDF6-EABA3162F4B7}"/>
               </a:ext>
             </a:extLst>
           </p:cNvPr>
-          <p:cNvSpPr>
-            <a:spLocks noGrp="1"/>
+          <p:cNvSpPr txBox="1">
+            <a:spLocks/>
           </p:cNvSpPr>
-          <p:nvPr>
-            <p:ph type="sldNum" sz="quarter" idx="12"/>
-          </p:nvPr>
-        </p:nvSpPr>
-        <p:spPr/>
-        <p:txBody>
-          <a:bodyPr/>
-          <a:lstStyle/>
-          <a:p>
-            <a:fld id="{8C2E478F-E849-4A8C-AF1F-CBCC78A7CBFA}" type="slidenum">
-              <a:rPr lang="en-US" smtClean="0"/>
-              <a:pPr/>
-              <a:t>4</a:t>
-            </a:fld>
-            <a:endParaRPr lang="en-US" dirty="0"/>
-          </a:p>
-        </p:txBody>
-      </p:sp>
-      <p:sp>
-        <p:nvSpPr>
-          <p:cNvPr id="2" name="Rectangle 1">
-            <a:extLst>
-              <a:ext uri="{FF2B5EF4-FFF2-40B4-BE49-F238E27FC236}">
-                <a16:creationId xmlns:a16="http://schemas.microsoft.com/office/drawing/2014/main" id="{8B2C794C-7DFB-4C0B-96CD-3C814E893756}"/>
-              </a:ext>
-            </a:extLst>
-          </p:cNvPr>
-          <p:cNvSpPr/>
           <p:nvPr/>
         </p:nvSpPr>
         <p:spPr>
           <a:xfrm>
-            <a:off x="10045148" y="6468303"/>
-            <a:ext cx="1504121" cy="365125"/>
+            <a:off x="6547557" y="2926951"/>
+            <a:ext cx="5093404" cy="3319976"/>
           </a:xfrm>
           <a:prstGeom prst="rect">
             <a:avLst/>
           </a:prstGeom>
-          <a:ln>
-            <a:noFill/>
-          </a:ln>
         </p:spPr>
-        <p:style>
-          <a:lnRef idx="2">
-            <a:schemeClr val="accent6"/>
-          </a:lnRef>
-          <a:fillRef idx="1">
-            <a:schemeClr val="lt1"/>
-          </a:fillRef>
-          <a:effectRef idx="0">
-            <a:schemeClr val="accent6"/>
-          </a:effectRef>
-          <a:fontRef idx="minor">
-            <a:schemeClr val="dk1"/>
-          </a:fontRef>
-        </p:style>
-        <p:txBody>
-          <a:bodyPr rtlCol="0" anchor="ctr"/>
-          <a:lstStyle/>
-          <a:p>
-            <a:pPr algn="ctr"/>
-            <a:endParaRPr lang="en-IE"/>
-          </a:p>
-        </p:txBody>
-      </p:sp>
-      <p:pic>
-        <p:nvPicPr>
-          <p:cNvPr id="9" name="Picture Placeholder 8" descr="A screenshot of a social media post&#10;&#10;Description automatically generated">
-            <a:extLst>
-              <a:ext uri="{FF2B5EF4-FFF2-40B4-BE49-F238E27FC236}">
-                <a16:creationId xmlns:a16="http://schemas.microsoft.com/office/drawing/2014/main" id="{658DF35E-A114-4C35-A24B-6158FFEFB00C}"/>
-              </a:ext>
-            </a:extLst>
-          </p:cNvPr>
-          <p:cNvPicPr>
-            <a:picLocks noGrp="1" noChangeAspect="1"/>
-          </p:cNvPicPr>
-          <p:nvPr>
-            <p:ph type="pic" sz="quarter" idx="13"/>
-          </p:nvPr>
-        </p:nvPicPr>
-        <p:blipFill>
-          <a:blip r:embed="rId2"/>
-          <a:srcRect l="5556" r="5556"/>
-          <a:stretch>
-            <a:fillRect/>
-          </a:stretch>
-        </p:blipFill>
-        <p:spPr/>
-      </p:pic>
-      <p:sp>
-        <p:nvSpPr>
-          <p:cNvPr id="10" name="Rectangle 9">
-            <a:extLst>
-              <a:ext uri="{FF2B5EF4-FFF2-40B4-BE49-F238E27FC236}">
-                <a16:creationId xmlns:a16="http://schemas.microsoft.com/office/drawing/2014/main" id="{7FED249B-10C7-409C-B9E4-BB1477FDC75F}"/>
-              </a:ext>
-            </a:extLst>
-          </p:cNvPr>
-          <p:cNvSpPr/>
-          <p:nvPr/>
-        </p:nvSpPr>
-        <p:spPr>
-          <a:xfrm>
-            <a:off x="0" y="0"/>
-            <a:ext cx="6096000" cy="6833428"/>
-          </a:xfrm>
-          <a:prstGeom prst="rect">
-            <a:avLst/>
-          </a:prstGeom>
-          <a:gradFill>
-            <a:gsLst>
-              <a:gs pos="0">
-                <a:srgbClr val="01023B">
-                  <a:alpha val="50000"/>
-                </a:srgbClr>
-              </a:gs>
-              <a:gs pos="85000">
-                <a:srgbClr val="E99757">
-                  <a:alpha val="50000"/>
-                </a:srgbClr>
-              </a:gs>
-              <a:gs pos="50000">
-                <a:srgbClr val="A53F52">
-                  <a:alpha val="50000"/>
-                </a:srgbClr>
-              </a:gs>
-            </a:gsLst>
-            <a:lin ang="10800000" scaled="1"/>
-          </a:gradFill>
-          <a:ln>
-            <a:noFill/>
-          </a:ln>
-        </p:spPr>
-        <p:style>
-          <a:lnRef idx="2">
-            <a:schemeClr val="accent1">
-              <a:shade val="50000"/>
-            </a:schemeClr>
-          </a:lnRef>
-          <a:fillRef idx="1">
-            <a:schemeClr val="accent1"/>
-          </a:fillRef>
-          <a:effectRef idx="0">
-            <a:schemeClr val="accent1"/>
-          </a:effectRef>
-          <a:fontRef idx="minor">
-            <a:schemeClr val="lt1"/>
-          </a:fontRef>
-        </p:style>
-        <p:txBody>
-          <a:bodyPr rtlCol="0" anchor="ctr"/>
-          <a:lstStyle/>
-          <a:p>
-            <a:pPr algn="ctr"/>
-            <a:endParaRPr lang="en-IE"/>
+        <p:txBody>
+          <a:bodyPr vert="horz" lIns="91440" tIns="45720" rIns="91440" bIns="45720" rtlCol="0" anchor="ctr">
+            <a:normAutofit lnSpcReduction="10000"/>
+          </a:bodyPr>
+          <a:lstStyle>
+            <a:lvl1pPr marL="0" indent="0" algn="l" defTabSz="914400" rtl="0" eaLnBrk="1" latinLnBrk="0" hangingPunct="1">
+              <a:lnSpc>
+                <a:spcPct val="100000"/>
+              </a:lnSpc>
+              <a:spcBef>
+                <a:spcPts val="1000"/>
+              </a:spcBef>
+              <a:buFont typeface="Arial" panose="020B0604020202020204" pitchFamily="34" charset="0"/>
+              <a:buNone/>
+              <a:defRPr sz="2400" kern="1200" spc="600">
+                <a:solidFill>
+                  <a:schemeClr val="tx1">
+                    <a:tint val="75000"/>
+                  </a:schemeClr>
+                </a:solidFill>
+                <a:latin typeface="+mn-lt"/>
+                <a:ea typeface="+mn-ea"/>
+                <a:cs typeface="+mn-cs"/>
+              </a:defRPr>
+            </a:lvl1pPr>
+            <a:lvl2pPr marL="457200" indent="0" algn="l" defTabSz="914400" rtl="0" eaLnBrk="1" latinLnBrk="0" hangingPunct="1">
+              <a:lnSpc>
+                <a:spcPct val="150000"/>
+              </a:lnSpc>
+              <a:spcBef>
+                <a:spcPts val="500"/>
+              </a:spcBef>
+              <a:buFont typeface="Arial" panose="020B0604020202020204" pitchFamily="34" charset="0"/>
+              <a:buNone/>
+              <a:defRPr sz="2000" kern="1200">
+                <a:solidFill>
+                  <a:schemeClr val="tx1">
+                    <a:tint val="75000"/>
+                  </a:schemeClr>
+                </a:solidFill>
+                <a:latin typeface="+mn-lt"/>
+                <a:ea typeface="+mn-ea"/>
+                <a:cs typeface="+mn-cs"/>
+              </a:defRPr>
+            </a:lvl2pPr>
+            <a:lvl3pPr marL="914400" indent="0" algn="l" defTabSz="914400" rtl="0" eaLnBrk="1" latinLnBrk="0" hangingPunct="1">
+              <a:lnSpc>
+                <a:spcPct val="150000"/>
+              </a:lnSpc>
+              <a:spcBef>
+                <a:spcPts val="500"/>
+              </a:spcBef>
+              <a:buFont typeface="Arial" panose="020B0604020202020204" pitchFamily="34" charset="0"/>
+              <a:buNone/>
+              <a:defRPr sz="1800" kern="1200">
+                <a:solidFill>
+                  <a:schemeClr val="tx1">
+                    <a:tint val="75000"/>
+                  </a:schemeClr>
+                </a:solidFill>
+                <a:latin typeface="+mn-lt"/>
+                <a:ea typeface="+mn-ea"/>
+                <a:cs typeface="+mn-cs"/>
+              </a:defRPr>
+            </a:lvl3pPr>
+            <a:lvl4pPr marL="1371600" indent="0" algn="l" defTabSz="914400" rtl="0" eaLnBrk="1" latinLnBrk="0" hangingPunct="1">
+              <a:lnSpc>
+                <a:spcPct val="150000"/>
+              </a:lnSpc>
+              <a:spcBef>
+                <a:spcPts val="500"/>
+              </a:spcBef>
+              <a:buFont typeface="Arial" panose="020B0604020202020204" pitchFamily="34" charset="0"/>
+              <a:buNone/>
+              <a:defRPr sz="1600" kern="1200">
+                <a:solidFill>
+                  <a:schemeClr val="tx1">
+                    <a:tint val="75000"/>
+                  </a:schemeClr>
+                </a:solidFill>
+                <a:latin typeface="+mn-lt"/>
+                <a:ea typeface="+mn-ea"/>
+                <a:cs typeface="+mn-cs"/>
+              </a:defRPr>
+            </a:lvl4pPr>
+            <a:lvl5pPr marL="1828800" indent="0" algn="l" defTabSz="914400" rtl="0" eaLnBrk="1" latinLnBrk="0" hangingPunct="1">
+              <a:lnSpc>
+                <a:spcPct val="150000"/>
+              </a:lnSpc>
+              <a:spcBef>
+                <a:spcPts val="500"/>
+              </a:spcBef>
+              <a:buFont typeface="Arial" panose="020B0604020202020204" pitchFamily="34" charset="0"/>
+              <a:buNone/>
+              <a:defRPr sz="1600" kern="1200">
+                <a:solidFill>
+                  <a:schemeClr val="tx1">
+                    <a:tint val="75000"/>
+                  </a:schemeClr>
+                </a:solidFill>
+                <a:latin typeface="+mn-lt"/>
+                <a:ea typeface="+mn-ea"/>
+                <a:cs typeface="+mn-cs"/>
+              </a:defRPr>
+            </a:lvl5pPr>
+            <a:lvl6pPr marL="2286000" indent="0" algn="l" defTabSz="914400" rtl="0" eaLnBrk="1" latinLnBrk="0" hangingPunct="1">
+              <a:lnSpc>
+                <a:spcPct val="90000"/>
+              </a:lnSpc>
+              <a:spcBef>
+                <a:spcPts val="500"/>
+              </a:spcBef>
+              <a:buFont typeface="Arial" panose="020B0604020202020204" pitchFamily="34" charset="0"/>
+              <a:buNone/>
+              <a:defRPr sz="1600" kern="1200">
+                <a:solidFill>
+                  <a:schemeClr val="tx1">
+                    <a:tint val="75000"/>
+                  </a:schemeClr>
+                </a:solidFill>
+                <a:latin typeface="+mn-lt"/>
+                <a:ea typeface="+mn-ea"/>
+                <a:cs typeface="+mn-cs"/>
+              </a:defRPr>
+            </a:lvl6pPr>
+            <a:lvl7pPr marL="2743200" indent="0" algn="l" defTabSz="914400" rtl="0" eaLnBrk="1" latinLnBrk="0" hangingPunct="1">
+              <a:lnSpc>
+                <a:spcPct val="90000"/>
+              </a:lnSpc>
+              <a:spcBef>
+                <a:spcPts val="500"/>
+              </a:spcBef>
+              <a:buFont typeface="Arial" panose="020B0604020202020204" pitchFamily="34" charset="0"/>
+              <a:buNone/>
+              <a:defRPr sz="1600" kern="1200">
+                <a:solidFill>
+                  <a:schemeClr val="tx1">
+                    <a:tint val="75000"/>
+                  </a:schemeClr>
+                </a:solidFill>
+                <a:latin typeface="+mn-lt"/>
+                <a:ea typeface="+mn-ea"/>
+                <a:cs typeface="+mn-cs"/>
+              </a:defRPr>
+            </a:lvl7pPr>
+            <a:lvl8pPr marL="3200400" indent="0" algn="l" defTabSz="914400" rtl="0" eaLnBrk="1" latinLnBrk="0" hangingPunct="1">
+              <a:lnSpc>
+                <a:spcPct val="90000"/>
+              </a:lnSpc>
+              <a:spcBef>
+                <a:spcPts val="500"/>
+              </a:spcBef>
+              <a:buFont typeface="Arial" panose="020B0604020202020204" pitchFamily="34" charset="0"/>
+              <a:buNone/>
+              <a:defRPr sz="1600" kern="1200">
+                <a:solidFill>
+                  <a:schemeClr val="tx1">
+                    <a:tint val="75000"/>
+                  </a:schemeClr>
+                </a:solidFill>
+                <a:latin typeface="+mn-lt"/>
+                <a:ea typeface="+mn-ea"/>
+                <a:cs typeface="+mn-cs"/>
+              </a:defRPr>
+            </a:lvl8pPr>
+            <a:lvl9pPr marL="3657600" indent="0" algn="l" defTabSz="914400" rtl="0" eaLnBrk="1" latinLnBrk="0" hangingPunct="1">
+              <a:lnSpc>
+                <a:spcPct val="90000"/>
+              </a:lnSpc>
+              <a:spcBef>
+                <a:spcPts val="500"/>
+              </a:spcBef>
+              <a:buFont typeface="Arial" panose="020B0604020202020204" pitchFamily="34" charset="0"/>
+              <a:buNone/>
+              <a:defRPr sz="1600" kern="1200">
+                <a:solidFill>
+                  <a:schemeClr val="tx1">
+                    <a:tint val="75000"/>
+                  </a:schemeClr>
+                </a:solidFill>
+                <a:latin typeface="+mn-lt"/>
+                <a:ea typeface="+mn-ea"/>
+                <a:cs typeface="+mn-cs"/>
+              </a:defRPr>
+            </a:lvl9pPr>
+          </a:lstStyle>
+          <a:p>
+            <a:pPr marL="342900" indent="-342900">
+              <a:lnSpc>
+                <a:spcPct val="200000"/>
+              </a:lnSpc>
+              <a:spcBef>
+                <a:spcPts val="600"/>
+              </a:spcBef>
+              <a:buFont typeface="Arial" panose="020B0604020202020204" pitchFamily="34" charset="0"/>
+              <a:buChar char="•"/>
+            </a:pPr>
+            <a:r>
+              <a:rPr lang="en-US" sz="2000" spc="400" dirty="0" smtClean="0">
+                <a:solidFill>
+                  <a:schemeClr val="bg2">
+                    <a:lumMod val="25000"/>
+                  </a:schemeClr>
+                </a:solidFill>
+                <a:effectLst>
+                  <a:outerShdw blurRad="38100" dist="38100" dir="2700000" algn="tl">
+                    <a:srgbClr val="000000">
+                      <a:alpha val="43137"/>
+                    </a:srgbClr>
+                  </a:outerShdw>
+                </a:effectLst>
+                <a:latin typeface="Helvetica" panose="020B0604020202020204" pitchFamily="34" charset="0"/>
+                <a:cs typeface="Helvetica" panose="020B0604020202020204" pitchFamily="34" charset="0"/>
+              </a:rPr>
+              <a:t>GitHub</a:t>
+            </a:r>
+          </a:p>
+          <a:p>
+            <a:pPr marL="342900" indent="-342900">
+              <a:lnSpc>
+                <a:spcPct val="200000"/>
+              </a:lnSpc>
+              <a:spcBef>
+                <a:spcPts val="600"/>
+              </a:spcBef>
+              <a:buFont typeface="Arial" panose="020B0604020202020204" pitchFamily="34" charset="0"/>
+              <a:buChar char="•"/>
+            </a:pPr>
+            <a:r>
+              <a:rPr lang="en-US" sz="2000" spc="400" dirty="0" smtClean="0">
+                <a:solidFill>
+                  <a:schemeClr val="bg2">
+                    <a:lumMod val="25000"/>
+                  </a:schemeClr>
+                </a:solidFill>
+                <a:effectLst>
+                  <a:outerShdw blurRad="38100" dist="38100" dir="2700000" algn="tl">
+                    <a:srgbClr val="000000">
+                      <a:alpha val="43137"/>
+                    </a:srgbClr>
+                  </a:outerShdw>
+                </a:effectLst>
+                <a:latin typeface="Helvetica" panose="020B0604020202020204" pitchFamily="34" charset="0"/>
+                <a:cs typeface="Helvetica" panose="020B0604020202020204" pitchFamily="34" charset="0"/>
+              </a:rPr>
+              <a:t>Google Drive</a:t>
+            </a:r>
+          </a:p>
+          <a:p>
+            <a:pPr marL="342900" indent="-342900">
+              <a:lnSpc>
+                <a:spcPct val="200000"/>
+              </a:lnSpc>
+              <a:spcBef>
+                <a:spcPts val="600"/>
+              </a:spcBef>
+              <a:buFont typeface="Arial" panose="020B0604020202020204" pitchFamily="34" charset="0"/>
+              <a:buChar char="•"/>
+            </a:pPr>
+            <a:r>
+              <a:rPr lang="en-US" sz="2000" spc="400" dirty="0" smtClean="0">
+                <a:solidFill>
+                  <a:schemeClr val="bg2">
+                    <a:lumMod val="25000"/>
+                  </a:schemeClr>
+                </a:solidFill>
+                <a:effectLst>
+                  <a:outerShdw blurRad="38100" dist="38100" dir="2700000" algn="tl">
+                    <a:srgbClr val="000000">
+                      <a:alpha val="43137"/>
+                    </a:srgbClr>
+                  </a:outerShdw>
+                </a:effectLst>
+                <a:latin typeface="Helvetica" panose="020B0604020202020204" pitchFamily="34" charset="0"/>
+                <a:cs typeface="Helvetica" panose="020B0604020202020204" pitchFamily="34" charset="0"/>
+              </a:rPr>
+              <a:t>Messenger</a:t>
+            </a:r>
+          </a:p>
+          <a:p>
+            <a:pPr marL="342900" indent="-342900">
+              <a:lnSpc>
+                <a:spcPct val="200000"/>
+              </a:lnSpc>
+              <a:spcBef>
+                <a:spcPts val="600"/>
+              </a:spcBef>
+              <a:buFont typeface="Arial" panose="020B0604020202020204" pitchFamily="34" charset="0"/>
+              <a:buChar char="•"/>
+            </a:pPr>
+            <a:r>
+              <a:rPr lang="en-US" sz="2000" spc="400" dirty="0" smtClean="0">
+                <a:solidFill>
+                  <a:schemeClr val="bg2">
+                    <a:lumMod val="25000"/>
+                  </a:schemeClr>
+                </a:solidFill>
+                <a:effectLst>
+                  <a:outerShdw blurRad="38100" dist="38100" dir="2700000" algn="tl">
+                    <a:srgbClr val="000000">
+                      <a:alpha val="43137"/>
+                    </a:srgbClr>
+                  </a:outerShdw>
+                </a:effectLst>
+                <a:latin typeface="Helvetica" panose="020B0604020202020204" pitchFamily="34" charset="0"/>
+                <a:cs typeface="Helvetica" panose="020B0604020202020204" pitchFamily="34" charset="0"/>
+              </a:rPr>
+              <a:t>Microsoft Office – Word, Excel etc</a:t>
+            </a:r>
+            <a:r>
+              <a:rPr lang="en-US" sz="2000" spc="400" dirty="0">
+                <a:solidFill>
+                  <a:schemeClr val="bg2">
+                    <a:lumMod val="25000"/>
+                  </a:schemeClr>
+                </a:solidFill>
+                <a:effectLst>
+                  <a:outerShdw blurRad="38100" dist="38100" dir="2700000" algn="tl">
+                    <a:srgbClr val="000000">
+                      <a:alpha val="43137"/>
+                    </a:srgbClr>
+                  </a:outerShdw>
+                </a:effectLst>
+                <a:latin typeface="Helvetica" panose="020B0604020202020204" pitchFamily="34" charset="0"/>
+                <a:cs typeface="Helvetica" panose="020B0604020202020204" pitchFamily="34" charset="0"/>
+              </a:rPr>
+              <a:t>.</a:t>
+            </a:r>
           </a:p>
         </p:txBody>
       </p:sp>
     </p:spTree>
     <p:extLst>
       <p:ext uri="{BB962C8B-B14F-4D97-AF65-F5344CB8AC3E}">
-        <p14:creationId xmlns:p14="http://schemas.microsoft.com/office/powerpoint/2010/main" val="3578503173"/>
+        <p14:creationId xmlns:p14="http://schemas.microsoft.com/office/powerpoint/2010/main" val="3213554703"/>
       </p:ext>
     </p:extLst>
   </p:cSld>
@@ -9415,7 +9149,7 @@
 </p:sld>
 </file>
 
-<file path=ppt/slides/slide5.xml><?xml version="1.0" encoding="utf-8"?>
+<file path=ppt/slides/slide12.xml><?xml version="1.0" encoding="utf-8"?>
 <p:sld xmlns:a="http://schemas.openxmlformats.org/drawingml/2006/main" xmlns:r="http://schemas.openxmlformats.org/officeDocument/2006/relationships" xmlns:p="http://schemas.openxmlformats.org/presentationml/2006/main">
   <p:cSld>
     <p:spTree>
@@ -9471,7 +9205,7 @@
                 <a16:creationId xmlns:a16="http://schemas.microsoft.com/office/drawing/2014/main" id="{84970DCE-964B-4562-9633-71BA6A4DCB65}"/>
               </a:ext>
               <a:ext uri="{C183D7F6-B498-43B3-948B-1728B52AA6E4}">
-                <adec:decorative xmlns:adec="http://schemas.microsoft.com/office/drawing/2017/decorative" val="1"/>
+                <adec:decorative xmlns:adec="http://schemas.microsoft.com/office/drawing/2017/decorative" xmlns="" val="1"/>
               </a:ext>
             </a:extLst>
           </p:cNvPr>
@@ -9544,7 +9278,7 @@
                 <a16:creationId xmlns:a16="http://schemas.microsoft.com/office/drawing/2014/main" id="{3C1F0EB8-D260-4FB6-ACF6-6E86B9A02919}"/>
               </a:ext>
               <a:ext uri="{C183D7F6-B498-43B3-948B-1728B52AA6E4}">
-                <adec:decorative xmlns:adec="http://schemas.microsoft.com/office/drawing/2017/decorative" val="1"/>
+                <adec:decorative xmlns:adec="http://schemas.microsoft.com/office/drawing/2017/decorative" xmlns="" val="1"/>
               </a:ext>
             </a:extLst>
           </p:cNvPr>
@@ -9553,7 +9287,7 @@
         </p:nvSpPr>
         <p:spPr>
           <a:xfrm>
-            <a:off x="-1" y="3469046"/>
+            <a:off x="8252185" y="0"/>
             <a:ext cx="3939858" cy="2048932"/>
           </a:xfrm>
           <a:prstGeom prst="rect">
@@ -9616,7 +9350,7 @@
         </p:nvSpPr>
         <p:spPr>
           <a:xfrm>
-            <a:off x="-2" y="3952801"/>
+            <a:off x="8218318" y="409317"/>
             <a:ext cx="3939858" cy="1639615"/>
           </a:xfrm>
         </p:spPr>
@@ -9690,6 +9424,16 @@
               </a:rPr>
               <a:t>Management</a:t>
             </a:r>
+            <a:r>
+              <a:rPr lang="en-US" sz="4400" dirty="0">
+                <a:solidFill>
+                  <a:schemeClr val="bg1"/>
+                </a:solidFill>
+                <a:latin typeface="Futura"/>
+                <a:cs typeface="Gill Sans" panose="020B0502020104020203" pitchFamily="34" charset="-79"/>
+              </a:rPr>
+              <a:t/>
+            </a:r>
             <a:br>
               <a:rPr lang="en-US" sz="4400" dirty="0">
                 <a:solidFill>
@@ -9705,6 +9449,280 @@
               </a:solidFill>
               <a:latin typeface="Futura"/>
             </a:endParaRPr>
+          </a:p>
+        </p:txBody>
+      </p:sp>
+      <p:sp>
+        <p:nvSpPr>
+          <p:cNvPr id="7" name="Content Placeholder 12">
+            <a:extLst>
+              <a:ext uri="{FF2B5EF4-FFF2-40B4-BE49-F238E27FC236}">
+                <a16:creationId xmlns:a16="http://schemas.microsoft.com/office/drawing/2014/main" id="{A4E49AC7-7A73-4B51-BDF6-EABA3162F4B7}"/>
+              </a:ext>
+            </a:extLst>
+          </p:cNvPr>
+          <p:cNvSpPr txBox="1">
+            <a:spLocks/>
+          </p:cNvSpPr>
+          <p:nvPr/>
+        </p:nvSpPr>
+        <p:spPr>
+          <a:xfrm>
+            <a:off x="8218318" y="3550381"/>
+            <a:ext cx="3939858" cy="3319976"/>
+          </a:xfrm>
+          <a:prstGeom prst="rect">
+            <a:avLst/>
+          </a:prstGeom>
+        </p:spPr>
+        <p:txBody>
+          <a:bodyPr>
+            <a:normAutofit/>
+          </a:bodyPr>
+          <a:lstStyle>
+            <a:lvl1pPr marL="228600" indent="-228600" algn="l" defTabSz="914400" rtl="0" eaLnBrk="1" latinLnBrk="0" hangingPunct="1">
+              <a:lnSpc>
+                <a:spcPct val="150000"/>
+              </a:lnSpc>
+              <a:spcBef>
+                <a:spcPts val="1000"/>
+              </a:spcBef>
+              <a:buFont typeface="Arial" panose="020B0604020202020204" pitchFamily="34" charset="0"/>
+              <a:buChar char="•"/>
+              <a:defRPr sz="1600" kern="1200">
+                <a:solidFill>
+                  <a:schemeClr val="tx1"/>
+                </a:solidFill>
+                <a:latin typeface="+mn-lt"/>
+                <a:ea typeface="+mn-ea"/>
+                <a:cs typeface="+mn-cs"/>
+              </a:defRPr>
+            </a:lvl1pPr>
+            <a:lvl2pPr marL="685800" indent="-228600" algn="l" defTabSz="914400" rtl="0" eaLnBrk="1" latinLnBrk="0" hangingPunct="1">
+              <a:lnSpc>
+                <a:spcPct val="150000"/>
+              </a:lnSpc>
+              <a:spcBef>
+                <a:spcPts val="500"/>
+              </a:spcBef>
+              <a:buFont typeface="Arial" panose="020B0604020202020204" pitchFamily="34" charset="0"/>
+              <a:buChar char="•"/>
+              <a:defRPr sz="1400" kern="1200">
+                <a:solidFill>
+                  <a:schemeClr val="tx1"/>
+                </a:solidFill>
+                <a:latin typeface="+mn-lt"/>
+                <a:ea typeface="+mn-ea"/>
+                <a:cs typeface="+mn-cs"/>
+              </a:defRPr>
+            </a:lvl2pPr>
+            <a:lvl3pPr marL="1143000" indent="-228600" algn="l" defTabSz="914400" rtl="0" eaLnBrk="1" latinLnBrk="0" hangingPunct="1">
+              <a:lnSpc>
+                <a:spcPct val="150000"/>
+              </a:lnSpc>
+              <a:spcBef>
+                <a:spcPts val="500"/>
+              </a:spcBef>
+              <a:buFont typeface="Arial" panose="020B0604020202020204" pitchFamily="34" charset="0"/>
+              <a:buChar char="•"/>
+              <a:defRPr sz="1400" kern="1200">
+                <a:solidFill>
+                  <a:schemeClr val="tx1"/>
+                </a:solidFill>
+                <a:latin typeface="+mn-lt"/>
+                <a:ea typeface="+mn-ea"/>
+                <a:cs typeface="+mn-cs"/>
+              </a:defRPr>
+            </a:lvl3pPr>
+            <a:lvl4pPr marL="1600200" indent="-228600" algn="l" defTabSz="914400" rtl="0" eaLnBrk="1" latinLnBrk="0" hangingPunct="1">
+              <a:lnSpc>
+                <a:spcPct val="150000"/>
+              </a:lnSpc>
+              <a:spcBef>
+                <a:spcPts val="500"/>
+              </a:spcBef>
+              <a:buFont typeface="Arial" panose="020B0604020202020204" pitchFamily="34" charset="0"/>
+              <a:buChar char="•"/>
+              <a:defRPr sz="1200" kern="1200">
+                <a:solidFill>
+                  <a:schemeClr val="tx1"/>
+                </a:solidFill>
+                <a:latin typeface="+mn-lt"/>
+                <a:ea typeface="+mn-ea"/>
+                <a:cs typeface="+mn-cs"/>
+              </a:defRPr>
+            </a:lvl4pPr>
+            <a:lvl5pPr marL="2057400" indent="-228600" algn="l" defTabSz="914400" rtl="0" eaLnBrk="1" latinLnBrk="0" hangingPunct="1">
+              <a:lnSpc>
+                <a:spcPct val="150000"/>
+              </a:lnSpc>
+              <a:spcBef>
+                <a:spcPts val="500"/>
+              </a:spcBef>
+              <a:buFont typeface="Arial" panose="020B0604020202020204" pitchFamily="34" charset="0"/>
+              <a:buChar char="•"/>
+              <a:defRPr sz="1200" kern="1200">
+                <a:solidFill>
+                  <a:schemeClr val="tx1"/>
+                </a:solidFill>
+                <a:latin typeface="+mn-lt"/>
+                <a:ea typeface="+mn-ea"/>
+                <a:cs typeface="+mn-cs"/>
+              </a:defRPr>
+            </a:lvl5pPr>
+            <a:lvl6pPr marL="2514600" indent="-228600" algn="l" defTabSz="914400" rtl="0" eaLnBrk="1" latinLnBrk="0" hangingPunct="1">
+              <a:lnSpc>
+                <a:spcPct val="90000"/>
+              </a:lnSpc>
+              <a:spcBef>
+                <a:spcPts val="500"/>
+              </a:spcBef>
+              <a:buFont typeface="Arial" panose="020B0604020202020204" pitchFamily="34" charset="0"/>
+              <a:buChar char="•"/>
+              <a:defRPr sz="1800" kern="1200">
+                <a:solidFill>
+                  <a:schemeClr val="tx1"/>
+                </a:solidFill>
+                <a:latin typeface="+mn-lt"/>
+                <a:ea typeface="+mn-ea"/>
+                <a:cs typeface="+mn-cs"/>
+              </a:defRPr>
+            </a:lvl6pPr>
+            <a:lvl7pPr marL="2971800" indent="-228600" algn="l" defTabSz="914400" rtl="0" eaLnBrk="1" latinLnBrk="0" hangingPunct="1">
+              <a:lnSpc>
+                <a:spcPct val="90000"/>
+              </a:lnSpc>
+              <a:spcBef>
+                <a:spcPts val="500"/>
+              </a:spcBef>
+              <a:buFont typeface="Arial" panose="020B0604020202020204" pitchFamily="34" charset="0"/>
+              <a:buChar char="•"/>
+              <a:defRPr sz="1800" kern="1200">
+                <a:solidFill>
+                  <a:schemeClr val="tx1"/>
+                </a:solidFill>
+                <a:latin typeface="+mn-lt"/>
+                <a:ea typeface="+mn-ea"/>
+                <a:cs typeface="+mn-cs"/>
+              </a:defRPr>
+            </a:lvl7pPr>
+            <a:lvl8pPr marL="3429000" indent="-228600" algn="l" defTabSz="914400" rtl="0" eaLnBrk="1" latinLnBrk="0" hangingPunct="1">
+              <a:lnSpc>
+                <a:spcPct val="90000"/>
+              </a:lnSpc>
+              <a:spcBef>
+                <a:spcPts val="500"/>
+              </a:spcBef>
+              <a:buFont typeface="Arial" panose="020B0604020202020204" pitchFamily="34" charset="0"/>
+              <a:buChar char="•"/>
+              <a:defRPr sz="1800" kern="1200">
+                <a:solidFill>
+                  <a:schemeClr val="tx1"/>
+                </a:solidFill>
+                <a:latin typeface="+mn-lt"/>
+                <a:ea typeface="+mn-ea"/>
+                <a:cs typeface="+mn-cs"/>
+              </a:defRPr>
+            </a:lvl8pPr>
+            <a:lvl9pPr marL="3886200" indent="-228600" algn="l" defTabSz="914400" rtl="0" eaLnBrk="1" latinLnBrk="0" hangingPunct="1">
+              <a:lnSpc>
+                <a:spcPct val="90000"/>
+              </a:lnSpc>
+              <a:spcBef>
+                <a:spcPts val="500"/>
+              </a:spcBef>
+              <a:buFont typeface="Arial" panose="020B0604020202020204" pitchFamily="34" charset="0"/>
+              <a:buChar char="•"/>
+              <a:defRPr sz="1800" kern="1200">
+                <a:solidFill>
+                  <a:schemeClr val="tx1"/>
+                </a:solidFill>
+                <a:latin typeface="+mn-lt"/>
+                <a:ea typeface="+mn-ea"/>
+                <a:cs typeface="+mn-cs"/>
+              </a:defRPr>
+            </a:lvl9pPr>
+          </a:lstStyle>
+          <a:p>
+            <a:pPr>
+              <a:lnSpc>
+                <a:spcPct val="200000"/>
+              </a:lnSpc>
+              <a:spcBef>
+                <a:spcPts val="600"/>
+              </a:spcBef>
+            </a:pPr>
+            <a:r>
+              <a:rPr lang="en-US" sz="2000" spc="400" dirty="0" smtClean="0">
+                <a:solidFill>
+                  <a:schemeClr val="bg1"/>
+                </a:solidFill>
+                <a:effectLst>
+                  <a:outerShdw blurRad="38100" dist="38100" dir="2700000" algn="tl">
+                    <a:srgbClr val="000000">
+                      <a:alpha val="43137"/>
+                    </a:srgbClr>
+                  </a:outerShdw>
+                </a:effectLst>
+                <a:latin typeface="Helvetica" panose="020B0604020202020204" pitchFamily="34" charset="0"/>
+                <a:cs typeface="Helvetica" panose="020B0604020202020204" pitchFamily="34" charset="0"/>
+              </a:rPr>
+              <a:t>Meetings – Chairman, Scribe etc.</a:t>
+            </a:r>
+          </a:p>
+          <a:p>
+            <a:pPr>
+              <a:lnSpc>
+                <a:spcPct val="200000"/>
+              </a:lnSpc>
+              <a:spcBef>
+                <a:spcPts val="600"/>
+              </a:spcBef>
+            </a:pPr>
+            <a:r>
+              <a:rPr lang="en-US" sz="2000" spc="400" dirty="0" smtClean="0">
+                <a:solidFill>
+                  <a:schemeClr val="bg1"/>
+                </a:solidFill>
+                <a:effectLst>
+                  <a:outerShdw blurRad="38100" dist="38100" dir="2700000" algn="tl">
+                    <a:srgbClr val="000000">
+                      <a:alpha val="43137"/>
+                    </a:srgbClr>
+                  </a:outerShdw>
+                </a:effectLst>
+                <a:latin typeface="Helvetica" panose="020B0604020202020204" pitchFamily="34" charset="0"/>
+                <a:cs typeface="Helvetica" panose="020B0604020202020204" pitchFamily="34" charset="0"/>
+              </a:rPr>
+              <a:t>GitHub - updates</a:t>
+            </a:r>
+          </a:p>
+          <a:p>
+            <a:pPr>
+              <a:lnSpc>
+                <a:spcPct val="200000"/>
+              </a:lnSpc>
+              <a:spcBef>
+                <a:spcPts val="600"/>
+              </a:spcBef>
+            </a:pPr>
+            <a:r>
+              <a:rPr lang="en-US" sz="2000" spc="400" dirty="0" smtClean="0">
+                <a:solidFill>
+                  <a:schemeClr val="bg1"/>
+                </a:solidFill>
+                <a:effectLst>
+                  <a:outerShdw blurRad="38100" dist="38100" dir="2700000" algn="tl">
+                    <a:srgbClr val="000000">
+                      <a:alpha val="43137"/>
+                    </a:srgbClr>
+                  </a:outerShdw>
+                </a:effectLst>
+                <a:latin typeface="Helvetica" panose="020B0604020202020204" pitchFamily="34" charset="0"/>
+                <a:cs typeface="Helvetica" panose="020B0604020202020204" pitchFamily="34" charset="0"/>
+              </a:rPr>
+              <a:t>Problems &amp; solutions</a:t>
+            </a:r>
           </a:p>
         </p:txBody>
       </p:sp>
@@ -9721,7 +9739,7 @@
 </p:sld>
 </file>
 
-<file path=ppt/slides/slide6.xml><?xml version="1.0" encoding="utf-8"?>
+<file path=ppt/slides/slide13.xml><?xml version="1.0" encoding="utf-8"?>
 <p:sld xmlns:a="http://schemas.openxmlformats.org/drawingml/2006/main" xmlns:r="http://schemas.openxmlformats.org/officeDocument/2006/relationships" xmlns:p="http://schemas.openxmlformats.org/presentationml/2006/main">
   <p:cSld>
     <p:spTree>
@@ -9777,7 +9795,7 @@
                 <a16:creationId xmlns:a16="http://schemas.microsoft.com/office/drawing/2014/main" id="{979F9DAD-F6B0-4ECC-8632-4B5E050986A8}"/>
               </a:ext>
               <a:ext uri="{C183D7F6-B498-43B3-948B-1728B52AA6E4}">
-                <adec:decorative xmlns:adec="http://schemas.microsoft.com/office/drawing/2017/decorative" val="1"/>
+                <adec:decorative xmlns:adec="http://schemas.microsoft.com/office/drawing/2017/decorative" xmlns="" val="1"/>
               </a:ext>
             </a:extLst>
           </p:cNvPr>
@@ -9894,6 +9912,2773 @@
     <p:extLst>
       <p:ext uri="{BB962C8B-B14F-4D97-AF65-F5344CB8AC3E}">
         <p14:creationId xmlns:p14="http://schemas.microsoft.com/office/powerpoint/2010/main" val="927727573"/>
+      </p:ext>
+    </p:extLst>
+  </p:cSld>
+  <p:clrMapOvr>
+    <a:masterClrMapping/>
+  </p:clrMapOvr>
+</p:sld>
+</file>
+
+<file path=ppt/slides/slide2.xml><?xml version="1.0" encoding="utf-8"?>
+<p:sld xmlns:a="http://schemas.openxmlformats.org/drawingml/2006/main" xmlns:r="http://schemas.openxmlformats.org/officeDocument/2006/relationships" xmlns:p="http://schemas.openxmlformats.org/presentationml/2006/main">
+  <p:cSld>
+    <p:spTree>
+      <p:nvGrpSpPr>
+        <p:cNvPr id="1" name=""/>
+        <p:cNvGrpSpPr/>
+        <p:nvPr/>
+      </p:nvGrpSpPr>
+      <p:grpSpPr>
+        <a:xfrm>
+          <a:off x="0" y="0"/>
+          <a:ext cx="0" cy="0"/>
+          <a:chOff x="0" y="0"/>
+          <a:chExt cx="0" cy="0"/>
+        </a:xfrm>
+      </p:grpSpPr>
+      <p:pic>
+        <p:nvPicPr>
+          <p:cNvPr id="7" name="Picture Placeholder 6" descr="Iphone Floating taking image">
+            <a:extLst>
+              <a:ext uri="{FF2B5EF4-FFF2-40B4-BE49-F238E27FC236}">
+                <a16:creationId xmlns:a16="http://schemas.microsoft.com/office/drawing/2014/main" id="{7BE52127-9518-4872-A0A9-09A7D0871423}"/>
+              </a:ext>
+            </a:extLst>
+          </p:cNvPr>
+          <p:cNvPicPr>
+            <a:picLocks noGrp="1" noChangeAspect="1"/>
+          </p:cNvPicPr>
+          <p:nvPr>
+            <p:ph type="pic" sz="quarter" idx="13"/>
+          </p:nvPr>
+        </p:nvPicPr>
+        <p:blipFill>
+          <a:blip r:embed="rId2">
+            <a:extLst>
+              <a:ext uri="{28A0092B-C50C-407E-A947-70E740481C1C}">
+                <a14:useLocalDpi xmlns:a14="http://schemas.microsoft.com/office/drawing/2010/main" val="0"/>
+              </a:ext>
+            </a:extLst>
+          </a:blip>
+          <a:srcRect/>
+          <a:stretch>
+            <a:fillRect/>
+          </a:stretch>
+        </p:blipFill>
+        <p:spPr/>
+      </p:pic>
+      <p:sp>
+        <p:nvSpPr>
+          <p:cNvPr id="14" name="Rectangle 13">
+            <a:extLst>
+              <a:ext uri="{FF2B5EF4-FFF2-40B4-BE49-F238E27FC236}">
+                <a16:creationId xmlns:a16="http://schemas.microsoft.com/office/drawing/2014/main" id="{D687D26E-D67A-4318-AAB1-DCEAA89EEB21}"/>
+              </a:ext>
+              <a:ext uri="{C183D7F6-B498-43B3-948B-1728B52AA6E4}">
+                <adec:decorative xmlns:adec="http://schemas.microsoft.com/office/drawing/2017/decorative" xmlns="" val="1"/>
+              </a:ext>
+            </a:extLst>
+          </p:cNvPr>
+          <p:cNvSpPr/>
+          <p:nvPr/>
+        </p:nvSpPr>
+        <p:spPr>
+          <a:xfrm>
+            <a:off x="0" y="0"/>
+            <a:ext cx="6096000" cy="6882714"/>
+          </a:xfrm>
+          <a:prstGeom prst="parallelogram">
+            <a:avLst/>
+          </a:prstGeom>
+          <a:gradFill flip="none" rotWithShape="1">
+            <a:gsLst>
+              <a:gs pos="0">
+                <a:srgbClr val="01023B">
+                  <a:alpha val="50000"/>
+                </a:srgbClr>
+              </a:gs>
+              <a:gs pos="100000">
+                <a:srgbClr val="E99757">
+                  <a:alpha val="50000"/>
+                </a:srgbClr>
+              </a:gs>
+              <a:gs pos="50000">
+                <a:srgbClr val="A53F52">
+                  <a:alpha val="50000"/>
+                </a:srgbClr>
+              </a:gs>
+            </a:gsLst>
+            <a:lin ang="10800000" scaled="1"/>
+            <a:tileRect/>
+          </a:gradFill>
+          <a:ln>
+            <a:noFill/>
+          </a:ln>
+        </p:spPr>
+        <p:style>
+          <a:lnRef idx="2">
+            <a:schemeClr val="accent1">
+              <a:shade val="50000"/>
+            </a:schemeClr>
+          </a:lnRef>
+          <a:fillRef idx="1">
+            <a:schemeClr val="accent1"/>
+          </a:fillRef>
+          <a:effectRef idx="0">
+            <a:schemeClr val="accent1"/>
+          </a:effectRef>
+          <a:fontRef idx="minor">
+            <a:schemeClr val="lt1"/>
+          </a:fontRef>
+        </p:style>
+        <p:txBody>
+          <a:bodyPr rtlCol="0" anchor="ctr"/>
+          <a:lstStyle/>
+          <a:p>
+            <a:pPr algn="ctr"/>
+            <a:endParaRPr lang="en-US" dirty="0"/>
+          </a:p>
+        </p:txBody>
+      </p:sp>
+      <p:sp>
+        <p:nvSpPr>
+          <p:cNvPr id="3" name="Title 2">
+            <a:extLst>
+              <a:ext uri="{FF2B5EF4-FFF2-40B4-BE49-F238E27FC236}">
+                <a16:creationId xmlns:a16="http://schemas.microsoft.com/office/drawing/2014/main" id="{1D24B42B-925B-494C-A986-BD85E8117E1E}"/>
+              </a:ext>
+            </a:extLst>
+          </p:cNvPr>
+          <p:cNvSpPr>
+            <a:spLocks noGrp="1"/>
+          </p:cNvSpPr>
+          <p:nvPr>
+            <p:ph type="title"/>
+          </p:nvPr>
+        </p:nvSpPr>
+        <p:spPr>
+          <a:xfrm>
+            <a:off x="6305926" y="812563"/>
+            <a:ext cx="5687291" cy="2394840"/>
+          </a:xfrm>
+        </p:spPr>
+        <p:txBody>
+          <a:bodyPr>
+            <a:normAutofit/>
+          </a:bodyPr>
+          <a:lstStyle/>
+          <a:p>
+            <a:r>
+              <a:rPr lang="en-US" cap="none" dirty="0">
+                <a:effectLst>
+                  <a:outerShdw blurRad="38100" dist="38100" dir="2700000" algn="tl">
+                    <a:srgbClr val="000000">
+                      <a:alpha val="43137"/>
+                    </a:srgbClr>
+                  </a:outerShdw>
+                </a:effectLst>
+                <a:latin typeface="Futura"/>
+                <a:cs typeface="Helvetica" panose="020B0604020202020204" pitchFamily="34" charset="0"/>
+              </a:rPr>
+              <a:t>Background</a:t>
+            </a:r>
+          </a:p>
+        </p:txBody>
+      </p:sp>
+      <p:sp>
+        <p:nvSpPr>
+          <p:cNvPr id="2094" name="Slide Number Placeholder 2093">
+            <a:extLst>
+              <a:ext uri="{FF2B5EF4-FFF2-40B4-BE49-F238E27FC236}">
+                <a16:creationId xmlns:a16="http://schemas.microsoft.com/office/drawing/2014/main" id="{5DA62994-769D-4C19-BB0A-5144E0A5CFCD}"/>
+              </a:ext>
+            </a:extLst>
+          </p:cNvPr>
+          <p:cNvSpPr>
+            <a:spLocks noGrp="1"/>
+          </p:cNvSpPr>
+          <p:nvPr>
+            <p:ph type="sldNum" sz="quarter" idx="12"/>
+          </p:nvPr>
+        </p:nvSpPr>
+        <p:spPr/>
+        <p:txBody>
+          <a:bodyPr/>
+          <a:lstStyle/>
+          <a:p>
+            <a:fld id="{8C2E478F-E849-4A8C-AF1F-CBCC78A7CBFA}" type="slidenum">
+              <a:rPr lang="en-US" smtClean="0"/>
+              <a:pPr/>
+              <a:t>2</a:t>
+            </a:fld>
+            <a:endParaRPr lang="en-US" dirty="0"/>
+          </a:p>
+        </p:txBody>
+      </p:sp>
+      <p:sp>
+        <p:nvSpPr>
+          <p:cNvPr id="2" name="Rectangle 1">
+            <a:extLst>
+              <a:ext uri="{FF2B5EF4-FFF2-40B4-BE49-F238E27FC236}">
+                <a16:creationId xmlns:a16="http://schemas.microsoft.com/office/drawing/2014/main" id="{B589C1B1-9843-46D3-A3AB-CE8CBB4786C7}"/>
+              </a:ext>
+            </a:extLst>
+          </p:cNvPr>
+          <p:cNvSpPr/>
+          <p:nvPr/>
+        </p:nvSpPr>
+        <p:spPr>
+          <a:xfrm>
+            <a:off x="10045148" y="6468303"/>
+            <a:ext cx="1616765" cy="365125"/>
+          </a:xfrm>
+          <a:prstGeom prst="rect">
+            <a:avLst/>
+          </a:prstGeom>
+          <a:ln>
+            <a:noFill/>
+          </a:ln>
+        </p:spPr>
+        <p:style>
+          <a:lnRef idx="2">
+            <a:schemeClr val="dk1"/>
+          </a:lnRef>
+          <a:fillRef idx="1">
+            <a:schemeClr val="lt1"/>
+          </a:fillRef>
+          <a:effectRef idx="0">
+            <a:schemeClr val="dk1"/>
+          </a:effectRef>
+          <a:fontRef idx="minor">
+            <a:schemeClr val="dk1"/>
+          </a:fontRef>
+        </p:style>
+        <p:txBody>
+          <a:bodyPr rtlCol="0" anchor="ctr"/>
+          <a:lstStyle/>
+          <a:p>
+            <a:pPr algn="ctr"/>
+            <a:endParaRPr lang="en-IE"/>
+          </a:p>
+        </p:txBody>
+      </p:sp>
+      <p:sp>
+        <p:nvSpPr>
+          <p:cNvPr id="10" name="Text Placeholder 3">
+            <a:extLst>
+              <a:ext uri="{FF2B5EF4-FFF2-40B4-BE49-F238E27FC236}">
+                <a16:creationId xmlns:a16="http://schemas.microsoft.com/office/drawing/2014/main" id="{B113E456-031B-4D3E-9F4C-DBC6AFF18DB5}"/>
+              </a:ext>
+            </a:extLst>
+          </p:cNvPr>
+          <p:cNvSpPr txBox="1">
+            <a:spLocks/>
+          </p:cNvSpPr>
+          <p:nvPr/>
+        </p:nvSpPr>
+        <p:spPr>
+          <a:xfrm>
+            <a:off x="5830957" y="2832471"/>
+            <a:ext cx="6162260" cy="572032"/>
+          </a:xfrm>
+          <a:prstGeom prst="rect">
+            <a:avLst/>
+          </a:prstGeom>
+        </p:spPr>
+        <p:txBody>
+          <a:bodyPr vert="horz" lIns="91440" tIns="45720" rIns="91440" bIns="45720" rtlCol="0" anchor="ctr">
+            <a:normAutofit/>
+          </a:bodyPr>
+          <a:lstStyle>
+            <a:lvl1pPr marL="0" indent="0" algn="l" defTabSz="914400" rtl="0" eaLnBrk="1" latinLnBrk="0" hangingPunct="1">
+              <a:lnSpc>
+                <a:spcPct val="100000"/>
+              </a:lnSpc>
+              <a:spcBef>
+                <a:spcPts val="1000"/>
+              </a:spcBef>
+              <a:buFont typeface="Arial" panose="020B0604020202020204" pitchFamily="34" charset="0"/>
+              <a:buNone/>
+              <a:defRPr sz="2400" kern="1200" spc="600">
+                <a:solidFill>
+                  <a:schemeClr val="tx1">
+                    <a:tint val="75000"/>
+                  </a:schemeClr>
+                </a:solidFill>
+                <a:latin typeface="+mn-lt"/>
+                <a:ea typeface="+mn-ea"/>
+                <a:cs typeface="+mn-cs"/>
+              </a:defRPr>
+            </a:lvl1pPr>
+            <a:lvl2pPr marL="457200" indent="0" algn="l" defTabSz="914400" rtl="0" eaLnBrk="1" latinLnBrk="0" hangingPunct="1">
+              <a:lnSpc>
+                <a:spcPct val="150000"/>
+              </a:lnSpc>
+              <a:spcBef>
+                <a:spcPts val="500"/>
+              </a:spcBef>
+              <a:buFont typeface="Arial" panose="020B0604020202020204" pitchFamily="34" charset="0"/>
+              <a:buNone/>
+              <a:defRPr sz="2000" kern="1200">
+                <a:solidFill>
+                  <a:schemeClr val="tx1">
+                    <a:tint val="75000"/>
+                  </a:schemeClr>
+                </a:solidFill>
+                <a:latin typeface="+mn-lt"/>
+                <a:ea typeface="+mn-ea"/>
+                <a:cs typeface="+mn-cs"/>
+              </a:defRPr>
+            </a:lvl2pPr>
+            <a:lvl3pPr marL="914400" indent="0" algn="l" defTabSz="914400" rtl="0" eaLnBrk="1" latinLnBrk="0" hangingPunct="1">
+              <a:lnSpc>
+                <a:spcPct val="150000"/>
+              </a:lnSpc>
+              <a:spcBef>
+                <a:spcPts val="500"/>
+              </a:spcBef>
+              <a:buFont typeface="Arial" panose="020B0604020202020204" pitchFamily="34" charset="0"/>
+              <a:buNone/>
+              <a:defRPr sz="1800" kern="1200">
+                <a:solidFill>
+                  <a:schemeClr val="tx1">
+                    <a:tint val="75000"/>
+                  </a:schemeClr>
+                </a:solidFill>
+                <a:latin typeface="+mn-lt"/>
+                <a:ea typeface="+mn-ea"/>
+                <a:cs typeface="+mn-cs"/>
+              </a:defRPr>
+            </a:lvl3pPr>
+            <a:lvl4pPr marL="1371600" indent="0" algn="l" defTabSz="914400" rtl="0" eaLnBrk="1" latinLnBrk="0" hangingPunct="1">
+              <a:lnSpc>
+                <a:spcPct val="150000"/>
+              </a:lnSpc>
+              <a:spcBef>
+                <a:spcPts val="500"/>
+              </a:spcBef>
+              <a:buFont typeface="Arial" panose="020B0604020202020204" pitchFamily="34" charset="0"/>
+              <a:buNone/>
+              <a:defRPr sz="1600" kern="1200">
+                <a:solidFill>
+                  <a:schemeClr val="tx1">
+                    <a:tint val="75000"/>
+                  </a:schemeClr>
+                </a:solidFill>
+                <a:latin typeface="+mn-lt"/>
+                <a:ea typeface="+mn-ea"/>
+                <a:cs typeface="+mn-cs"/>
+              </a:defRPr>
+            </a:lvl4pPr>
+            <a:lvl5pPr marL="1828800" indent="0" algn="l" defTabSz="914400" rtl="0" eaLnBrk="1" latinLnBrk="0" hangingPunct="1">
+              <a:lnSpc>
+                <a:spcPct val="150000"/>
+              </a:lnSpc>
+              <a:spcBef>
+                <a:spcPts val="500"/>
+              </a:spcBef>
+              <a:buFont typeface="Arial" panose="020B0604020202020204" pitchFamily="34" charset="0"/>
+              <a:buNone/>
+              <a:defRPr sz="1600" kern="1200">
+                <a:solidFill>
+                  <a:schemeClr val="tx1">
+                    <a:tint val="75000"/>
+                  </a:schemeClr>
+                </a:solidFill>
+                <a:latin typeface="+mn-lt"/>
+                <a:ea typeface="+mn-ea"/>
+                <a:cs typeface="+mn-cs"/>
+              </a:defRPr>
+            </a:lvl5pPr>
+            <a:lvl6pPr marL="2286000" indent="0" algn="l" defTabSz="914400" rtl="0" eaLnBrk="1" latinLnBrk="0" hangingPunct="1">
+              <a:lnSpc>
+                <a:spcPct val="90000"/>
+              </a:lnSpc>
+              <a:spcBef>
+                <a:spcPts val="500"/>
+              </a:spcBef>
+              <a:buFont typeface="Arial" panose="020B0604020202020204" pitchFamily="34" charset="0"/>
+              <a:buNone/>
+              <a:defRPr sz="1600" kern="1200">
+                <a:solidFill>
+                  <a:schemeClr val="tx1">
+                    <a:tint val="75000"/>
+                  </a:schemeClr>
+                </a:solidFill>
+                <a:latin typeface="+mn-lt"/>
+                <a:ea typeface="+mn-ea"/>
+                <a:cs typeface="+mn-cs"/>
+              </a:defRPr>
+            </a:lvl6pPr>
+            <a:lvl7pPr marL="2743200" indent="0" algn="l" defTabSz="914400" rtl="0" eaLnBrk="1" latinLnBrk="0" hangingPunct="1">
+              <a:lnSpc>
+                <a:spcPct val="90000"/>
+              </a:lnSpc>
+              <a:spcBef>
+                <a:spcPts val="500"/>
+              </a:spcBef>
+              <a:buFont typeface="Arial" panose="020B0604020202020204" pitchFamily="34" charset="0"/>
+              <a:buNone/>
+              <a:defRPr sz="1600" kern="1200">
+                <a:solidFill>
+                  <a:schemeClr val="tx1">
+                    <a:tint val="75000"/>
+                  </a:schemeClr>
+                </a:solidFill>
+                <a:latin typeface="+mn-lt"/>
+                <a:ea typeface="+mn-ea"/>
+                <a:cs typeface="+mn-cs"/>
+              </a:defRPr>
+            </a:lvl7pPr>
+            <a:lvl8pPr marL="3200400" indent="0" algn="l" defTabSz="914400" rtl="0" eaLnBrk="1" latinLnBrk="0" hangingPunct="1">
+              <a:lnSpc>
+                <a:spcPct val="90000"/>
+              </a:lnSpc>
+              <a:spcBef>
+                <a:spcPts val="500"/>
+              </a:spcBef>
+              <a:buFont typeface="Arial" panose="020B0604020202020204" pitchFamily="34" charset="0"/>
+              <a:buNone/>
+              <a:defRPr sz="1600" kern="1200">
+                <a:solidFill>
+                  <a:schemeClr val="tx1">
+                    <a:tint val="75000"/>
+                  </a:schemeClr>
+                </a:solidFill>
+                <a:latin typeface="+mn-lt"/>
+                <a:ea typeface="+mn-ea"/>
+                <a:cs typeface="+mn-cs"/>
+              </a:defRPr>
+            </a:lvl8pPr>
+            <a:lvl9pPr marL="3657600" indent="0" algn="l" defTabSz="914400" rtl="0" eaLnBrk="1" latinLnBrk="0" hangingPunct="1">
+              <a:lnSpc>
+                <a:spcPct val="90000"/>
+              </a:lnSpc>
+              <a:spcBef>
+                <a:spcPts val="500"/>
+              </a:spcBef>
+              <a:buFont typeface="Arial" panose="020B0604020202020204" pitchFamily="34" charset="0"/>
+              <a:buNone/>
+              <a:defRPr sz="1600" kern="1200">
+                <a:solidFill>
+                  <a:schemeClr val="tx1">
+                    <a:tint val="75000"/>
+                  </a:schemeClr>
+                </a:solidFill>
+                <a:latin typeface="+mn-lt"/>
+                <a:ea typeface="+mn-ea"/>
+                <a:cs typeface="+mn-cs"/>
+              </a:defRPr>
+            </a:lvl9pPr>
+          </a:lstStyle>
+          <a:p>
+            <a:r>
+              <a:rPr lang="en-US" dirty="0">
+                <a:solidFill>
+                  <a:schemeClr val="bg2">
+                    <a:lumMod val="25000"/>
+                  </a:schemeClr>
+                </a:solidFill>
+                <a:effectLst>
+                  <a:outerShdw blurRad="38100" dist="38100" dir="2700000" algn="tl">
+                    <a:srgbClr val="000000">
+                      <a:alpha val="43137"/>
+                    </a:srgbClr>
+                  </a:outerShdw>
+                </a:effectLst>
+                <a:latin typeface="Helvetica" panose="020B0604020202020204" pitchFamily="34" charset="0"/>
+                <a:cs typeface="Helvetica" panose="020B0604020202020204" pitchFamily="34" charset="0"/>
+              </a:rPr>
+              <a:t>Why we chose this project?</a:t>
+            </a:r>
+          </a:p>
+        </p:txBody>
+      </p:sp>
+      <p:sp>
+        <p:nvSpPr>
+          <p:cNvPr id="8" name="Text Placeholder 3">
+            <a:extLst>
+              <a:ext uri="{FF2B5EF4-FFF2-40B4-BE49-F238E27FC236}">
+                <a16:creationId xmlns:a16="http://schemas.microsoft.com/office/drawing/2014/main" id="{B113E456-031B-4D3E-9F4C-DBC6AFF18DB5}"/>
+              </a:ext>
+            </a:extLst>
+          </p:cNvPr>
+          <p:cNvSpPr txBox="1">
+            <a:spLocks/>
+          </p:cNvSpPr>
+          <p:nvPr/>
+        </p:nvSpPr>
+        <p:spPr>
+          <a:xfrm>
+            <a:off x="5990056" y="4828089"/>
+            <a:ext cx="5377856" cy="572032"/>
+          </a:xfrm>
+          <a:prstGeom prst="rect">
+            <a:avLst/>
+          </a:prstGeom>
+        </p:spPr>
+        <p:txBody>
+          <a:bodyPr vert="horz" lIns="91440" tIns="45720" rIns="91440" bIns="45720" rtlCol="0" anchor="ctr">
+            <a:normAutofit/>
+          </a:bodyPr>
+          <a:lstStyle>
+            <a:lvl1pPr marL="0" indent="0" algn="l" defTabSz="914400" rtl="0" eaLnBrk="1" latinLnBrk="0" hangingPunct="1">
+              <a:lnSpc>
+                <a:spcPct val="100000"/>
+              </a:lnSpc>
+              <a:spcBef>
+                <a:spcPts val="1000"/>
+              </a:spcBef>
+              <a:buFont typeface="Arial" panose="020B0604020202020204" pitchFamily="34" charset="0"/>
+              <a:buNone/>
+              <a:defRPr sz="2400" kern="1200" spc="600">
+                <a:solidFill>
+                  <a:schemeClr val="tx1">
+                    <a:tint val="75000"/>
+                  </a:schemeClr>
+                </a:solidFill>
+                <a:latin typeface="+mn-lt"/>
+                <a:ea typeface="+mn-ea"/>
+                <a:cs typeface="+mn-cs"/>
+              </a:defRPr>
+            </a:lvl1pPr>
+            <a:lvl2pPr marL="457200" indent="0" algn="l" defTabSz="914400" rtl="0" eaLnBrk="1" latinLnBrk="0" hangingPunct="1">
+              <a:lnSpc>
+                <a:spcPct val="150000"/>
+              </a:lnSpc>
+              <a:spcBef>
+                <a:spcPts val="500"/>
+              </a:spcBef>
+              <a:buFont typeface="Arial" panose="020B0604020202020204" pitchFamily="34" charset="0"/>
+              <a:buNone/>
+              <a:defRPr sz="2000" kern="1200">
+                <a:solidFill>
+                  <a:schemeClr val="tx1">
+                    <a:tint val="75000"/>
+                  </a:schemeClr>
+                </a:solidFill>
+                <a:latin typeface="+mn-lt"/>
+                <a:ea typeface="+mn-ea"/>
+                <a:cs typeface="+mn-cs"/>
+              </a:defRPr>
+            </a:lvl2pPr>
+            <a:lvl3pPr marL="914400" indent="0" algn="l" defTabSz="914400" rtl="0" eaLnBrk="1" latinLnBrk="0" hangingPunct="1">
+              <a:lnSpc>
+                <a:spcPct val="150000"/>
+              </a:lnSpc>
+              <a:spcBef>
+                <a:spcPts val="500"/>
+              </a:spcBef>
+              <a:buFont typeface="Arial" panose="020B0604020202020204" pitchFamily="34" charset="0"/>
+              <a:buNone/>
+              <a:defRPr sz="1800" kern="1200">
+                <a:solidFill>
+                  <a:schemeClr val="tx1">
+                    <a:tint val="75000"/>
+                  </a:schemeClr>
+                </a:solidFill>
+                <a:latin typeface="+mn-lt"/>
+                <a:ea typeface="+mn-ea"/>
+                <a:cs typeface="+mn-cs"/>
+              </a:defRPr>
+            </a:lvl3pPr>
+            <a:lvl4pPr marL="1371600" indent="0" algn="l" defTabSz="914400" rtl="0" eaLnBrk="1" latinLnBrk="0" hangingPunct="1">
+              <a:lnSpc>
+                <a:spcPct val="150000"/>
+              </a:lnSpc>
+              <a:spcBef>
+                <a:spcPts val="500"/>
+              </a:spcBef>
+              <a:buFont typeface="Arial" panose="020B0604020202020204" pitchFamily="34" charset="0"/>
+              <a:buNone/>
+              <a:defRPr sz="1600" kern="1200">
+                <a:solidFill>
+                  <a:schemeClr val="tx1">
+                    <a:tint val="75000"/>
+                  </a:schemeClr>
+                </a:solidFill>
+                <a:latin typeface="+mn-lt"/>
+                <a:ea typeface="+mn-ea"/>
+                <a:cs typeface="+mn-cs"/>
+              </a:defRPr>
+            </a:lvl4pPr>
+            <a:lvl5pPr marL="1828800" indent="0" algn="l" defTabSz="914400" rtl="0" eaLnBrk="1" latinLnBrk="0" hangingPunct="1">
+              <a:lnSpc>
+                <a:spcPct val="150000"/>
+              </a:lnSpc>
+              <a:spcBef>
+                <a:spcPts val="500"/>
+              </a:spcBef>
+              <a:buFont typeface="Arial" panose="020B0604020202020204" pitchFamily="34" charset="0"/>
+              <a:buNone/>
+              <a:defRPr sz="1600" kern="1200">
+                <a:solidFill>
+                  <a:schemeClr val="tx1">
+                    <a:tint val="75000"/>
+                  </a:schemeClr>
+                </a:solidFill>
+                <a:latin typeface="+mn-lt"/>
+                <a:ea typeface="+mn-ea"/>
+                <a:cs typeface="+mn-cs"/>
+              </a:defRPr>
+            </a:lvl5pPr>
+            <a:lvl6pPr marL="2286000" indent="0" algn="l" defTabSz="914400" rtl="0" eaLnBrk="1" latinLnBrk="0" hangingPunct="1">
+              <a:lnSpc>
+                <a:spcPct val="90000"/>
+              </a:lnSpc>
+              <a:spcBef>
+                <a:spcPts val="500"/>
+              </a:spcBef>
+              <a:buFont typeface="Arial" panose="020B0604020202020204" pitchFamily="34" charset="0"/>
+              <a:buNone/>
+              <a:defRPr sz="1600" kern="1200">
+                <a:solidFill>
+                  <a:schemeClr val="tx1">
+                    <a:tint val="75000"/>
+                  </a:schemeClr>
+                </a:solidFill>
+                <a:latin typeface="+mn-lt"/>
+                <a:ea typeface="+mn-ea"/>
+                <a:cs typeface="+mn-cs"/>
+              </a:defRPr>
+            </a:lvl6pPr>
+            <a:lvl7pPr marL="2743200" indent="0" algn="l" defTabSz="914400" rtl="0" eaLnBrk="1" latinLnBrk="0" hangingPunct="1">
+              <a:lnSpc>
+                <a:spcPct val="90000"/>
+              </a:lnSpc>
+              <a:spcBef>
+                <a:spcPts val="500"/>
+              </a:spcBef>
+              <a:buFont typeface="Arial" panose="020B0604020202020204" pitchFamily="34" charset="0"/>
+              <a:buNone/>
+              <a:defRPr sz="1600" kern="1200">
+                <a:solidFill>
+                  <a:schemeClr val="tx1">
+                    <a:tint val="75000"/>
+                  </a:schemeClr>
+                </a:solidFill>
+                <a:latin typeface="+mn-lt"/>
+                <a:ea typeface="+mn-ea"/>
+                <a:cs typeface="+mn-cs"/>
+              </a:defRPr>
+            </a:lvl7pPr>
+            <a:lvl8pPr marL="3200400" indent="0" algn="l" defTabSz="914400" rtl="0" eaLnBrk="1" latinLnBrk="0" hangingPunct="1">
+              <a:lnSpc>
+                <a:spcPct val="90000"/>
+              </a:lnSpc>
+              <a:spcBef>
+                <a:spcPts val="500"/>
+              </a:spcBef>
+              <a:buFont typeface="Arial" panose="020B0604020202020204" pitchFamily="34" charset="0"/>
+              <a:buNone/>
+              <a:defRPr sz="1600" kern="1200">
+                <a:solidFill>
+                  <a:schemeClr val="tx1">
+                    <a:tint val="75000"/>
+                  </a:schemeClr>
+                </a:solidFill>
+                <a:latin typeface="+mn-lt"/>
+                <a:ea typeface="+mn-ea"/>
+                <a:cs typeface="+mn-cs"/>
+              </a:defRPr>
+            </a:lvl8pPr>
+            <a:lvl9pPr marL="3657600" indent="0" algn="l" defTabSz="914400" rtl="0" eaLnBrk="1" latinLnBrk="0" hangingPunct="1">
+              <a:lnSpc>
+                <a:spcPct val="90000"/>
+              </a:lnSpc>
+              <a:spcBef>
+                <a:spcPts val="500"/>
+              </a:spcBef>
+              <a:buFont typeface="Arial" panose="020B0604020202020204" pitchFamily="34" charset="0"/>
+              <a:buNone/>
+              <a:defRPr sz="1600" kern="1200">
+                <a:solidFill>
+                  <a:schemeClr val="tx1">
+                    <a:tint val="75000"/>
+                  </a:schemeClr>
+                </a:solidFill>
+                <a:latin typeface="+mn-lt"/>
+                <a:ea typeface="+mn-ea"/>
+                <a:cs typeface="+mn-cs"/>
+              </a:defRPr>
+            </a:lvl9pPr>
+          </a:lstStyle>
+          <a:p>
+            <a:r>
+              <a:rPr lang="en-US" dirty="0" smtClean="0">
+                <a:solidFill>
+                  <a:schemeClr val="bg2">
+                    <a:lumMod val="25000"/>
+                  </a:schemeClr>
+                </a:solidFill>
+                <a:effectLst>
+                  <a:outerShdw blurRad="38100" dist="38100" dir="2700000" algn="tl">
+                    <a:srgbClr val="000000">
+                      <a:alpha val="43137"/>
+                    </a:srgbClr>
+                  </a:outerShdw>
+                </a:effectLst>
+                <a:latin typeface="Helvetica" panose="020B0604020202020204" pitchFamily="34" charset="0"/>
+                <a:cs typeface="Helvetica" panose="020B0604020202020204" pitchFamily="34" charset="0"/>
+              </a:rPr>
+              <a:t>What is unique about it</a:t>
+            </a:r>
+            <a:r>
+              <a:rPr lang="en-US" dirty="0" smtClean="0">
+                <a:solidFill>
+                  <a:schemeClr val="bg2">
+                    <a:lumMod val="25000"/>
+                  </a:schemeClr>
+                </a:solidFill>
+                <a:effectLst>
+                  <a:outerShdw blurRad="38100" dist="38100" dir="2700000" algn="tl">
+                    <a:srgbClr val="000000">
+                      <a:alpha val="43137"/>
+                    </a:srgbClr>
+                  </a:outerShdw>
+                </a:effectLst>
+                <a:latin typeface="Helvetica" panose="020B0604020202020204" pitchFamily="34" charset="0"/>
+                <a:cs typeface="Helvetica" panose="020B0604020202020204" pitchFamily="34" charset="0"/>
+              </a:rPr>
+              <a:t>?</a:t>
+            </a:r>
+            <a:endParaRPr lang="en-US" dirty="0">
+              <a:solidFill>
+                <a:schemeClr val="bg2">
+                  <a:lumMod val="25000"/>
+                </a:schemeClr>
+              </a:solidFill>
+              <a:effectLst>
+                <a:outerShdw blurRad="38100" dist="38100" dir="2700000" algn="tl">
+                  <a:srgbClr val="000000">
+                    <a:alpha val="43137"/>
+                  </a:srgbClr>
+                </a:outerShdw>
+              </a:effectLst>
+              <a:latin typeface="Helvetica" panose="020B0604020202020204" pitchFamily="34" charset="0"/>
+              <a:cs typeface="Helvetica" panose="020B0604020202020204" pitchFamily="34" charset="0"/>
+            </a:endParaRPr>
+          </a:p>
+        </p:txBody>
+      </p:sp>
+      <p:sp>
+        <p:nvSpPr>
+          <p:cNvPr id="9" name="Text Placeholder 3">
+            <a:extLst>
+              <a:ext uri="{FF2B5EF4-FFF2-40B4-BE49-F238E27FC236}">
+                <a16:creationId xmlns:a16="http://schemas.microsoft.com/office/drawing/2014/main" id="{B113E456-031B-4D3E-9F4C-DBC6AFF18DB5}"/>
+              </a:ext>
+            </a:extLst>
+          </p:cNvPr>
+          <p:cNvSpPr txBox="1">
+            <a:spLocks/>
+          </p:cNvSpPr>
+          <p:nvPr/>
+        </p:nvSpPr>
+        <p:spPr>
+          <a:xfrm>
+            <a:off x="5830957" y="3830280"/>
+            <a:ext cx="6162260" cy="572032"/>
+          </a:xfrm>
+          <a:prstGeom prst="rect">
+            <a:avLst/>
+          </a:prstGeom>
+        </p:spPr>
+        <p:txBody>
+          <a:bodyPr vert="horz" lIns="91440" tIns="45720" rIns="91440" bIns="45720" rtlCol="0" anchor="ctr">
+            <a:normAutofit/>
+          </a:bodyPr>
+          <a:lstStyle>
+            <a:lvl1pPr marL="0" indent="0" algn="l" defTabSz="914400" rtl="0" eaLnBrk="1" latinLnBrk="0" hangingPunct="1">
+              <a:lnSpc>
+                <a:spcPct val="100000"/>
+              </a:lnSpc>
+              <a:spcBef>
+                <a:spcPts val="1000"/>
+              </a:spcBef>
+              <a:buFont typeface="Arial" panose="020B0604020202020204" pitchFamily="34" charset="0"/>
+              <a:buNone/>
+              <a:defRPr sz="2400" kern="1200" spc="600">
+                <a:solidFill>
+                  <a:schemeClr val="tx1">
+                    <a:tint val="75000"/>
+                  </a:schemeClr>
+                </a:solidFill>
+                <a:latin typeface="+mn-lt"/>
+                <a:ea typeface="+mn-ea"/>
+                <a:cs typeface="+mn-cs"/>
+              </a:defRPr>
+            </a:lvl1pPr>
+            <a:lvl2pPr marL="457200" indent="0" algn="l" defTabSz="914400" rtl="0" eaLnBrk="1" latinLnBrk="0" hangingPunct="1">
+              <a:lnSpc>
+                <a:spcPct val="150000"/>
+              </a:lnSpc>
+              <a:spcBef>
+                <a:spcPts val="500"/>
+              </a:spcBef>
+              <a:buFont typeface="Arial" panose="020B0604020202020204" pitchFamily="34" charset="0"/>
+              <a:buNone/>
+              <a:defRPr sz="2000" kern="1200">
+                <a:solidFill>
+                  <a:schemeClr val="tx1">
+                    <a:tint val="75000"/>
+                  </a:schemeClr>
+                </a:solidFill>
+                <a:latin typeface="+mn-lt"/>
+                <a:ea typeface="+mn-ea"/>
+                <a:cs typeface="+mn-cs"/>
+              </a:defRPr>
+            </a:lvl2pPr>
+            <a:lvl3pPr marL="914400" indent="0" algn="l" defTabSz="914400" rtl="0" eaLnBrk="1" latinLnBrk="0" hangingPunct="1">
+              <a:lnSpc>
+                <a:spcPct val="150000"/>
+              </a:lnSpc>
+              <a:spcBef>
+                <a:spcPts val="500"/>
+              </a:spcBef>
+              <a:buFont typeface="Arial" panose="020B0604020202020204" pitchFamily="34" charset="0"/>
+              <a:buNone/>
+              <a:defRPr sz="1800" kern="1200">
+                <a:solidFill>
+                  <a:schemeClr val="tx1">
+                    <a:tint val="75000"/>
+                  </a:schemeClr>
+                </a:solidFill>
+                <a:latin typeface="+mn-lt"/>
+                <a:ea typeface="+mn-ea"/>
+                <a:cs typeface="+mn-cs"/>
+              </a:defRPr>
+            </a:lvl3pPr>
+            <a:lvl4pPr marL="1371600" indent="0" algn="l" defTabSz="914400" rtl="0" eaLnBrk="1" latinLnBrk="0" hangingPunct="1">
+              <a:lnSpc>
+                <a:spcPct val="150000"/>
+              </a:lnSpc>
+              <a:spcBef>
+                <a:spcPts val="500"/>
+              </a:spcBef>
+              <a:buFont typeface="Arial" panose="020B0604020202020204" pitchFamily="34" charset="0"/>
+              <a:buNone/>
+              <a:defRPr sz="1600" kern="1200">
+                <a:solidFill>
+                  <a:schemeClr val="tx1">
+                    <a:tint val="75000"/>
+                  </a:schemeClr>
+                </a:solidFill>
+                <a:latin typeface="+mn-lt"/>
+                <a:ea typeface="+mn-ea"/>
+                <a:cs typeface="+mn-cs"/>
+              </a:defRPr>
+            </a:lvl4pPr>
+            <a:lvl5pPr marL="1828800" indent="0" algn="l" defTabSz="914400" rtl="0" eaLnBrk="1" latinLnBrk="0" hangingPunct="1">
+              <a:lnSpc>
+                <a:spcPct val="150000"/>
+              </a:lnSpc>
+              <a:spcBef>
+                <a:spcPts val="500"/>
+              </a:spcBef>
+              <a:buFont typeface="Arial" panose="020B0604020202020204" pitchFamily="34" charset="0"/>
+              <a:buNone/>
+              <a:defRPr sz="1600" kern="1200">
+                <a:solidFill>
+                  <a:schemeClr val="tx1">
+                    <a:tint val="75000"/>
+                  </a:schemeClr>
+                </a:solidFill>
+                <a:latin typeface="+mn-lt"/>
+                <a:ea typeface="+mn-ea"/>
+                <a:cs typeface="+mn-cs"/>
+              </a:defRPr>
+            </a:lvl5pPr>
+            <a:lvl6pPr marL="2286000" indent="0" algn="l" defTabSz="914400" rtl="0" eaLnBrk="1" latinLnBrk="0" hangingPunct="1">
+              <a:lnSpc>
+                <a:spcPct val="90000"/>
+              </a:lnSpc>
+              <a:spcBef>
+                <a:spcPts val="500"/>
+              </a:spcBef>
+              <a:buFont typeface="Arial" panose="020B0604020202020204" pitchFamily="34" charset="0"/>
+              <a:buNone/>
+              <a:defRPr sz="1600" kern="1200">
+                <a:solidFill>
+                  <a:schemeClr val="tx1">
+                    <a:tint val="75000"/>
+                  </a:schemeClr>
+                </a:solidFill>
+                <a:latin typeface="+mn-lt"/>
+                <a:ea typeface="+mn-ea"/>
+                <a:cs typeface="+mn-cs"/>
+              </a:defRPr>
+            </a:lvl6pPr>
+            <a:lvl7pPr marL="2743200" indent="0" algn="l" defTabSz="914400" rtl="0" eaLnBrk="1" latinLnBrk="0" hangingPunct="1">
+              <a:lnSpc>
+                <a:spcPct val="90000"/>
+              </a:lnSpc>
+              <a:spcBef>
+                <a:spcPts val="500"/>
+              </a:spcBef>
+              <a:buFont typeface="Arial" panose="020B0604020202020204" pitchFamily="34" charset="0"/>
+              <a:buNone/>
+              <a:defRPr sz="1600" kern="1200">
+                <a:solidFill>
+                  <a:schemeClr val="tx1">
+                    <a:tint val="75000"/>
+                  </a:schemeClr>
+                </a:solidFill>
+                <a:latin typeface="+mn-lt"/>
+                <a:ea typeface="+mn-ea"/>
+                <a:cs typeface="+mn-cs"/>
+              </a:defRPr>
+            </a:lvl7pPr>
+            <a:lvl8pPr marL="3200400" indent="0" algn="l" defTabSz="914400" rtl="0" eaLnBrk="1" latinLnBrk="0" hangingPunct="1">
+              <a:lnSpc>
+                <a:spcPct val="90000"/>
+              </a:lnSpc>
+              <a:spcBef>
+                <a:spcPts val="500"/>
+              </a:spcBef>
+              <a:buFont typeface="Arial" panose="020B0604020202020204" pitchFamily="34" charset="0"/>
+              <a:buNone/>
+              <a:defRPr sz="1600" kern="1200">
+                <a:solidFill>
+                  <a:schemeClr val="tx1">
+                    <a:tint val="75000"/>
+                  </a:schemeClr>
+                </a:solidFill>
+                <a:latin typeface="+mn-lt"/>
+                <a:ea typeface="+mn-ea"/>
+                <a:cs typeface="+mn-cs"/>
+              </a:defRPr>
+            </a:lvl8pPr>
+            <a:lvl9pPr marL="3657600" indent="0" algn="l" defTabSz="914400" rtl="0" eaLnBrk="1" latinLnBrk="0" hangingPunct="1">
+              <a:lnSpc>
+                <a:spcPct val="90000"/>
+              </a:lnSpc>
+              <a:spcBef>
+                <a:spcPts val="500"/>
+              </a:spcBef>
+              <a:buFont typeface="Arial" panose="020B0604020202020204" pitchFamily="34" charset="0"/>
+              <a:buNone/>
+              <a:defRPr sz="1600" kern="1200">
+                <a:solidFill>
+                  <a:schemeClr val="tx1">
+                    <a:tint val="75000"/>
+                  </a:schemeClr>
+                </a:solidFill>
+                <a:latin typeface="+mn-lt"/>
+                <a:ea typeface="+mn-ea"/>
+                <a:cs typeface="+mn-cs"/>
+              </a:defRPr>
+            </a:lvl9pPr>
+          </a:lstStyle>
+          <a:p>
+            <a:r>
+              <a:rPr lang="en-US" dirty="0" smtClean="0">
+                <a:solidFill>
+                  <a:schemeClr val="bg2">
+                    <a:lumMod val="25000"/>
+                  </a:schemeClr>
+                </a:solidFill>
+                <a:effectLst>
+                  <a:outerShdw blurRad="38100" dist="38100" dir="2700000" algn="tl">
+                    <a:srgbClr val="000000">
+                      <a:alpha val="43137"/>
+                    </a:srgbClr>
+                  </a:outerShdw>
+                </a:effectLst>
+                <a:latin typeface="Helvetica" panose="020B0604020202020204" pitchFamily="34" charset="0"/>
+                <a:cs typeface="Helvetica" panose="020B0604020202020204" pitchFamily="34" charset="0"/>
+              </a:rPr>
+              <a:t>What is learning outcomes?</a:t>
+            </a:r>
+            <a:endParaRPr lang="en-US" dirty="0">
+              <a:solidFill>
+                <a:schemeClr val="bg2">
+                  <a:lumMod val="25000"/>
+                </a:schemeClr>
+              </a:solidFill>
+              <a:effectLst>
+                <a:outerShdw blurRad="38100" dist="38100" dir="2700000" algn="tl">
+                  <a:srgbClr val="000000">
+                    <a:alpha val="43137"/>
+                  </a:srgbClr>
+                </a:outerShdw>
+              </a:effectLst>
+              <a:latin typeface="Helvetica" panose="020B0604020202020204" pitchFamily="34" charset="0"/>
+              <a:cs typeface="Helvetica" panose="020B0604020202020204" pitchFamily="34" charset="0"/>
+            </a:endParaRPr>
+          </a:p>
+        </p:txBody>
+      </p:sp>
+    </p:spTree>
+    <p:extLst>
+      <p:ext uri="{BB962C8B-B14F-4D97-AF65-F5344CB8AC3E}">
+        <p14:creationId xmlns:p14="http://schemas.microsoft.com/office/powerpoint/2010/main" val="3834210778"/>
+      </p:ext>
+    </p:extLst>
+  </p:cSld>
+  <p:clrMapOvr>
+    <a:masterClrMapping/>
+  </p:clrMapOvr>
+</p:sld>
+</file>
+
+<file path=ppt/slides/slide3.xml><?xml version="1.0" encoding="utf-8"?>
+<p:sld xmlns:a="http://schemas.openxmlformats.org/drawingml/2006/main" xmlns:r="http://schemas.openxmlformats.org/officeDocument/2006/relationships" xmlns:p="http://schemas.openxmlformats.org/presentationml/2006/main">
+  <p:cSld>
+    <p:spTree>
+      <p:nvGrpSpPr>
+        <p:cNvPr id="1" name=""/>
+        <p:cNvGrpSpPr/>
+        <p:nvPr/>
+      </p:nvGrpSpPr>
+      <p:grpSpPr>
+        <a:xfrm>
+          <a:off x="0" y="0"/>
+          <a:ext cx="0" cy="0"/>
+          <a:chOff x="0" y="0"/>
+          <a:chExt cx="0" cy="0"/>
+        </a:xfrm>
+      </p:grpSpPr>
+      <p:sp>
+        <p:nvSpPr>
+          <p:cNvPr id="7" name="Picture Placeholder 6"/>
+          <p:cNvSpPr>
+            <a:spLocks noGrp="1"/>
+          </p:cNvSpPr>
+          <p:nvPr>
+            <p:ph type="pic" sz="quarter" idx="10"/>
+          </p:nvPr>
+        </p:nvSpPr>
+        <p:spPr/>
+      </p:sp>
+      <p:sp>
+        <p:nvSpPr>
+          <p:cNvPr id="6" name="Title 5"/>
+          <p:cNvSpPr>
+            <a:spLocks noGrp="1"/>
+          </p:cNvSpPr>
+          <p:nvPr>
+            <p:ph type="title"/>
+          </p:nvPr>
+        </p:nvSpPr>
+        <p:spPr/>
+        <p:txBody>
+          <a:bodyPr>
+            <a:normAutofit/>
+          </a:bodyPr>
+          <a:lstStyle/>
+          <a:p>
+            <a:r>
+              <a:rPr lang="en-IE" sz="4400" cap="none" dirty="0" smtClean="0">
+                <a:effectLst>
+                  <a:outerShdw blurRad="38100" dist="38100" dir="2700000" algn="tl">
+                    <a:srgbClr val="000000">
+                      <a:alpha val="43137"/>
+                    </a:srgbClr>
+                  </a:outerShdw>
+                </a:effectLst>
+                <a:latin typeface="Futura"/>
+              </a:rPr>
+              <a:t>Prototype – Web </a:t>
+            </a:r>
+            <a:r>
+              <a:rPr lang="en-IE" sz="4400" cap="none" dirty="0">
+                <a:effectLst>
+                  <a:outerShdw blurRad="38100" dist="38100" dir="2700000" algn="tl">
+                    <a:srgbClr val="000000">
+                      <a:alpha val="43137"/>
+                    </a:srgbClr>
+                  </a:outerShdw>
+                </a:effectLst>
+                <a:latin typeface="Futura"/>
+              </a:rPr>
+              <a:t>A</a:t>
+            </a:r>
+            <a:r>
+              <a:rPr lang="en-IE" sz="4400" cap="none" dirty="0" smtClean="0">
+                <a:effectLst>
+                  <a:outerShdw blurRad="38100" dist="38100" dir="2700000" algn="tl">
+                    <a:srgbClr val="000000">
+                      <a:alpha val="43137"/>
+                    </a:srgbClr>
+                  </a:outerShdw>
+                </a:effectLst>
+                <a:latin typeface="Futura"/>
+              </a:rPr>
+              <a:t>pplication</a:t>
+            </a:r>
+            <a:endParaRPr lang="en-IE" sz="4400" cap="none" dirty="0">
+              <a:effectLst>
+                <a:outerShdw blurRad="38100" dist="38100" dir="2700000" algn="tl">
+                  <a:srgbClr val="000000">
+                    <a:alpha val="43137"/>
+                  </a:srgbClr>
+                </a:outerShdw>
+              </a:effectLst>
+              <a:latin typeface="Futura"/>
+            </a:endParaRPr>
+          </a:p>
+        </p:txBody>
+      </p:sp>
+      <p:sp>
+        <p:nvSpPr>
+          <p:cNvPr id="5" name="Slide Number Placeholder 4"/>
+          <p:cNvSpPr>
+            <a:spLocks noGrp="1"/>
+          </p:cNvSpPr>
+          <p:nvPr>
+            <p:ph type="sldNum" sz="quarter" idx="4294967295"/>
+          </p:nvPr>
+        </p:nvSpPr>
+        <p:spPr>
+          <a:xfrm>
+            <a:off x="11747500" y="6469063"/>
+            <a:ext cx="444500" cy="365125"/>
+          </a:xfrm>
+        </p:spPr>
+        <p:txBody>
+          <a:bodyPr/>
+          <a:lstStyle/>
+          <a:p>
+            <a:fld id="{8C2E478F-E849-4A8C-AF1F-CBCC78A7CBFA}" type="slidenum">
+              <a:rPr lang="en-US" smtClean="0"/>
+              <a:t>3</a:t>
+            </a:fld>
+            <a:endParaRPr lang="en-US" dirty="0"/>
+          </a:p>
+        </p:txBody>
+      </p:sp>
+      <p:sp>
+        <p:nvSpPr>
+          <p:cNvPr id="8" name="Rectangle 7"/>
+          <p:cNvSpPr/>
+          <p:nvPr/>
+        </p:nvSpPr>
+        <p:spPr>
+          <a:xfrm>
+            <a:off x="10182577" y="6469063"/>
+            <a:ext cx="1414903" cy="388937"/>
+          </a:xfrm>
+          <a:prstGeom prst="rect">
+            <a:avLst/>
+          </a:prstGeom>
+          <a:solidFill>
+            <a:schemeClr val="bg1"/>
+          </a:solidFill>
+          <a:ln>
+            <a:noFill/>
+          </a:ln>
+        </p:spPr>
+        <p:style>
+          <a:lnRef idx="2">
+            <a:schemeClr val="accent1">
+              <a:shade val="50000"/>
+            </a:schemeClr>
+          </a:lnRef>
+          <a:fillRef idx="1">
+            <a:schemeClr val="accent1"/>
+          </a:fillRef>
+          <a:effectRef idx="0">
+            <a:schemeClr val="accent1"/>
+          </a:effectRef>
+          <a:fontRef idx="minor">
+            <a:schemeClr val="lt1"/>
+          </a:fontRef>
+        </p:style>
+        <p:txBody>
+          <a:bodyPr rtlCol="0" anchor="ctr"/>
+          <a:lstStyle/>
+          <a:p>
+            <a:pPr algn="ctr"/>
+            <a:endParaRPr lang="en-IE"/>
+          </a:p>
+        </p:txBody>
+      </p:sp>
+    </p:spTree>
+    <p:extLst>
+      <p:ext uri="{BB962C8B-B14F-4D97-AF65-F5344CB8AC3E}">
+        <p14:creationId xmlns:p14="http://schemas.microsoft.com/office/powerpoint/2010/main" val="2359364611"/>
+      </p:ext>
+    </p:extLst>
+  </p:cSld>
+  <p:clrMapOvr>
+    <a:masterClrMapping/>
+  </p:clrMapOvr>
+</p:sld>
+</file>
+
+<file path=ppt/slides/slide4.xml><?xml version="1.0" encoding="utf-8"?>
+<p:sld xmlns:a="http://schemas.openxmlformats.org/drawingml/2006/main" xmlns:r="http://schemas.openxmlformats.org/officeDocument/2006/relationships" xmlns:p="http://schemas.openxmlformats.org/presentationml/2006/main">
+  <p:cSld>
+    <p:spTree>
+      <p:nvGrpSpPr>
+        <p:cNvPr id="1" name=""/>
+        <p:cNvGrpSpPr/>
+        <p:nvPr/>
+      </p:nvGrpSpPr>
+      <p:grpSpPr>
+        <a:xfrm>
+          <a:off x="0" y="0"/>
+          <a:ext cx="0" cy="0"/>
+          <a:chOff x="0" y="0"/>
+          <a:chExt cx="0" cy="0"/>
+        </a:xfrm>
+      </p:grpSpPr>
+      <p:sp>
+        <p:nvSpPr>
+          <p:cNvPr id="5" name="Picture Placeholder 4"/>
+          <p:cNvSpPr>
+            <a:spLocks noGrp="1"/>
+          </p:cNvSpPr>
+          <p:nvPr>
+            <p:ph type="pic" sz="quarter" idx="10"/>
+          </p:nvPr>
+        </p:nvSpPr>
+        <p:spPr/>
+      </p:sp>
+      <p:sp>
+        <p:nvSpPr>
+          <p:cNvPr id="4" name="Title 3"/>
+          <p:cNvSpPr>
+            <a:spLocks noGrp="1"/>
+          </p:cNvSpPr>
+          <p:nvPr>
+            <p:ph type="title"/>
+          </p:nvPr>
+        </p:nvSpPr>
+        <p:spPr/>
+        <p:txBody>
+          <a:bodyPr>
+            <a:normAutofit/>
+          </a:bodyPr>
+          <a:lstStyle/>
+          <a:p>
+            <a:r>
+              <a:rPr lang="en-IE" sz="4400" cap="none" dirty="0" smtClean="0">
+                <a:effectLst>
+                  <a:outerShdw blurRad="38100" dist="38100" dir="2700000" algn="tl">
+                    <a:srgbClr val="000000">
+                      <a:alpha val="43137"/>
+                    </a:srgbClr>
+                  </a:outerShdw>
+                </a:effectLst>
+                <a:latin typeface="Futura"/>
+              </a:rPr>
+              <a:t>Prototype – Android </a:t>
+            </a:r>
+            <a:r>
+              <a:rPr lang="en-IE" sz="4400" cap="none" dirty="0">
+                <a:effectLst>
+                  <a:outerShdw blurRad="38100" dist="38100" dir="2700000" algn="tl">
+                    <a:srgbClr val="000000">
+                      <a:alpha val="43137"/>
+                    </a:srgbClr>
+                  </a:outerShdw>
+                </a:effectLst>
+                <a:latin typeface="Futura"/>
+              </a:rPr>
+              <a:t>M</a:t>
+            </a:r>
+            <a:r>
+              <a:rPr lang="en-IE" sz="4400" cap="none" dirty="0" smtClean="0">
+                <a:effectLst>
+                  <a:outerShdw blurRad="38100" dist="38100" dir="2700000" algn="tl">
+                    <a:srgbClr val="000000">
+                      <a:alpha val="43137"/>
+                    </a:srgbClr>
+                  </a:outerShdw>
+                </a:effectLst>
+                <a:latin typeface="Futura"/>
+              </a:rPr>
+              <a:t>obile </a:t>
+            </a:r>
+            <a:r>
+              <a:rPr lang="en-IE" sz="4400" cap="none" dirty="0">
+                <a:effectLst>
+                  <a:outerShdw blurRad="38100" dist="38100" dir="2700000" algn="tl">
+                    <a:srgbClr val="000000">
+                      <a:alpha val="43137"/>
+                    </a:srgbClr>
+                  </a:outerShdw>
+                </a:effectLst>
+                <a:latin typeface="Futura"/>
+              </a:rPr>
+              <a:t>A</a:t>
+            </a:r>
+            <a:r>
+              <a:rPr lang="en-IE" sz="4400" cap="none" dirty="0" smtClean="0">
+                <a:effectLst>
+                  <a:outerShdw blurRad="38100" dist="38100" dir="2700000" algn="tl">
+                    <a:srgbClr val="000000">
+                      <a:alpha val="43137"/>
+                    </a:srgbClr>
+                  </a:outerShdw>
+                </a:effectLst>
+                <a:latin typeface="Futura"/>
+              </a:rPr>
+              <a:t>pplication</a:t>
+            </a:r>
+            <a:endParaRPr lang="en-IE" sz="4400" cap="none" dirty="0">
+              <a:effectLst>
+                <a:outerShdw blurRad="38100" dist="38100" dir="2700000" algn="tl">
+                  <a:srgbClr val="000000">
+                    <a:alpha val="43137"/>
+                  </a:srgbClr>
+                </a:outerShdw>
+              </a:effectLst>
+              <a:latin typeface="Futura"/>
+            </a:endParaRPr>
+          </a:p>
+        </p:txBody>
+      </p:sp>
+      <p:sp>
+        <p:nvSpPr>
+          <p:cNvPr id="6" name="Rectangle 5"/>
+          <p:cNvSpPr/>
+          <p:nvPr/>
+        </p:nvSpPr>
+        <p:spPr>
+          <a:xfrm>
+            <a:off x="10171289" y="6445956"/>
+            <a:ext cx="1426192" cy="412044"/>
+          </a:xfrm>
+          <a:prstGeom prst="rect">
+            <a:avLst/>
+          </a:prstGeom>
+          <a:solidFill>
+            <a:schemeClr val="bg1"/>
+          </a:solidFill>
+          <a:ln>
+            <a:noFill/>
+          </a:ln>
+        </p:spPr>
+        <p:style>
+          <a:lnRef idx="2">
+            <a:schemeClr val="accent1">
+              <a:shade val="50000"/>
+            </a:schemeClr>
+          </a:lnRef>
+          <a:fillRef idx="1">
+            <a:schemeClr val="accent1"/>
+          </a:fillRef>
+          <a:effectRef idx="0">
+            <a:schemeClr val="accent1"/>
+          </a:effectRef>
+          <a:fontRef idx="minor">
+            <a:schemeClr val="lt1"/>
+          </a:fontRef>
+        </p:style>
+        <p:txBody>
+          <a:bodyPr rtlCol="0" anchor="ctr"/>
+          <a:lstStyle/>
+          <a:p>
+            <a:pPr algn="ctr"/>
+            <a:endParaRPr lang="en-IE"/>
+          </a:p>
+        </p:txBody>
+      </p:sp>
+      <p:sp>
+        <p:nvSpPr>
+          <p:cNvPr id="7" name="Slide Number Placeholder 4"/>
+          <p:cNvSpPr>
+            <a:spLocks noGrp="1"/>
+          </p:cNvSpPr>
+          <p:nvPr>
+            <p:ph type="sldNum" sz="quarter" idx="4294967295"/>
+          </p:nvPr>
+        </p:nvSpPr>
+        <p:spPr>
+          <a:xfrm>
+            <a:off x="11747500" y="6469063"/>
+            <a:ext cx="444500" cy="365125"/>
+          </a:xfrm>
+        </p:spPr>
+        <p:txBody>
+          <a:bodyPr/>
+          <a:lstStyle/>
+          <a:p>
+            <a:r>
+              <a:rPr lang="en-US" dirty="0" smtClean="0"/>
+              <a:t>4</a:t>
+            </a:r>
+            <a:endParaRPr lang="en-US" dirty="0"/>
+          </a:p>
+        </p:txBody>
+      </p:sp>
+    </p:spTree>
+    <p:extLst>
+      <p:ext uri="{BB962C8B-B14F-4D97-AF65-F5344CB8AC3E}">
+        <p14:creationId xmlns:p14="http://schemas.microsoft.com/office/powerpoint/2010/main" val="347150925"/>
+      </p:ext>
+    </p:extLst>
+  </p:cSld>
+  <p:clrMapOvr>
+    <a:masterClrMapping/>
+  </p:clrMapOvr>
+</p:sld>
+</file>
+
+<file path=ppt/slides/slide5.xml><?xml version="1.0" encoding="utf-8"?>
+<p:sld xmlns:a="http://schemas.openxmlformats.org/drawingml/2006/main" xmlns:r="http://schemas.openxmlformats.org/officeDocument/2006/relationships" xmlns:p="http://schemas.openxmlformats.org/presentationml/2006/main">
+  <p:cSld>
+    <p:spTree>
+      <p:nvGrpSpPr>
+        <p:cNvPr id="1" name=""/>
+        <p:cNvGrpSpPr/>
+        <p:nvPr/>
+      </p:nvGrpSpPr>
+      <p:grpSpPr>
+        <a:xfrm>
+          <a:off x="0" y="0"/>
+          <a:ext cx="0" cy="0"/>
+          <a:chOff x="0" y="0"/>
+          <a:chExt cx="0" cy="0"/>
+        </a:xfrm>
+      </p:grpSpPr>
+      <p:sp>
+        <p:nvSpPr>
+          <p:cNvPr id="12" name="Title 11">
+            <a:extLst>
+              <a:ext uri="{FF2B5EF4-FFF2-40B4-BE49-F238E27FC236}">
+                <a16:creationId xmlns:a16="http://schemas.microsoft.com/office/drawing/2014/main" id="{50AEA731-C7D0-4A0E-B871-4F369D8BEAC5}"/>
+              </a:ext>
+            </a:extLst>
+          </p:cNvPr>
+          <p:cNvSpPr>
+            <a:spLocks noGrp="1"/>
+          </p:cNvSpPr>
+          <p:nvPr>
+            <p:ph type="title"/>
+          </p:nvPr>
+        </p:nvSpPr>
+        <p:spPr/>
+        <p:txBody>
+          <a:bodyPr/>
+          <a:lstStyle/>
+          <a:p>
+            <a:r>
+              <a:rPr lang="en-US" sz="4400" cap="none" dirty="0">
+                <a:effectLst>
+                  <a:outerShdw blurRad="38100" dist="38100" dir="2700000" algn="tl">
+                    <a:srgbClr val="000000">
+                      <a:alpha val="43137"/>
+                    </a:srgbClr>
+                  </a:outerShdw>
+                </a:effectLst>
+                <a:latin typeface="Futura"/>
+                <a:cs typeface="Helvetica" panose="020B0604020202020204" pitchFamily="34" charset="0"/>
+              </a:rPr>
+              <a:t>Technologies</a:t>
+            </a:r>
+          </a:p>
+        </p:txBody>
+      </p:sp>
+      <p:sp>
+        <p:nvSpPr>
+          <p:cNvPr id="14" name="Text Placeholder 13">
+            <a:extLst>
+              <a:ext uri="{FF2B5EF4-FFF2-40B4-BE49-F238E27FC236}">
+                <a16:creationId xmlns:a16="http://schemas.microsoft.com/office/drawing/2014/main" id="{4A4D6BAE-677F-4450-AE14-AD8224A4660A}"/>
+              </a:ext>
+            </a:extLst>
+          </p:cNvPr>
+          <p:cNvSpPr>
+            <a:spLocks noGrp="1"/>
+          </p:cNvSpPr>
+          <p:nvPr>
+            <p:ph type="body" idx="13"/>
+          </p:nvPr>
+        </p:nvSpPr>
+        <p:spPr>
+          <a:xfrm>
+            <a:off x="7819115" y="1383023"/>
+            <a:ext cx="4174101" cy="754775"/>
+          </a:xfrm>
+        </p:spPr>
+        <p:txBody>
+          <a:bodyPr>
+            <a:noAutofit/>
+          </a:bodyPr>
+          <a:lstStyle/>
+          <a:p>
+            <a:pPr>
+              <a:lnSpc>
+                <a:spcPct val="100000"/>
+              </a:lnSpc>
+              <a:spcBef>
+                <a:spcPts val="600"/>
+              </a:spcBef>
+            </a:pPr>
+            <a:r>
+              <a:rPr lang="en-US" spc="400" dirty="0">
+                <a:solidFill>
+                  <a:schemeClr val="bg2">
+                    <a:lumMod val="25000"/>
+                  </a:schemeClr>
+                </a:solidFill>
+                <a:effectLst>
+                  <a:outerShdw blurRad="38100" dist="38100" dir="2700000" algn="tl">
+                    <a:srgbClr val="000000">
+                      <a:alpha val="43137"/>
+                    </a:srgbClr>
+                  </a:outerShdw>
+                </a:effectLst>
+                <a:latin typeface="Helvetica" panose="020B0604020202020204" pitchFamily="34" charset="0"/>
+                <a:cs typeface="Helvetica" panose="020B0604020202020204" pitchFamily="34" charset="0"/>
+              </a:rPr>
+              <a:t>List of what we are going to use:</a:t>
+            </a:r>
+          </a:p>
+        </p:txBody>
+      </p:sp>
+      <p:sp>
+        <p:nvSpPr>
+          <p:cNvPr id="13" name="Content Placeholder 12">
+            <a:extLst>
+              <a:ext uri="{FF2B5EF4-FFF2-40B4-BE49-F238E27FC236}">
+                <a16:creationId xmlns:a16="http://schemas.microsoft.com/office/drawing/2014/main" id="{A4E49AC7-7A73-4B51-BDF6-EABA3162F4B7}"/>
+              </a:ext>
+            </a:extLst>
+          </p:cNvPr>
+          <p:cNvSpPr>
+            <a:spLocks noGrp="1"/>
+          </p:cNvSpPr>
+          <p:nvPr>
+            <p:ph idx="1"/>
+          </p:nvPr>
+        </p:nvSpPr>
+        <p:spPr>
+          <a:xfrm>
+            <a:off x="7819115" y="2644726"/>
+            <a:ext cx="3991885" cy="3319976"/>
+          </a:xfrm>
+        </p:spPr>
+        <p:txBody>
+          <a:bodyPr>
+            <a:normAutofit/>
+          </a:bodyPr>
+          <a:lstStyle/>
+          <a:p>
+            <a:pPr>
+              <a:lnSpc>
+                <a:spcPct val="200000"/>
+              </a:lnSpc>
+              <a:spcBef>
+                <a:spcPts val="600"/>
+              </a:spcBef>
+            </a:pPr>
+            <a:r>
+              <a:rPr lang="en-US" sz="2000" spc="400" dirty="0">
+                <a:solidFill>
+                  <a:schemeClr val="bg2">
+                    <a:lumMod val="25000"/>
+                  </a:schemeClr>
+                </a:solidFill>
+                <a:effectLst>
+                  <a:outerShdw blurRad="38100" dist="38100" dir="2700000" algn="tl">
+                    <a:srgbClr val="000000">
+                      <a:alpha val="43137"/>
+                    </a:srgbClr>
+                  </a:outerShdw>
+                </a:effectLst>
+                <a:latin typeface="Helvetica" panose="020B0604020202020204" pitchFamily="34" charset="0"/>
+                <a:cs typeface="Helvetica" panose="020B0604020202020204" pitchFamily="34" charset="0"/>
+              </a:rPr>
+              <a:t>Bluetooth beacons</a:t>
+            </a:r>
+          </a:p>
+          <a:p>
+            <a:pPr>
+              <a:lnSpc>
+                <a:spcPct val="200000"/>
+              </a:lnSpc>
+              <a:spcBef>
+                <a:spcPts val="600"/>
+              </a:spcBef>
+            </a:pPr>
+            <a:r>
+              <a:rPr lang="en-US" sz="2000" spc="400" dirty="0">
+                <a:solidFill>
+                  <a:schemeClr val="bg2">
+                    <a:lumMod val="25000"/>
+                  </a:schemeClr>
+                </a:solidFill>
+                <a:effectLst>
+                  <a:outerShdw blurRad="38100" dist="38100" dir="2700000" algn="tl">
+                    <a:srgbClr val="000000">
+                      <a:alpha val="43137"/>
+                    </a:srgbClr>
+                  </a:outerShdw>
+                </a:effectLst>
+                <a:latin typeface="Helvetica" panose="020B0604020202020204" pitchFamily="34" charset="0"/>
+                <a:cs typeface="Helvetica" panose="020B0604020202020204" pitchFamily="34" charset="0"/>
+              </a:rPr>
+              <a:t>NFC tags</a:t>
+            </a:r>
+          </a:p>
+          <a:p>
+            <a:pPr>
+              <a:lnSpc>
+                <a:spcPct val="200000"/>
+              </a:lnSpc>
+              <a:spcBef>
+                <a:spcPts val="600"/>
+              </a:spcBef>
+            </a:pPr>
+            <a:r>
+              <a:rPr lang="en-US" sz="2000" spc="400" dirty="0">
+                <a:solidFill>
+                  <a:schemeClr val="bg2">
+                    <a:lumMod val="25000"/>
+                  </a:schemeClr>
+                </a:solidFill>
+                <a:effectLst>
+                  <a:outerShdw blurRad="38100" dist="38100" dir="2700000" algn="tl">
+                    <a:srgbClr val="000000">
+                      <a:alpha val="43137"/>
+                    </a:srgbClr>
+                  </a:outerShdw>
+                </a:effectLst>
+                <a:latin typeface="Helvetica" panose="020B0604020202020204" pitchFamily="34" charset="0"/>
+                <a:cs typeface="Helvetica" panose="020B0604020202020204" pitchFamily="34" charset="0"/>
+              </a:rPr>
+              <a:t>QR codes</a:t>
+            </a:r>
+          </a:p>
+          <a:p>
+            <a:pPr>
+              <a:lnSpc>
+                <a:spcPct val="200000"/>
+              </a:lnSpc>
+              <a:spcBef>
+                <a:spcPts val="600"/>
+              </a:spcBef>
+            </a:pPr>
+            <a:r>
+              <a:rPr lang="en-US" sz="2000" spc="400" dirty="0">
+                <a:solidFill>
+                  <a:schemeClr val="bg2">
+                    <a:lumMod val="25000"/>
+                  </a:schemeClr>
+                </a:solidFill>
+                <a:effectLst>
+                  <a:outerShdw blurRad="38100" dist="38100" dir="2700000" algn="tl">
+                    <a:srgbClr val="000000">
+                      <a:alpha val="43137"/>
+                    </a:srgbClr>
+                  </a:outerShdw>
+                </a:effectLst>
+                <a:latin typeface="Helvetica" panose="020B0604020202020204" pitchFamily="34" charset="0"/>
+                <a:cs typeface="Helvetica" panose="020B0604020202020204" pitchFamily="34" charset="0"/>
+              </a:rPr>
+              <a:t>Barcodes</a:t>
+            </a:r>
+          </a:p>
+        </p:txBody>
+      </p:sp>
+      <p:sp>
+        <p:nvSpPr>
+          <p:cNvPr id="35" name="Slide Number Placeholder 34">
+            <a:extLst>
+              <a:ext uri="{FF2B5EF4-FFF2-40B4-BE49-F238E27FC236}">
+                <a16:creationId xmlns:a16="http://schemas.microsoft.com/office/drawing/2014/main" id="{2DD84183-8918-4B86-8418-5094E7C47E67}"/>
+              </a:ext>
+            </a:extLst>
+          </p:cNvPr>
+          <p:cNvSpPr>
+            <a:spLocks noGrp="1"/>
+          </p:cNvSpPr>
+          <p:nvPr>
+            <p:ph type="sldNum" sz="quarter" idx="4"/>
+          </p:nvPr>
+        </p:nvSpPr>
+        <p:spPr/>
+        <p:txBody>
+          <a:bodyPr/>
+          <a:lstStyle/>
+          <a:p>
+            <a:fld id="{8C2E478F-E849-4A8C-AF1F-CBCC78A7CBFA}" type="slidenum">
+              <a:rPr lang="en-US" smtClean="0"/>
+              <a:t>5</a:t>
+            </a:fld>
+            <a:endParaRPr lang="en-US" dirty="0"/>
+          </a:p>
+        </p:txBody>
+      </p:sp>
+      <p:pic>
+        <p:nvPicPr>
+          <p:cNvPr id="7" name="Picture Placeholder 6" descr="A picture containing food&#10;&#10;Description automatically generated">
+            <a:extLst>
+              <a:ext uri="{FF2B5EF4-FFF2-40B4-BE49-F238E27FC236}">
+                <a16:creationId xmlns:a16="http://schemas.microsoft.com/office/drawing/2014/main" id="{598AE718-76FB-4E86-A329-AA6159F8BBE9}"/>
+              </a:ext>
+            </a:extLst>
+          </p:cNvPr>
+          <p:cNvPicPr>
+            <a:picLocks noGrp="1" noChangeAspect="1"/>
+          </p:cNvPicPr>
+          <p:nvPr>
+            <p:ph type="pic" sz="quarter" idx="14"/>
+          </p:nvPr>
+        </p:nvPicPr>
+        <p:blipFill>
+          <a:blip r:embed="rId3"/>
+          <a:srcRect t="3323" b="3323"/>
+          <a:stretch>
+            <a:fillRect/>
+          </a:stretch>
+        </p:blipFill>
+        <p:spPr>
+          <a:gradFill flip="none" rotWithShape="1">
+            <a:gsLst>
+              <a:gs pos="0">
+                <a:srgbClr val="01023B">
+                  <a:alpha val="50000"/>
+                </a:srgbClr>
+              </a:gs>
+              <a:gs pos="85000">
+                <a:srgbClr val="E99757">
+                  <a:alpha val="50000"/>
+                </a:srgbClr>
+              </a:gs>
+              <a:gs pos="50000">
+                <a:srgbClr val="A53F52">
+                  <a:alpha val="50000"/>
+                </a:srgbClr>
+              </a:gs>
+            </a:gsLst>
+            <a:lin ang="10800000" scaled="1"/>
+            <a:tileRect/>
+          </a:gradFill>
+          <a:ln>
+            <a:noFill/>
+          </a:ln>
+        </p:spPr>
+      </p:pic>
+      <p:sp>
+        <p:nvSpPr>
+          <p:cNvPr id="8" name="Rectangle 7">
+            <a:extLst>
+              <a:ext uri="{FF2B5EF4-FFF2-40B4-BE49-F238E27FC236}">
+                <a16:creationId xmlns:a16="http://schemas.microsoft.com/office/drawing/2014/main" id="{BF44EB5F-6A0F-4ED0-AE85-7BB94B8C2DB4}"/>
+              </a:ext>
+            </a:extLst>
+          </p:cNvPr>
+          <p:cNvSpPr/>
+          <p:nvPr/>
+        </p:nvSpPr>
+        <p:spPr>
+          <a:xfrm>
+            <a:off x="0" y="-19878"/>
+            <a:ext cx="7406905" cy="6877878"/>
+          </a:xfrm>
+          <a:prstGeom prst="rect">
+            <a:avLst/>
+          </a:prstGeom>
+          <a:gradFill>
+            <a:gsLst>
+              <a:gs pos="0">
+                <a:srgbClr val="01023B">
+                  <a:alpha val="50000"/>
+                </a:srgbClr>
+              </a:gs>
+              <a:gs pos="85000">
+                <a:srgbClr val="E99757">
+                  <a:alpha val="50000"/>
+                </a:srgbClr>
+              </a:gs>
+              <a:gs pos="50000">
+                <a:srgbClr val="A53F52">
+                  <a:alpha val="50000"/>
+                </a:srgbClr>
+              </a:gs>
+            </a:gsLst>
+            <a:lin ang="10800000" scaled="1"/>
+          </a:gradFill>
+          <a:ln>
+            <a:noFill/>
+          </a:ln>
+        </p:spPr>
+        <p:style>
+          <a:lnRef idx="2">
+            <a:schemeClr val="accent1">
+              <a:shade val="50000"/>
+            </a:schemeClr>
+          </a:lnRef>
+          <a:fillRef idx="1">
+            <a:schemeClr val="accent1"/>
+          </a:fillRef>
+          <a:effectRef idx="0">
+            <a:schemeClr val="accent1"/>
+          </a:effectRef>
+          <a:fontRef idx="minor">
+            <a:schemeClr val="lt1"/>
+          </a:fontRef>
+        </p:style>
+        <p:txBody>
+          <a:bodyPr rtlCol="0" anchor="ctr"/>
+          <a:lstStyle/>
+          <a:p>
+            <a:pPr algn="ctr"/>
+            <a:endParaRPr lang="en-IE"/>
+          </a:p>
+        </p:txBody>
+      </p:sp>
+      <p:sp>
+        <p:nvSpPr>
+          <p:cNvPr id="9" name="Rectangle 8">
+            <a:extLst>
+              <a:ext uri="{FF2B5EF4-FFF2-40B4-BE49-F238E27FC236}">
+                <a16:creationId xmlns:a16="http://schemas.microsoft.com/office/drawing/2014/main" id="{42F2EBF6-019D-42CE-8F77-238E2AF48884}"/>
+              </a:ext>
+            </a:extLst>
+          </p:cNvPr>
+          <p:cNvSpPr/>
+          <p:nvPr/>
+        </p:nvSpPr>
+        <p:spPr>
+          <a:xfrm>
+            <a:off x="10142806" y="6468303"/>
+            <a:ext cx="1406463" cy="389697"/>
+          </a:xfrm>
+          <a:prstGeom prst="rect">
+            <a:avLst/>
+          </a:prstGeom>
+          <a:ln>
+            <a:noFill/>
+          </a:ln>
+        </p:spPr>
+        <p:style>
+          <a:lnRef idx="2">
+            <a:schemeClr val="accent6"/>
+          </a:lnRef>
+          <a:fillRef idx="1">
+            <a:schemeClr val="lt1"/>
+          </a:fillRef>
+          <a:effectRef idx="0">
+            <a:schemeClr val="accent6"/>
+          </a:effectRef>
+          <a:fontRef idx="minor">
+            <a:schemeClr val="dk1"/>
+          </a:fontRef>
+        </p:style>
+        <p:txBody>
+          <a:bodyPr rtlCol="0" anchor="ctr"/>
+          <a:lstStyle/>
+          <a:p>
+            <a:pPr algn="ctr"/>
+            <a:endParaRPr lang="en-IE"/>
+          </a:p>
+        </p:txBody>
+      </p:sp>
+    </p:spTree>
+    <p:extLst>
+      <p:ext uri="{BB962C8B-B14F-4D97-AF65-F5344CB8AC3E}">
+        <p14:creationId xmlns:p14="http://schemas.microsoft.com/office/powerpoint/2010/main" val="2720361709"/>
+      </p:ext>
+    </p:extLst>
+  </p:cSld>
+  <p:clrMapOvr>
+    <a:masterClrMapping/>
+  </p:clrMapOvr>
+</p:sld>
+</file>
+
+<file path=ppt/slides/slide6.xml><?xml version="1.0" encoding="utf-8"?>
+<p:sld xmlns:a="http://schemas.openxmlformats.org/drawingml/2006/main" xmlns:r="http://schemas.openxmlformats.org/officeDocument/2006/relationships" xmlns:p="http://schemas.openxmlformats.org/presentationml/2006/main">
+  <p:cSld>
+    <p:spTree>
+      <p:nvGrpSpPr>
+        <p:cNvPr id="1" name=""/>
+        <p:cNvGrpSpPr/>
+        <p:nvPr/>
+      </p:nvGrpSpPr>
+      <p:grpSpPr>
+        <a:xfrm>
+          <a:off x="0" y="0"/>
+          <a:ext cx="0" cy="0"/>
+          <a:chOff x="0" y="0"/>
+          <a:chExt cx="0" cy="0"/>
+        </a:xfrm>
+      </p:grpSpPr>
+      <p:sp>
+        <p:nvSpPr>
+          <p:cNvPr id="7" name="Title 6"/>
+          <p:cNvSpPr>
+            <a:spLocks noGrp="1"/>
+          </p:cNvSpPr>
+          <p:nvPr>
+            <p:ph type="title"/>
+          </p:nvPr>
+        </p:nvSpPr>
+        <p:spPr/>
+        <p:txBody>
+          <a:bodyPr>
+            <a:normAutofit/>
+          </a:bodyPr>
+          <a:lstStyle/>
+          <a:p>
+            <a:pPr algn="ctr"/>
+            <a:r>
+              <a:rPr lang="en-IE" sz="4400" cap="none" spc="0" dirty="0" smtClean="0">
+                <a:effectLst>
+                  <a:outerShdw blurRad="38100" dist="38100" dir="2700000" algn="tl">
+                    <a:srgbClr val="000000">
+                      <a:alpha val="43137"/>
+                    </a:srgbClr>
+                  </a:outerShdw>
+                </a:effectLst>
+                <a:latin typeface="Futura"/>
+              </a:rPr>
+              <a:t>Architecture diagram</a:t>
+            </a:r>
+            <a:endParaRPr lang="en-IE" sz="4400" cap="none" spc="0" dirty="0">
+              <a:effectLst>
+                <a:outerShdw blurRad="38100" dist="38100" dir="2700000" algn="tl">
+                  <a:srgbClr val="000000">
+                    <a:alpha val="43137"/>
+                  </a:srgbClr>
+                </a:outerShdw>
+              </a:effectLst>
+              <a:latin typeface="Futura"/>
+            </a:endParaRPr>
+          </a:p>
+        </p:txBody>
+      </p:sp>
+      <p:sp>
+        <p:nvSpPr>
+          <p:cNvPr id="6" name="Slide Number Placeholder 5"/>
+          <p:cNvSpPr>
+            <a:spLocks noGrp="1"/>
+          </p:cNvSpPr>
+          <p:nvPr>
+            <p:ph type="sldNum" sz="quarter" idx="12"/>
+          </p:nvPr>
+        </p:nvSpPr>
+        <p:spPr/>
+        <p:txBody>
+          <a:bodyPr/>
+          <a:lstStyle/>
+          <a:p>
+            <a:fld id="{8C2E478F-E849-4A8C-AF1F-CBCC78A7CBFA}" type="slidenum">
+              <a:rPr lang="en-US" smtClean="0"/>
+              <a:t>6</a:t>
+            </a:fld>
+            <a:endParaRPr lang="en-US" dirty="0"/>
+          </a:p>
+        </p:txBody>
+      </p:sp>
+      <p:sp>
+        <p:nvSpPr>
+          <p:cNvPr id="11" name="Text Placeholder 10"/>
+          <p:cNvSpPr>
+            <a:spLocks noGrp="1"/>
+          </p:cNvSpPr>
+          <p:nvPr>
+            <p:ph type="body" sz="half" idx="2"/>
+          </p:nvPr>
+        </p:nvSpPr>
+        <p:spPr/>
+        <p:txBody>
+          <a:bodyPr/>
+          <a:lstStyle/>
+          <a:p>
+            <a:endParaRPr lang="en-IE"/>
+          </a:p>
+        </p:txBody>
+      </p:sp>
+      <p:pic>
+        <p:nvPicPr>
+          <p:cNvPr id="13" name="Content Placeholder 12"/>
+          <p:cNvPicPr>
+            <a:picLocks noGrp="1" noChangeAspect="1"/>
+          </p:cNvPicPr>
+          <p:nvPr>
+            <p:ph idx="1"/>
+          </p:nvPr>
+        </p:nvPicPr>
+        <p:blipFill>
+          <a:blip r:embed="rId2">
+            <a:extLst>
+              <a:ext uri="{28A0092B-C50C-407E-A947-70E740481C1C}">
+                <a14:useLocalDpi xmlns:a14="http://schemas.microsoft.com/office/drawing/2010/main" val="0"/>
+              </a:ext>
+            </a:extLst>
+          </a:blip>
+          <a:stretch>
+            <a:fillRect/>
+          </a:stretch>
+        </p:blipFill>
+        <p:spPr>
+          <a:xfrm>
+            <a:off x="5247801" y="970844"/>
+            <a:ext cx="6707010" cy="4538134"/>
+          </a:xfrm>
+        </p:spPr>
+      </p:pic>
+      <p:sp>
+        <p:nvSpPr>
+          <p:cNvPr id="12" name="Rectangle 11"/>
+          <p:cNvSpPr/>
+          <p:nvPr/>
+        </p:nvSpPr>
+        <p:spPr>
+          <a:xfrm>
+            <a:off x="10171289" y="6468303"/>
+            <a:ext cx="1377980" cy="389697"/>
+          </a:xfrm>
+          <a:prstGeom prst="rect">
+            <a:avLst/>
+          </a:prstGeom>
+          <a:solidFill>
+            <a:schemeClr val="bg1"/>
+          </a:solidFill>
+          <a:ln>
+            <a:noFill/>
+          </a:ln>
+        </p:spPr>
+        <p:style>
+          <a:lnRef idx="2">
+            <a:schemeClr val="accent1">
+              <a:shade val="50000"/>
+            </a:schemeClr>
+          </a:lnRef>
+          <a:fillRef idx="1">
+            <a:schemeClr val="accent1"/>
+          </a:fillRef>
+          <a:effectRef idx="0">
+            <a:schemeClr val="accent1"/>
+          </a:effectRef>
+          <a:fontRef idx="minor">
+            <a:schemeClr val="lt1"/>
+          </a:fontRef>
+        </p:style>
+        <p:txBody>
+          <a:bodyPr rtlCol="0" anchor="ctr"/>
+          <a:lstStyle/>
+          <a:p>
+            <a:pPr algn="ctr"/>
+            <a:endParaRPr lang="en-IE"/>
+          </a:p>
+        </p:txBody>
+      </p:sp>
+      <p:sp>
+        <p:nvSpPr>
+          <p:cNvPr id="16" name="Rectangle 15"/>
+          <p:cNvSpPr/>
+          <p:nvPr/>
+        </p:nvSpPr>
+        <p:spPr>
+          <a:xfrm>
+            <a:off x="5606716" y="1173079"/>
+            <a:ext cx="222584" cy="240632"/>
+          </a:xfrm>
+          <a:prstGeom prst="rect">
+            <a:avLst/>
+          </a:prstGeom>
+          <a:solidFill>
+            <a:schemeClr val="bg1"/>
+          </a:solidFill>
+          <a:ln>
+            <a:noFill/>
+          </a:ln>
+        </p:spPr>
+        <p:style>
+          <a:lnRef idx="2">
+            <a:schemeClr val="accent1">
+              <a:shade val="50000"/>
+            </a:schemeClr>
+          </a:lnRef>
+          <a:fillRef idx="1">
+            <a:schemeClr val="accent1"/>
+          </a:fillRef>
+          <a:effectRef idx="0">
+            <a:schemeClr val="accent1"/>
+          </a:effectRef>
+          <a:fontRef idx="minor">
+            <a:schemeClr val="lt1"/>
+          </a:fontRef>
+        </p:style>
+        <p:txBody>
+          <a:bodyPr rtlCol="0" anchor="ctr"/>
+          <a:lstStyle/>
+          <a:p>
+            <a:pPr algn="ctr"/>
+            <a:endParaRPr lang="en-IE"/>
+          </a:p>
+        </p:txBody>
+      </p:sp>
+    </p:spTree>
+    <p:extLst>
+      <p:ext uri="{BB962C8B-B14F-4D97-AF65-F5344CB8AC3E}">
+        <p14:creationId xmlns:p14="http://schemas.microsoft.com/office/powerpoint/2010/main" val="3064246949"/>
+      </p:ext>
+    </p:extLst>
+  </p:cSld>
+  <p:clrMapOvr>
+    <a:masterClrMapping/>
+  </p:clrMapOvr>
+</p:sld>
+</file>
+
+<file path=ppt/slides/slide7.xml><?xml version="1.0" encoding="utf-8"?>
+<p:sld xmlns:a="http://schemas.openxmlformats.org/drawingml/2006/main" xmlns:r="http://schemas.openxmlformats.org/officeDocument/2006/relationships" xmlns:p="http://schemas.openxmlformats.org/presentationml/2006/main">
+  <p:cSld>
+    <p:spTree>
+      <p:nvGrpSpPr>
+        <p:cNvPr id="1" name=""/>
+        <p:cNvGrpSpPr/>
+        <p:nvPr/>
+      </p:nvGrpSpPr>
+      <p:grpSpPr>
+        <a:xfrm>
+          <a:off x="0" y="0"/>
+          <a:ext cx="0" cy="0"/>
+          <a:chOff x="0" y="0"/>
+          <a:chExt cx="0" cy="0"/>
+        </a:xfrm>
+      </p:grpSpPr>
+      <p:sp>
+        <p:nvSpPr>
+          <p:cNvPr id="7" name="Title 6"/>
+          <p:cNvSpPr>
+            <a:spLocks noGrp="1"/>
+          </p:cNvSpPr>
+          <p:nvPr>
+            <p:ph type="title"/>
+          </p:nvPr>
+        </p:nvSpPr>
+        <p:spPr/>
+        <p:txBody>
+          <a:bodyPr>
+            <a:normAutofit/>
+          </a:bodyPr>
+          <a:lstStyle/>
+          <a:p>
+            <a:pPr algn="ctr"/>
+            <a:r>
+              <a:rPr lang="en-IE" sz="4400" cap="none" spc="0" dirty="0" smtClean="0">
+                <a:effectLst>
+                  <a:outerShdw blurRad="38100" dist="38100" dir="2700000" algn="tl">
+                    <a:srgbClr val="000000">
+                      <a:alpha val="43137"/>
+                    </a:srgbClr>
+                  </a:outerShdw>
+                </a:effectLst>
+                <a:latin typeface="Futura"/>
+              </a:rPr>
+              <a:t>Architecture diagram</a:t>
+            </a:r>
+            <a:endParaRPr lang="en-IE" sz="4400" cap="none" spc="0" dirty="0">
+              <a:effectLst>
+                <a:outerShdw blurRad="38100" dist="38100" dir="2700000" algn="tl">
+                  <a:srgbClr val="000000">
+                    <a:alpha val="43137"/>
+                  </a:srgbClr>
+                </a:outerShdw>
+              </a:effectLst>
+              <a:latin typeface="Futura"/>
+            </a:endParaRPr>
+          </a:p>
+        </p:txBody>
+      </p:sp>
+      <p:sp>
+        <p:nvSpPr>
+          <p:cNvPr id="6" name="Slide Number Placeholder 5"/>
+          <p:cNvSpPr>
+            <a:spLocks noGrp="1"/>
+          </p:cNvSpPr>
+          <p:nvPr>
+            <p:ph type="sldNum" sz="quarter" idx="12"/>
+          </p:nvPr>
+        </p:nvSpPr>
+        <p:spPr/>
+        <p:txBody>
+          <a:bodyPr/>
+          <a:lstStyle/>
+          <a:p>
+            <a:fld id="{8C2E478F-E849-4A8C-AF1F-CBCC78A7CBFA}" type="slidenum">
+              <a:rPr lang="en-US" smtClean="0"/>
+              <a:t>7</a:t>
+            </a:fld>
+            <a:endParaRPr lang="en-US" dirty="0"/>
+          </a:p>
+        </p:txBody>
+      </p:sp>
+      <p:sp>
+        <p:nvSpPr>
+          <p:cNvPr id="11" name="Text Placeholder 10"/>
+          <p:cNvSpPr>
+            <a:spLocks noGrp="1"/>
+          </p:cNvSpPr>
+          <p:nvPr>
+            <p:ph type="body" sz="half" idx="2"/>
+          </p:nvPr>
+        </p:nvSpPr>
+        <p:spPr/>
+        <p:txBody>
+          <a:bodyPr/>
+          <a:lstStyle/>
+          <a:p>
+            <a:endParaRPr lang="en-IE"/>
+          </a:p>
+        </p:txBody>
+      </p:sp>
+      <p:pic>
+        <p:nvPicPr>
+          <p:cNvPr id="3" name="Content Placeholder 2"/>
+          <p:cNvPicPr>
+            <a:picLocks noGrp="1" noChangeAspect="1"/>
+          </p:cNvPicPr>
+          <p:nvPr>
+            <p:ph idx="1"/>
+          </p:nvPr>
+        </p:nvPicPr>
+        <p:blipFill>
+          <a:blip r:embed="rId2">
+            <a:extLst>
+              <a:ext uri="{28A0092B-C50C-407E-A947-70E740481C1C}">
+                <a14:useLocalDpi xmlns:a14="http://schemas.microsoft.com/office/drawing/2010/main" val="0"/>
+              </a:ext>
+            </a:extLst>
+          </a:blip>
+          <a:stretch>
+            <a:fillRect/>
+          </a:stretch>
+        </p:blipFill>
+        <p:spPr>
+          <a:xfrm>
+            <a:off x="5281724" y="1501423"/>
+            <a:ext cx="6651197" cy="3510844"/>
+          </a:xfrm>
+        </p:spPr>
+      </p:pic>
+      <p:sp>
+        <p:nvSpPr>
+          <p:cNvPr id="2" name="Rectangle 1"/>
+          <p:cNvSpPr/>
+          <p:nvPr/>
+        </p:nvSpPr>
+        <p:spPr>
+          <a:xfrm>
+            <a:off x="10160000" y="6468303"/>
+            <a:ext cx="1478844" cy="389697"/>
+          </a:xfrm>
+          <a:prstGeom prst="rect">
+            <a:avLst/>
+          </a:prstGeom>
+          <a:solidFill>
+            <a:schemeClr val="bg1"/>
+          </a:solidFill>
+          <a:ln>
+            <a:noFill/>
+          </a:ln>
+        </p:spPr>
+        <p:style>
+          <a:lnRef idx="2">
+            <a:schemeClr val="accent1">
+              <a:shade val="50000"/>
+            </a:schemeClr>
+          </a:lnRef>
+          <a:fillRef idx="1">
+            <a:schemeClr val="accent1"/>
+          </a:fillRef>
+          <a:effectRef idx="0">
+            <a:schemeClr val="accent1"/>
+          </a:effectRef>
+          <a:fontRef idx="minor">
+            <a:schemeClr val="lt1"/>
+          </a:fontRef>
+        </p:style>
+        <p:txBody>
+          <a:bodyPr rtlCol="0" anchor="ctr"/>
+          <a:lstStyle/>
+          <a:p>
+            <a:pPr algn="ctr"/>
+            <a:endParaRPr lang="en-IE"/>
+          </a:p>
+        </p:txBody>
+      </p:sp>
+    </p:spTree>
+    <p:extLst>
+      <p:ext uri="{BB962C8B-B14F-4D97-AF65-F5344CB8AC3E}">
+        <p14:creationId xmlns:p14="http://schemas.microsoft.com/office/powerpoint/2010/main" val="3833682716"/>
+      </p:ext>
+    </p:extLst>
+  </p:cSld>
+  <p:clrMapOvr>
+    <a:masterClrMapping/>
+  </p:clrMapOvr>
+</p:sld>
+</file>
+
+<file path=ppt/slides/slide8.xml><?xml version="1.0" encoding="utf-8"?>
+<p:sld xmlns:a="http://schemas.openxmlformats.org/drawingml/2006/main" xmlns:r="http://schemas.openxmlformats.org/officeDocument/2006/relationships" xmlns:p="http://schemas.openxmlformats.org/presentationml/2006/main">
+  <p:cSld>
+    <p:spTree>
+      <p:nvGrpSpPr>
+        <p:cNvPr id="1" name=""/>
+        <p:cNvGrpSpPr/>
+        <p:nvPr/>
+      </p:nvGrpSpPr>
+      <p:grpSpPr>
+        <a:xfrm>
+          <a:off x="0" y="0"/>
+          <a:ext cx="0" cy="0"/>
+          <a:chOff x="0" y="0"/>
+          <a:chExt cx="0" cy="0"/>
+        </a:xfrm>
+      </p:grpSpPr>
+      <p:sp>
+        <p:nvSpPr>
+          <p:cNvPr id="3" name="Title 2">
+            <a:extLst>
+              <a:ext uri="{FF2B5EF4-FFF2-40B4-BE49-F238E27FC236}">
+                <a16:creationId xmlns:a16="http://schemas.microsoft.com/office/drawing/2014/main" id="{1D24B42B-925B-494C-A986-BD85E8117E1E}"/>
+              </a:ext>
+            </a:extLst>
+          </p:cNvPr>
+          <p:cNvSpPr>
+            <a:spLocks noGrp="1"/>
+          </p:cNvSpPr>
+          <p:nvPr>
+            <p:ph type="title"/>
+          </p:nvPr>
+        </p:nvSpPr>
+        <p:spPr>
+          <a:xfrm>
+            <a:off x="6215270" y="2179089"/>
+            <a:ext cx="5976730" cy="1661297"/>
+          </a:xfrm>
+        </p:spPr>
+        <p:txBody>
+          <a:bodyPr>
+            <a:noAutofit/>
+          </a:bodyPr>
+          <a:lstStyle/>
+          <a:p>
+            <a:pPr algn="ctr"/>
+            <a:r>
+              <a:rPr lang="en-US" cap="none" dirty="0">
+                <a:effectLst>
+                  <a:outerShdw blurRad="38100" dist="38100" dir="2700000" algn="tl">
+                    <a:srgbClr val="000000">
+                      <a:alpha val="43137"/>
+                    </a:srgbClr>
+                  </a:outerShdw>
+                </a:effectLst>
+                <a:latin typeface="Futura"/>
+                <a:cs typeface="Helvetica" panose="020B0604020202020204" pitchFamily="34" charset="0"/>
+              </a:rPr>
+              <a:t>Project Management</a:t>
+            </a:r>
+          </a:p>
+        </p:txBody>
+      </p:sp>
+      <p:sp>
+        <p:nvSpPr>
+          <p:cNvPr id="4" name="Text Placeholder 3">
+            <a:extLst>
+              <a:ext uri="{FF2B5EF4-FFF2-40B4-BE49-F238E27FC236}">
+                <a16:creationId xmlns:a16="http://schemas.microsoft.com/office/drawing/2014/main" id="{A8CA6DEC-302B-49C8-AC11-FD6F37AFA854}"/>
+              </a:ext>
+            </a:extLst>
+          </p:cNvPr>
+          <p:cNvSpPr>
+            <a:spLocks noGrp="1"/>
+          </p:cNvSpPr>
+          <p:nvPr>
+            <p:ph type="body" idx="1"/>
+          </p:nvPr>
+        </p:nvSpPr>
+        <p:spPr>
+          <a:xfrm>
+            <a:off x="6808305" y="4187689"/>
+            <a:ext cx="4962938" cy="572032"/>
+          </a:xfrm>
+        </p:spPr>
+        <p:txBody>
+          <a:bodyPr>
+            <a:normAutofit/>
+          </a:bodyPr>
+          <a:lstStyle/>
+          <a:p>
+            <a:r>
+              <a:rPr lang="en-US" dirty="0">
+                <a:solidFill>
+                  <a:schemeClr val="bg2">
+                    <a:lumMod val="25000"/>
+                  </a:schemeClr>
+                </a:solidFill>
+                <a:effectLst>
+                  <a:outerShdw blurRad="38100" dist="38100" dir="2700000" algn="tl">
+                    <a:srgbClr val="000000">
+                      <a:alpha val="43137"/>
+                    </a:srgbClr>
+                  </a:outerShdw>
+                </a:effectLst>
+                <a:latin typeface="Helvetica" panose="020B0604020202020204" pitchFamily="34" charset="0"/>
+                <a:cs typeface="Helvetica" panose="020B0604020202020204" pitchFamily="34" charset="0"/>
+              </a:rPr>
+              <a:t>Gantt chart &amp; Backlog</a:t>
+            </a:r>
+          </a:p>
+        </p:txBody>
+      </p:sp>
+      <p:sp>
+        <p:nvSpPr>
+          <p:cNvPr id="2094" name="Slide Number Placeholder 2093">
+            <a:extLst>
+              <a:ext uri="{FF2B5EF4-FFF2-40B4-BE49-F238E27FC236}">
+                <a16:creationId xmlns:a16="http://schemas.microsoft.com/office/drawing/2014/main" id="{5DA62994-769D-4C19-BB0A-5144E0A5CFCD}"/>
+              </a:ext>
+            </a:extLst>
+          </p:cNvPr>
+          <p:cNvSpPr>
+            <a:spLocks noGrp="1"/>
+          </p:cNvSpPr>
+          <p:nvPr>
+            <p:ph type="sldNum" sz="quarter" idx="12"/>
+          </p:nvPr>
+        </p:nvSpPr>
+        <p:spPr/>
+        <p:txBody>
+          <a:bodyPr/>
+          <a:lstStyle/>
+          <a:p>
+            <a:fld id="{8C2E478F-E849-4A8C-AF1F-CBCC78A7CBFA}" type="slidenum">
+              <a:rPr lang="en-US" smtClean="0"/>
+              <a:pPr/>
+              <a:t>8</a:t>
+            </a:fld>
+            <a:endParaRPr lang="en-US" dirty="0"/>
+          </a:p>
+        </p:txBody>
+      </p:sp>
+      <p:sp>
+        <p:nvSpPr>
+          <p:cNvPr id="2" name="Rectangle 1">
+            <a:extLst>
+              <a:ext uri="{FF2B5EF4-FFF2-40B4-BE49-F238E27FC236}">
+                <a16:creationId xmlns:a16="http://schemas.microsoft.com/office/drawing/2014/main" id="{8B2C794C-7DFB-4C0B-96CD-3C814E893756}"/>
+              </a:ext>
+            </a:extLst>
+          </p:cNvPr>
+          <p:cNvSpPr/>
+          <p:nvPr/>
+        </p:nvSpPr>
+        <p:spPr>
+          <a:xfrm>
+            <a:off x="10045148" y="6468303"/>
+            <a:ext cx="1504121" cy="365125"/>
+          </a:xfrm>
+          <a:prstGeom prst="rect">
+            <a:avLst/>
+          </a:prstGeom>
+          <a:ln>
+            <a:noFill/>
+          </a:ln>
+        </p:spPr>
+        <p:style>
+          <a:lnRef idx="2">
+            <a:schemeClr val="accent6"/>
+          </a:lnRef>
+          <a:fillRef idx="1">
+            <a:schemeClr val="lt1"/>
+          </a:fillRef>
+          <a:effectRef idx="0">
+            <a:schemeClr val="accent6"/>
+          </a:effectRef>
+          <a:fontRef idx="minor">
+            <a:schemeClr val="dk1"/>
+          </a:fontRef>
+        </p:style>
+        <p:txBody>
+          <a:bodyPr rtlCol="0" anchor="ctr"/>
+          <a:lstStyle/>
+          <a:p>
+            <a:pPr algn="ctr"/>
+            <a:endParaRPr lang="en-IE"/>
+          </a:p>
+        </p:txBody>
+      </p:sp>
+      <p:pic>
+        <p:nvPicPr>
+          <p:cNvPr id="9" name="Picture Placeholder 8" descr="A screenshot of a social media post&#10;&#10;Description automatically generated">
+            <a:extLst>
+              <a:ext uri="{FF2B5EF4-FFF2-40B4-BE49-F238E27FC236}">
+                <a16:creationId xmlns:a16="http://schemas.microsoft.com/office/drawing/2014/main" id="{658DF35E-A114-4C35-A24B-6158FFEFB00C}"/>
+              </a:ext>
+            </a:extLst>
+          </p:cNvPr>
+          <p:cNvPicPr>
+            <a:picLocks noGrp="1" noChangeAspect="1"/>
+          </p:cNvPicPr>
+          <p:nvPr>
+            <p:ph type="pic" sz="quarter" idx="13"/>
+          </p:nvPr>
+        </p:nvPicPr>
+        <p:blipFill>
+          <a:blip r:embed="rId2"/>
+          <a:srcRect l="5556" r="5556"/>
+          <a:stretch>
+            <a:fillRect/>
+          </a:stretch>
+        </p:blipFill>
+        <p:spPr/>
+      </p:pic>
+      <p:sp>
+        <p:nvSpPr>
+          <p:cNvPr id="10" name="Rectangle 9">
+            <a:extLst>
+              <a:ext uri="{FF2B5EF4-FFF2-40B4-BE49-F238E27FC236}">
+                <a16:creationId xmlns:a16="http://schemas.microsoft.com/office/drawing/2014/main" id="{7FED249B-10C7-409C-B9E4-BB1477FDC75F}"/>
+              </a:ext>
+            </a:extLst>
+          </p:cNvPr>
+          <p:cNvSpPr/>
+          <p:nvPr/>
+        </p:nvSpPr>
+        <p:spPr>
+          <a:xfrm>
+            <a:off x="0" y="0"/>
+            <a:ext cx="6096000" cy="6858000"/>
+          </a:xfrm>
+          <a:prstGeom prst="rect">
+            <a:avLst/>
+          </a:prstGeom>
+          <a:gradFill>
+            <a:gsLst>
+              <a:gs pos="0">
+                <a:srgbClr val="01023B">
+                  <a:alpha val="50000"/>
+                </a:srgbClr>
+              </a:gs>
+              <a:gs pos="85000">
+                <a:srgbClr val="E99757">
+                  <a:alpha val="50000"/>
+                </a:srgbClr>
+              </a:gs>
+              <a:gs pos="50000">
+                <a:srgbClr val="A53F52">
+                  <a:alpha val="50000"/>
+                </a:srgbClr>
+              </a:gs>
+            </a:gsLst>
+            <a:lin ang="10800000" scaled="1"/>
+          </a:gradFill>
+          <a:ln>
+            <a:noFill/>
+          </a:ln>
+        </p:spPr>
+        <p:style>
+          <a:lnRef idx="2">
+            <a:schemeClr val="accent1">
+              <a:shade val="50000"/>
+            </a:schemeClr>
+          </a:lnRef>
+          <a:fillRef idx="1">
+            <a:schemeClr val="accent1"/>
+          </a:fillRef>
+          <a:effectRef idx="0">
+            <a:schemeClr val="accent1"/>
+          </a:effectRef>
+          <a:fontRef idx="minor">
+            <a:schemeClr val="lt1"/>
+          </a:fontRef>
+        </p:style>
+        <p:txBody>
+          <a:bodyPr rtlCol="0" anchor="ctr"/>
+          <a:lstStyle/>
+          <a:p>
+            <a:pPr algn="ctr"/>
+            <a:endParaRPr lang="en-IE"/>
+          </a:p>
+        </p:txBody>
+      </p:sp>
+    </p:spTree>
+    <p:extLst>
+      <p:ext uri="{BB962C8B-B14F-4D97-AF65-F5344CB8AC3E}">
+        <p14:creationId xmlns:p14="http://schemas.microsoft.com/office/powerpoint/2010/main" val="3578503173"/>
+      </p:ext>
+    </p:extLst>
+  </p:cSld>
+  <p:clrMapOvr>
+    <a:masterClrMapping/>
+  </p:clrMapOvr>
+</p:sld>
+</file>
+
+<file path=ppt/slides/slide9.xml><?xml version="1.0" encoding="utf-8"?>
+<p:sld xmlns:a="http://schemas.openxmlformats.org/drawingml/2006/main" xmlns:r="http://schemas.openxmlformats.org/officeDocument/2006/relationships" xmlns:p="http://schemas.openxmlformats.org/presentationml/2006/main">
+  <p:cSld>
+    <p:spTree>
+      <p:nvGrpSpPr>
+        <p:cNvPr id="1" name=""/>
+        <p:cNvGrpSpPr/>
+        <p:nvPr/>
+      </p:nvGrpSpPr>
+      <p:grpSpPr>
+        <a:xfrm>
+          <a:off x="0" y="0"/>
+          <a:ext cx="0" cy="0"/>
+          <a:chOff x="0" y="0"/>
+          <a:chExt cx="0" cy="0"/>
+        </a:xfrm>
+      </p:grpSpPr>
+      <p:pic>
+        <p:nvPicPr>
+          <p:cNvPr id="2" name="Picture Placeholder 1"/>
+          <p:cNvPicPr>
+            <a:picLocks noGrp="1" noChangeAspect="1"/>
+          </p:cNvPicPr>
+          <p:nvPr>
+            <p:ph type="pic" sz="quarter" idx="10"/>
+          </p:nvPr>
+        </p:nvPicPr>
+        <p:blipFill>
+          <a:blip r:embed="rId2">
+            <a:extLst>
+              <a:ext uri="{28A0092B-C50C-407E-A947-70E740481C1C}">
+                <a14:useLocalDpi xmlns:a14="http://schemas.microsoft.com/office/drawing/2010/main" val="0"/>
+              </a:ext>
+            </a:extLst>
+          </a:blip>
+          <a:srcRect l="3699" r="3699"/>
+          <a:stretch>
+            <a:fillRect/>
+          </a:stretch>
+        </p:blipFill>
+        <p:spPr>
+          <a:xfrm>
+            <a:off x="1004711" y="1106488"/>
+            <a:ext cx="10182577" cy="5727700"/>
+          </a:xfrm>
+        </p:spPr>
+      </p:pic>
+      <p:sp>
+        <p:nvSpPr>
+          <p:cNvPr id="6" name="Title 5"/>
+          <p:cNvSpPr>
+            <a:spLocks noGrp="1"/>
+          </p:cNvSpPr>
+          <p:nvPr>
+            <p:ph type="title"/>
+          </p:nvPr>
+        </p:nvSpPr>
+        <p:spPr/>
+        <p:txBody>
+          <a:bodyPr>
+            <a:normAutofit/>
+          </a:bodyPr>
+          <a:lstStyle/>
+          <a:p>
+            <a:r>
+              <a:rPr lang="en-IE" sz="4400" cap="none" dirty="0" smtClean="0">
+                <a:effectLst>
+                  <a:outerShdw blurRad="38100" dist="38100" dir="2700000" algn="tl">
+                    <a:srgbClr val="000000">
+                      <a:alpha val="43137"/>
+                    </a:srgbClr>
+                  </a:outerShdw>
+                </a:effectLst>
+                <a:latin typeface="Futura"/>
+              </a:rPr>
+              <a:t>Gantt chart</a:t>
+            </a:r>
+            <a:endParaRPr lang="en-IE" sz="4400" cap="none" dirty="0">
+              <a:effectLst>
+                <a:outerShdw blurRad="38100" dist="38100" dir="2700000" algn="tl">
+                  <a:srgbClr val="000000">
+                    <a:alpha val="43137"/>
+                  </a:srgbClr>
+                </a:outerShdw>
+              </a:effectLst>
+              <a:latin typeface="Futura"/>
+            </a:endParaRPr>
+          </a:p>
+        </p:txBody>
+      </p:sp>
+      <p:sp>
+        <p:nvSpPr>
+          <p:cNvPr id="5" name="Slide Number Placeholder 4"/>
+          <p:cNvSpPr>
+            <a:spLocks noGrp="1"/>
+          </p:cNvSpPr>
+          <p:nvPr>
+            <p:ph type="sldNum" sz="quarter" idx="4294967295"/>
+          </p:nvPr>
+        </p:nvSpPr>
+        <p:spPr>
+          <a:xfrm>
+            <a:off x="11747500" y="6469063"/>
+            <a:ext cx="444500" cy="365125"/>
+          </a:xfrm>
+        </p:spPr>
+        <p:txBody>
+          <a:bodyPr/>
+          <a:lstStyle/>
+          <a:p>
+            <a:fld id="{8C2E478F-E849-4A8C-AF1F-CBCC78A7CBFA}" type="slidenum">
+              <a:rPr lang="en-US" smtClean="0"/>
+              <a:t>9</a:t>
+            </a:fld>
+            <a:endParaRPr lang="en-US" dirty="0"/>
+          </a:p>
+        </p:txBody>
+      </p:sp>
+      <p:sp>
+        <p:nvSpPr>
+          <p:cNvPr id="8" name="Rectangle 7"/>
+          <p:cNvSpPr/>
+          <p:nvPr/>
+        </p:nvSpPr>
+        <p:spPr>
+          <a:xfrm>
+            <a:off x="10182577" y="6469063"/>
+            <a:ext cx="1414903" cy="388937"/>
+          </a:xfrm>
+          <a:prstGeom prst="rect">
+            <a:avLst/>
+          </a:prstGeom>
+          <a:solidFill>
+            <a:schemeClr val="bg1"/>
+          </a:solidFill>
+          <a:ln>
+            <a:noFill/>
+          </a:ln>
+        </p:spPr>
+        <p:style>
+          <a:lnRef idx="2">
+            <a:schemeClr val="accent1">
+              <a:shade val="50000"/>
+            </a:schemeClr>
+          </a:lnRef>
+          <a:fillRef idx="1">
+            <a:schemeClr val="accent1"/>
+          </a:fillRef>
+          <a:effectRef idx="0">
+            <a:schemeClr val="accent1"/>
+          </a:effectRef>
+          <a:fontRef idx="minor">
+            <a:schemeClr val="lt1"/>
+          </a:fontRef>
+        </p:style>
+        <p:txBody>
+          <a:bodyPr rtlCol="0" anchor="ctr"/>
+          <a:lstStyle/>
+          <a:p>
+            <a:pPr algn="ctr"/>
+            <a:endParaRPr lang="en-IE"/>
+          </a:p>
+        </p:txBody>
+      </p:sp>
+    </p:spTree>
+    <p:extLst>
+      <p:ext uri="{BB962C8B-B14F-4D97-AF65-F5344CB8AC3E}">
+        <p14:creationId xmlns:p14="http://schemas.microsoft.com/office/powerpoint/2010/main" val="4060996907"/>
       </p:ext>
     </p:extLst>
   </p:cSld>
@@ -10789,15 +13574,6 @@
 </file>
 
 <file path=customXml/item1.xml><?xml version="1.0" encoding="utf-8"?>
-<?mso-contentType ?>
-<FormTemplates xmlns="http://schemas.microsoft.com/sharepoint/v3/contenttype/forms">
-  <Display>DocumentLibraryForm</Display>
-  <Edit>DocumentLibraryForm</Edit>
-  <New>DocumentLibraryForm</New>
-</FormTemplates>
-</file>
-
-<file path=customXml/item2.xml><?xml version="1.0" encoding="utf-8"?>
 <ct:contentTypeSchema xmlns:ct="http://schemas.microsoft.com/office/2006/metadata/contentType" xmlns:ma="http://schemas.microsoft.com/office/2006/metadata/properties/metaAttributes" ct:_="" ma:_="" ma:contentTypeName="Document" ma:contentTypeID="0x01010079F111ED35F8CC479449609E8A0923A6" ma:contentTypeVersion="11" ma:contentTypeDescription="Create a new document." ma:contentTypeScope="" ma:versionID="96291512c1ee715ab617f4c07df79fc1">
   <xsd:schema xmlns:xsd="http://www.w3.org/2001/XMLSchema" xmlns:xs="http://www.w3.org/2001/XMLSchema" xmlns:p="http://schemas.microsoft.com/office/2006/metadata/properties" xmlns:ns2="71af3243-3dd4-4a8d-8c0d-dd76da1f02a5" xmlns:ns3="16c05727-aa75-4e4a-9b5f-8a80a1165891" targetNamespace="http://schemas.microsoft.com/office/2006/metadata/properties" ma:root="true" ma:fieldsID="8256c27c40ca5c40ce1cf6c44f0205df" ns2:_="" ns3:_="">
     <xsd:import namespace="71af3243-3dd4-4a8d-8c0d-dd76da1f02a5"/>
@@ -11008,6 +13784,15 @@
 </ct:contentTypeSchema>
 </file>
 
+<file path=customXml/item2.xml><?xml version="1.0" encoding="utf-8"?>
+<?mso-contentType ?>
+<FormTemplates xmlns="http://schemas.microsoft.com/sharepoint/v3/contenttype/forms">
+  <Display>DocumentLibraryForm</Display>
+  <Edit>DocumentLibraryForm</Edit>
+  <New>DocumentLibraryForm</New>
+</FormTemplates>
+</file>
+
 <file path=customXml/item3.xml><?xml version="1.0" encoding="utf-8"?>
 <p:properties xmlns:p="http://schemas.microsoft.com/office/2006/metadata/properties" xmlns:xsi="http://www.w3.org/2001/XMLSchema-instance" xmlns:pc="http://schemas.microsoft.com/office/infopath/2007/PartnerControls">
   <documentManagement>
@@ -11017,14 +13802,6 @@
 </file>
 
 <file path=customXml/itemProps1.xml><?xml version="1.0" encoding="utf-8"?>
-<ds:datastoreItem xmlns:ds="http://schemas.openxmlformats.org/officeDocument/2006/customXml" ds:itemID="{89B3E157-1CAC-4231-A2EC-E93952D57E42}">
-  <ds:schemaRefs>
-    <ds:schemaRef ds:uri="http://schemas.microsoft.com/sharepoint/v3/contenttype/forms"/>
-  </ds:schemaRefs>
-</ds:datastoreItem>
-</file>
-
-<file path=customXml/itemProps2.xml><?xml version="1.0" encoding="utf-8"?>
 <ds:datastoreItem xmlns:ds="http://schemas.openxmlformats.org/officeDocument/2006/customXml" ds:itemID="{80B16AC2-D7DD-48B6-919A-4ADE887D756B}">
   <ds:schemaRefs>
     <ds:schemaRef ds:uri="http://schemas.microsoft.com/office/2006/metadata/contentType"/>
@@ -11039,6 +13816,14 @@
     <ds:schemaRef ds:uri="http://purl.org/dc/elements/1.1/"/>
     <ds:schemaRef ds:uri="http://purl.org/dc/terms/"/>
     <ds:schemaRef ds:uri="http://schemas.microsoft.com/internal/obd"/>
+  </ds:schemaRefs>
+</ds:datastoreItem>
+</file>
+
+<file path=customXml/itemProps2.xml><?xml version="1.0" encoding="utf-8"?>
+<ds:datastoreItem xmlns:ds="http://schemas.openxmlformats.org/officeDocument/2006/customXml" ds:itemID="{89B3E157-1CAC-4231-A2EC-E93952D57E42}">
+  <ds:schemaRefs>
+    <ds:schemaRef ds:uri="http://schemas.microsoft.com/sharepoint/v3/contenttype/forms"/>
   </ds:schemaRefs>
 </ds:datastoreItem>
 </file>

--- a/Documents/Technical Proposal - Due 21-10-19/PathFinder_presentation.pptx
+++ b/Documents/Technical Proposal - Due 21-10-19/PathFinder_presentation.pptx
@@ -5,25 +5,26 @@
     <p:sldMasterId id="2147483648" r:id="rId4"/>
   </p:sldMasterIdLst>
   <p:notesMasterIdLst>
-    <p:notesMasterId r:id="rId18"/>
+    <p:notesMasterId r:id="rId19"/>
   </p:notesMasterIdLst>
   <p:handoutMasterIdLst>
-    <p:handoutMasterId r:id="rId19"/>
+    <p:handoutMasterId r:id="rId20"/>
   </p:handoutMasterIdLst>
   <p:sldIdLst>
     <p:sldId id="2441" r:id="rId5"/>
     <p:sldId id="2439" r:id="rId6"/>
     <p:sldId id="2442" r:id="rId7"/>
-    <p:sldId id="2443" r:id="rId8"/>
-    <p:sldId id="260" r:id="rId9"/>
-    <p:sldId id="2444" r:id="rId10"/>
-    <p:sldId id="2445" r:id="rId11"/>
-    <p:sldId id="258" r:id="rId12"/>
-    <p:sldId id="2446" r:id="rId13"/>
-    <p:sldId id="2447" r:id="rId14"/>
-    <p:sldId id="2448" r:id="rId15"/>
-    <p:sldId id="2438" r:id="rId16"/>
-    <p:sldId id="2436" r:id="rId17"/>
+    <p:sldId id="2449" r:id="rId8"/>
+    <p:sldId id="2443" r:id="rId9"/>
+    <p:sldId id="260" r:id="rId10"/>
+    <p:sldId id="2444" r:id="rId11"/>
+    <p:sldId id="2445" r:id="rId12"/>
+    <p:sldId id="258" r:id="rId13"/>
+    <p:sldId id="2446" r:id="rId14"/>
+    <p:sldId id="2447" r:id="rId15"/>
+    <p:sldId id="2448" r:id="rId16"/>
+    <p:sldId id="2438" r:id="rId17"/>
+    <p:sldId id="2436" r:id="rId18"/>
   </p:sldIdLst>
   <p:sldSz cx="12192000" cy="6858000"/>
   <p:notesSz cx="6858000" cy="9144000"/>
@@ -123,6 +124,32 @@
     </a:lvl9pPr>
   </p:defaultTextStyle>
   <p:extLst>
+    <p:ext uri="{521415D9-36F7-43E2-AB2F-B90AF26B5E84}">
+      <p14:sectionLst xmlns:p14="http://schemas.microsoft.com/office/powerpoint/2010/main">
+        <p14:section name="Default Section" id="{2B13D172-828C-431F-B73D-AAC903C25DE9}">
+          <p14:sldIdLst>
+            <p14:sldId id="2441"/>
+            <p14:sldId id="2439"/>
+          </p14:sldIdLst>
+        </p14:section>
+        <p14:section name="Untitled Section" id="{92E59A3A-95FA-4334-94F8-3EB48FA97F4D}">
+          <p14:sldIdLst>
+            <p14:sldId id="2442"/>
+            <p14:sldId id="2449"/>
+            <p14:sldId id="2443"/>
+            <p14:sldId id="260"/>
+            <p14:sldId id="2444"/>
+            <p14:sldId id="2445"/>
+            <p14:sldId id="258"/>
+            <p14:sldId id="2446"/>
+            <p14:sldId id="2447"/>
+            <p14:sldId id="2448"/>
+            <p14:sldId id="2438"/>
+            <p14:sldId id="2436"/>
+          </p14:sldIdLst>
+        </p14:section>
+      </p14:sectionLst>
+    </p:ext>
     <p:ext uri="{EFAFB233-063F-42B5-8137-9DF3F51BA10A}">
       <p15:sldGuideLst xmlns:p15="http://schemas.microsoft.com/office/powerpoint/2012/main">
         <p15:guide id="1" orient="horz" pos="2160" userDrawn="1">
@@ -747,7 +774,7 @@
           <a:p>
             <a:fld id="{228B34ED-4CDD-41C9-90F7-D768D5559A6F}" type="slidenum">
               <a:rPr lang="en-US" smtClean="0"/>
-              <a:t>5</a:t>
+              <a:t>6</a:t>
             </a:fld>
             <a:endParaRPr lang="en-US" dirty="0"/>
           </a:p>
@@ -8075,20 +8102,6 @@
           </a:lstStyle>
           <a:p>
             <a:r>
-              <a:rPr lang="en-US" sz="2000" i="1" spc="350" dirty="0" smtClean="0">
-                <a:effectLst>
-                  <a:outerShdw blurRad="38100" dist="38100" dir="2700000" algn="tl">
-                    <a:srgbClr val="000000">
-                      <a:alpha val="43137"/>
-                    </a:srgbClr>
-                  </a:outerShdw>
-                </a:effectLst>
-                <a:latin typeface="Helvetica" panose="020B0604020202020204" pitchFamily="34" charset="0"/>
-                <a:cs typeface="Helvetica" panose="020B0604020202020204" pitchFamily="34" charset="0"/>
-              </a:rPr>
-              <a:t>Christopher </a:t>
-            </a:r>
-            <a:r>
               <a:rPr lang="en-US" sz="2000" i="1" spc="350" dirty="0">
                 <a:effectLst>
                   <a:outerShdw blurRad="38100" dist="38100" dir="2700000" algn="tl">
@@ -8100,7 +8113,7 @@
                 <a:latin typeface="Helvetica" panose="020B0604020202020204" pitchFamily="34" charset="0"/>
                 <a:cs typeface="Helvetica" panose="020B0604020202020204" pitchFamily="34" charset="0"/>
               </a:rPr>
-              <a:t>Costelloe </a:t>
+              <a:t>Christopher Costelloe </a:t>
             </a:r>
             <a:r>
               <a:rPr lang="en-IE" sz="2000" i="1" spc="350" dirty="0">
@@ -8191,6 +8204,97 @@
           <a:chExt cx="0" cy="0"/>
         </a:xfrm>
       </p:grpSpPr>
+      <p:pic>
+        <p:nvPicPr>
+          <p:cNvPr id="2" name="Picture Placeholder 1"/>
+          <p:cNvPicPr>
+            <a:picLocks noGrp="1" noChangeAspect="1"/>
+          </p:cNvPicPr>
+          <p:nvPr>
+            <p:ph type="pic" sz="quarter" idx="10"/>
+          </p:nvPr>
+        </p:nvPicPr>
+        <p:blipFill>
+          <a:blip r:embed="rId2">
+            <a:extLst>
+              <a:ext uri="{28A0092B-C50C-407E-A947-70E740481C1C}">
+                <a14:useLocalDpi xmlns:a14="http://schemas.microsoft.com/office/drawing/2010/main" val="0"/>
+              </a:ext>
+            </a:extLst>
+          </a:blip>
+          <a:srcRect l="3699" r="3699"/>
+          <a:stretch>
+            <a:fillRect/>
+          </a:stretch>
+        </p:blipFill>
+        <p:spPr>
+          <a:xfrm>
+            <a:off x="1004711" y="1106488"/>
+            <a:ext cx="10182577" cy="5727700"/>
+          </a:xfrm>
+        </p:spPr>
+      </p:pic>
+      <p:sp>
+        <p:nvSpPr>
+          <p:cNvPr id="6" name="Title 5"/>
+          <p:cNvSpPr>
+            <a:spLocks noGrp="1"/>
+          </p:cNvSpPr>
+          <p:nvPr>
+            <p:ph type="title"/>
+          </p:nvPr>
+        </p:nvSpPr>
+        <p:spPr/>
+        <p:txBody>
+          <a:bodyPr>
+            <a:normAutofit/>
+          </a:bodyPr>
+          <a:lstStyle/>
+          <a:p>
+            <a:r>
+              <a:rPr lang="en-IE" sz="4400" cap="none" dirty="0">
+                <a:effectLst>
+                  <a:outerShdw blurRad="38100" dist="38100" dir="2700000" algn="tl">
+                    <a:srgbClr val="000000">
+                      <a:alpha val="43137"/>
+                    </a:srgbClr>
+                  </a:outerShdw>
+                </a:effectLst>
+                <a:latin typeface="Futura"/>
+              </a:rPr>
+              <a:t>Gantt chart</a:t>
+            </a:r>
+          </a:p>
+        </p:txBody>
+      </p:sp>
+      <p:sp>
+        <p:nvSpPr>
+          <p:cNvPr id="5" name="Slide Number Placeholder 4"/>
+          <p:cNvSpPr>
+            <a:spLocks noGrp="1"/>
+          </p:cNvSpPr>
+          <p:nvPr>
+            <p:ph type="sldNum" sz="quarter" idx="4294967295"/>
+          </p:nvPr>
+        </p:nvSpPr>
+        <p:spPr>
+          <a:xfrm>
+            <a:off x="11747500" y="6469063"/>
+            <a:ext cx="444500" cy="365125"/>
+          </a:xfrm>
+        </p:spPr>
+        <p:txBody>
+          <a:bodyPr/>
+          <a:lstStyle/>
+          <a:p>
+            <a:fld id="{8C2E478F-E849-4A8C-AF1F-CBCC78A7CBFA}" type="slidenum">
+              <a:rPr lang="en-US" smtClean="0"/>
+              <a:t>10</a:t>
+            </a:fld>
+            <a:endParaRPr lang="en-US" dirty="0"/>
+          </a:p>
+        </p:txBody>
+      </p:sp>
       <p:sp>
         <p:nvSpPr>
           <p:cNvPr id="8" name="Rectangle 7"/>
@@ -8237,6 +8341,82 @@
           </a:p>
         </p:txBody>
       </p:sp>
+    </p:spTree>
+    <p:extLst>
+      <p:ext uri="{BB962C8B-B14F-4D97-AF65-F5344CB8AC3E}">
+        <p14:creationId xmlns:p14="http://schemas.microsoft.com/office/powerpoint/2010/main" val="4060996907"/>
+      </p:ext>
+    </p:extLst>
+  </p:cSld>
+  <p:clrMapOvr>
+    <a:masterClrMapping/>
+  </p:clrMapOvr>
+</p:sld>
+</file>
+
+<file path=ppt/slides/slide11.xml><?xml version="1.0" encoding="utf-8"?>
+<p:sld xmlns:a="http://schemas.openxmlformats.org/drawingml/2006/main" xmlns:r="http://schemas.openxmlformats.org/officeDocument/2006/relationships" xmlns:p="http://schemas.openxmlformats.org/presentationml/2006/main">
+  <p:cSld>
+    <p:spTree>
+      <p:nvGrpSpPr>
+        <p:cNvPr id="1" name=""/>
+        <p:cNvGrpSpPr/>
+        <p:nvPr/>
+      </p:nvGrpSpPr>
+      <p:grpSpPr>
+        <a:xfrm>
+          <a:off x="0" y="0"/>
+          <a:ext cx="0" cy="0"/>
+          <a:chOff x="0" y="0"/>
+          <a:chExt cx="0" cy="0"/>
+        </a:xfrm>
+      </p:grpSpPr>
+      <p:sp>
+        <p:nvSpPr>
+          <p:cNvPr id="8" name="Rectangle 7"/>
+          <p:cNvSpPr/>
+          <p:nvPr/>
+        </p:nvSpPr>
+        <p:spPr>
+          <a:xfrm>
+            <a:off x="10182577" y="6469063"/>
+            <a:ext cx="1414903" cy="388937"/>
+          </a:xfrm>
+          <a:prstGeom prst="rect">
+            <a:avLst/>
+          </a:prstGeom>
+          <a:solidFill>
+            <a:schemeClr val="bg1"/>
+          </a:solidFill>
+          <a:ln>
+            <a:noFill/>
+          </a:ln>
+        </p:spPr>
+        <p:style>
+          <a:lnRef idx="2">
+            <a:schemeClr val="accent1">
+              <a:shade val="50000"/>
+            </a:schemeClr>
+          </a:lnRef>
+          <a:fillRef idx="1">
+            <a:schemeClr val="accent1"/>
+          </a:fillRef>
+          <a:effectRef idx="0">
+            <a:schemeClr val="accent1"/>
+          </a:effectRef>
+          <a:fontRef idx="minor">
+            <a:schemeClr val="lt1"/>
+          </a:fontRef>
+        </p:style>
+        <p:txBody>
+          <a:bodyPr rtlCol="0" anchor="ctr"/>
+          <a:lstStyle/>
+          <a:p>
+            <a:pPr algn="ctr"/>
+            <a:endParaRPr lang="en-IE"/>
+          </a:p>
+        </p:txBody>
+      </p:sp>
       <p:sp>
         <p:nvSpPr>
           <p:cNvPr id="6" name="Title 5"/>
@@ -8255,7 +8435,7 @@
           <a:lstStyle/>
           <a:p>
             <a:r>
-              <a:rPr lang="en-IE" sz="4400" cap="none" dirty="0" smtClean="0">
+              <a:rPr lang="en-IE" sz="4400" cap="none" dirty="0">
                 <a:effectLst>
                   <a:outerShdw blurRad="38100" dist="38100" dir="2700000" algn="tl">
                     <a:srgbClr val="000000">
@@ -8267,16 +8447,6 @@
               </a:rPr>
               <a:t>Sprints</a:t>
             </a:r>
-            <a:endParaRPr lang="en-IE" sz="4400" cap="none" dirty="0">
-              <a:effectLst>
-                <a:outerShdw blurRad="38100" dist="38100" dir="2700000" algn="tl">
-                  <a:srgbClr val="000000">
-                    <a:alpha val="43137"/>
-                  </a:srgbClr>
-                </a:outerShdw>
-              </a:effectLst>
-              <a:latin typeface="Futura"/>
-            </a:endParaRPr>
           </a:p>
         </p:txBody>
       </p:sp>
@@ -8302,7 +8472,7 @@
           <a:p>
             <a:fld id="{8C2E478F-E849-4A8C-AF1F-CBCC78A7CBFA}" type="slidenum">
               <a:rPr lang="en-US" smtClean="0"/>
-              <a:t>10</a:t>
+              <a:t>11</a:t>
             </a:fld>
             <a:endParaRPr lang="en-US" dirty="0"/>
           </a:p>
@@ -8353,7 +8523,7 @@
 </p:sld>
 </file>
 
-<file path=ppt/slides/slide11.xml><?xml version="1.0" encoding="utf-8"?>
+<file path=ppt/slides/slide12.xml><?xml version="1.0" encoding="utf-8"?>
 <p:sld xmlns:a="http://schemas.openxmlformats.org/drawingml/2006/main" xmlns:r="http://schemas.openxmlformats.org/officeDocument/2006/relationships" xmlns:p="http://schemas.openxmlformats.org/presentationml/2006/main">
   <p:cSld>
     <p:spTree>
@@ -8409,7 +8579,7 @@
                 <a16:creationId xmlns:a16="http://schemas.microsoft.com/office/drawing/2014/main" id="{D687D26E-D67A-4318-AAB1-DCEAA89EEB21}"/>
               </a:ext>
               <a:ext uri="{C183D7F6-B498-43B3-948B-1728B52AA6E4}">
-                <adec:decorative xmlns:adec="http://schemas.microsoft.com/office/drawing/2017/decorative" xmlns="" val="1"/>
+                <adec:decorative xmlns:adec="http://schemas.microsoft.com/office/drawing/2017/decorative" val="1"/>
               </a:ext>
             </a:extLst>
           </p:cNvPr>
@@ -8575,7 +8745,7 @@
           <a:p>
             <a:pPr algn="ctr"/>
             <a:r>
-              <a:rPr lang="en-US" sz="4400" cap="none" spc="0" dirty="0" smtClean="0">
+              <a:rPr lang="en-US" sz="4400" cap="none" spc="0" dirty="0">
                 <a:effectLst>
                   <a:outerShdw blurRad="38100" dist="38100" dir="2700000" algn="tl">
                     <a:srgbClr val="000000">
@@ -8588,7 +8758,7 @@
               <a:t>Collaboration Tools</a:t>
             </a:r>
             <a:r>
-              <a:rPr lang="en-US" sz="4400" spc="0" dirty="0" smtClean="0">
+              <a:rPr lang="en-US" sz="4400" spc="0" dirty="0">
                 <a:effectLst>
                   <a:outerShdw blurRad="38100" dist="38100" dir="2700000" algn="tl">
                     <a:srgbClr val="000000">
@@ -8600,16 +8770,6 @@
               </a:rPr>
               <a:t>:</a:t>
             </a:r>
-            <a:endParaRPr lang="en-US" sz="4400" spc="0" dirty="0">
-              <a:effectLst>
-                <a:outerShdw blurRad="38100" dist="38100" dir="2700000" algn="tl">
-                  <a:srgbClr val="000000">
-                    <a:alpha val="43137"/>
-                  </a:srgbClr>
-                </a:outerShdw>
-              </a:effectLst>
-              <a:latin typeface="Futura"/>
-            </a:endParaRPr>
           </a:p>
         </p:txBody>
       </p:sp>
@@ -8637,7 +8797,7 @@
             <a:fld id="{8C2E478F-E849-4A8C-AF1F-CBCC78A7CBFA}" type="slidenum">
               <a:rPr lang="en-US" smtClean="0"/>
               <a:pPr/>
-              <a:t>11</a:t>
+              <a:t>12</a:t>
             </a:fld>
             <a:endParaRPr lang="en-US" dirty="0"/>
           </a:p>
@@ -8742,43 +8902,8 @@
                 <a:latin typeface="Helvetica" panose="020B0604020202020204" pitchFamily="34" charset="0"/>
                 <a:cs typeface="Helvetica" panose="020B0604020202020204" pitchFamily="34" charset="0"/>
               </a:rPr>
-              <a:t>List of what we are </a:t>
-            </a:r>
-            <a:r>
-              <a:rPr lang="en-US" sz="2000" spc="300" dirty="0" smtClean="0">
-                <a:solidFill>
-                  <a:schemeClr val="bg2">
-                    <a:lumMod val="25000"/>
-                  </a:schemeClr>
-                </a:solidFill>
-                <a:effectLst>
-                  <a:outerShdw blurRad="38100" dist="38100" dir="2700000" algn="tl">
-                    <a:srgbClr val="000000">
-                      <a:alpha val="43137"/>
-                    </a:srgbClr>
-                  </a:outerShdw>
-                </a:effectLst>
-                <a:latin typeface="Helvetica" panose="020B0604020202020204" pitchFamily="34" charset="0"/>
-                <a:cs typeface="Helvetica" panose="020B0604020202020204" pitchFamily="34" charset="0"/>
-              </a:rPr>
-              <a:t>using:</a:t>
-            </a:r>
-            <a:endParaRPr lang="en-US" sz="2000" spc="300" dirty="0">
-              <a:solidFill>
-                <a:schemeClr val="bg2">
-                  <a:lumMod val="25000"/>
-                </a:schemeClr>
-              </a:solidFill>
-              <a:effectLst>
-                <a:outerShdw blurRad="38100" dist="38100" dir="2700000" algn="tl">
-                  <a:srgbClr val="000000">
-                    <a:alpha val="43137"/>
-                  </a:srgbClr>
-                </a:outerShdw>
-              </a:effectLst>
-              <a:latin typeface="Helvetica" panose="020B0604020202020204" pitchFamily="34" charset="0"/>
-              <a:cs typeface="Helvetica" panose="020B0604020202020204" pitchFamily="34" charset="0"/>
-            </a:endParaRPr>
+              <a:t>List of what we are using:</a:t>
+            </a:r>
           </a:p>
         </p:txBody>
       </p:sp>
@@ -8807,7 +8932,7 @@
         </p:spPr>
         <p:txBody>
           <a:bodyPr vert="horz" lIns="91440" tIns="45720" rIns="91440" bIns="45720" rtlCol="0" anchor="ctr">
-            <a:normAutofit lnSpcReduction="10000"/>
+            <a:normAutofit/>
           </a:bodyPr>
           <a:lstStyle>
             <a:lvl1pPr marL="0" indent="0" algn="l" defTabSz="914400" rtl="0" eaLnBrk="1" latinLnBrk="0" hangingPunct="1">
@@ -9003,7 +9128,7 @@
               <a:buChar char="•"/>
             </a:pPr>
             <a:r>
-              <a:rPr lang="en-US" sz="2000" spc="400" dirty="0" smtClean="0">
+              <a:rPr lang="en-US" sz="2000" spc="400" dirty="0">
                 <a:solidFill>
                   <a:schemeClr val="bg2">
                     <a:lumMod val="25000"/>
@@ -9034,7 +9159,7 @@
               <a:buChar char="•"/>
             </a:pPr>
             <a:r>
-              <a:rPr lang="en-US" sz="2000" spc="400" dirty="0" smtClean="0">
+              <a:rPr lang="en-US" sz="2000" spc="400" dirty="0">
                 <a:solidFill>
                   <a:schemeClr val="bg2">
                     <a:lumMod val="25000"/>
@@ -9065,7 +9190,7 @@
               <a:buChar char="•"/>
             </a:pPr>
             <a:r>
-              <a:rPr lang="en-US" sz="2000" spc="400" dirty="0" smtClean="0">
+              <a:rPr lang="en-US" sz="2000" spc="400" dirty="0">
                 <a:solidFill>
                   <a:schemeClr val="bg2">
                     <a:lumMod val="25000"/>
@@ -9096,7 +9221,7 @@
               <a:buChar char="•"/>
             </a:pPr>
             <a:r>
-              <a:rPr lang="en-US" sz="2000" spc="400" dirty="0" smtClean="0">
+              <a:rPr lang="en-US" sz="2000" spc="400" dirty="0">
                 <a:solidFill>
                   <a:schemeClr val="bg2">
                     <a:lumMod val="25000"/>
@@ -9112,26 +9237,7 @@
                 <a:latin typeface="Helvetica" panose="020B0604020202020204" pitchFamily="34" charset="0"/>
                 <a:cs typeface="Helvetica" panose="020B0604020202020204" pitchFamily="34" charset="0"/>
               </a:rPr>
-              <a:t>Microsoft Office – Word, Excel etc</a:t>
-            </a:r>
-            <a:r>
-              <a:rPr lang="en-US" sz="2000" spc="400" dirty="0">
-                <a:solidFill>
-                  <a:schemeClr val="bg2">
-                    <a:lumMod val="25000"/>
-                  </a:schemeClr>
-                </a:solidFill>
-                <a:effectLst>
-                  <a:outerShdw blurRad="38100" dist="38100" dir="2700000" algn="tl">
-                    <a:srgbClr val="000000">
-                      <a:alpha val="43137"/>
-                    </a:srgbClr>
-                  </a:outerShdw>
-                </a:effectLst>
-                <a:latin typeface="Helvetica" panose="020B0604020202020204" pitchFamily="34" charset="0"/>
-                <a:cs typeface="Helvetica" panose="020B0604020202020204" pitchFamily="34" charset="0"/>
-              </a:rPr>
-              <a:t>.</a:t>
+              <a:t>Microsoft Office – Word, Excel etc.</a:t>
             </a:r>
           </a:p>
         </p:txBody>
@@ -9149,7 +9255,7 @@
 </p:sld>
 </file>
 
-<file path=ppt/slides/slide12.xml><?xml version="1.0" encoding="utf-8"?>
+<file path=ppt/slides/slide13.xml><?xml version="1.0" encoding="utf-8"?>
 <p:sld xmlns:a="http://schemas.openxmlformats.org/drawingml/2006/main" xmlns:r="http://schemas.openxmlformats.org/officeDocument/2006/relationships" xmlns:p="http://schemas.openxmlformats.org/presentationml/2006/main">
   <p:cSld>
     <p:spTree>
@@ -9205,7 +9311,7 @@
                 <a16:creationId xmlns:a16="http://schemas.microsoft.com/office/drawing/2014/main" id="{84970DCE-964B-4562-9633-71BA6A4DCB65}"/>
               </a:ext>
               <a:ext uri="{C183D7F6-B498-43B3-948B-1728B52AA6E4}">
-                <adec:decorative xmlns:adec="http://schemas.microsoft.com/office/drawing/2017/decorative" xmlns="" val="1"/>
+                <adec:decorative xmlns:adec="http://schemas.microsoft.com/office/drawing/2017/decorative" val="1"/>
               </a:ext>
             </a:extLst>
           </p:cNvPr>
@@ -9278,7 +9384,7 @@
                 <a16:creationId xmlns:a16="http://schemas.microsoft.com/office/drawing/2014/main" id="{3C1F0EB8-D260-4FB6-ACF6-6E86B9A02919}"/>
               </a:ext>
               <a:ext uri="{C183D7F6-B498-43B3-948B-1728B52AA6E4}">
-                <adec:decorative xmlns:adec="http://schemas.microsoft.com/office/drawing/2017/decorative" xmlns="" val="1"/>
+                <adec:decorative xmlns:adec="http://schemas.microsoft.com/office/drawing/2017/decorative" val="1"/>
               </a:ext>
             </a:extLst>
           </p:cNvPr>
@@ -9424,16 +9530,6 @@
               </a:rPr>
               <a:t>Management</a:t>
             </a:r>
-            <a:r>
-              <a:rPr lang="en-US" sz="4400" dirty="0">
-                <a:solidFill>
-                  <a:schemeClr val="bg1"/>
-                </a:solidFill>
-                <a:latin typeface="Futura"/>
-                <a:cs typeface="Gill Sans" panose="020B0502020104020203" pitchFamily="34" charset="-79"/>
-              </a:rPr>
-              <a:t/>
-            </a:r>
             <a:br>
               <a:rPr lang="en-US" sz="4400" dirty="0">
                 <a:solidFill>
@@ -9653,7 +9749,7 @@
               </a:spcBef>
             </a:pPr>
             <a:r>
-              <a:rPr lang="en-US" sz="2000" spc="400" dirty="0" smtClean="0">
+              <a:rPr lang="en-US" sz="2000" spc="400" dirty="0">
                 <a:solidFill>
                   <a:schemeClr val="bg1"/>
                 </a:solidFill>
@@ -9680,7 +9776,7 @@
               </a:spcBef>
             </a:pPr>
             <a:r>
-              <a:rPr lang="en-US" sz="2000" spc="400" dirty="0" smtClean="0">
+              <a:rPr lang="en-US" sz="2000" spc="400" dirty="0">
                 <a:solidFill>
                   <a:schemeClr val="bg1"/>
                 </a:solidFill>
@@ -9707,7 +9803,7 @@
               </a:spcBef>
             </a:pPr>
             <a:r>
-              <a:rPr lang="en-US" sz="2000" spc="400" dirty="0" smtClean="0">
+              <a:rPr lang="en-US" sz="2000" spc="400" dirty="0">
                 <a:solidFill>
                   <a:schemeClr val="bg1"/>
                 </a:solidFill>
@@ -9739,7 +9835,7 @@
 </p:sld>
 </file>
 
-<file path=ppt/slides/slide13.xml><?xml version="1.0" encoding="utf-8"?>
+<file path=ppt/slides/slide14.xml><?xml version="1.0" encoding="utf-8"?>
 <p:sld xmlns:a="http://schemas.openxmlformats.org/drawingml/2006/main" xmlns:r="http://schemas.openxmlformats.org/officeDocument/2006/relationships" xmlns:p="http://schemas.openxmlformats.org/presentationml/2006/main">
   <p:cSld>
     <p:spTree>
@@ -9795,7 +9891,7 @@
                 <a16:creationId xmlns:a16="http://schemas.microsoft.com/office/drawing/2014/main" id="{979F9DAD-F6B0-4ECC-8632-4B5E050986A8}"/>
               </a:ext>
               <a:ext uri="{C183D7F6-B498-43B3-948B-1728B52AA6E4}">
-                <adec:decorative xmlns:adec="http://schemas.microsoft.com/office/drawing/2017/decorative" xmlns="" val="1"/>
+                <adec:decorative xmlns:adec="http://schemas.microsoft.com/office/drawing/2017/decorative" val="1"/>
               </a:ext>
             </a:extLst>
           </p:cNvPr>
@@ -9977,7 +10073,7 @@
                 <a16:creationId xmlns:a16="http://schemas.microsoft.com/office/drawing/2014/main" id="{D687D26E-D67A-4318-AAB1-DCEAA89EEB21}"/>
               </a:ext>
               <a:ext uri="{C183D7F6-B498-43B3-948B-1728B52AA6E4}">
-                <adec:decorative xmlns:adec="http://schemas.microsoft.com/office/drawing/2017/decorative" xmlns="" val="1"/>
+                <adec:decorative xmlns:adec="http://schemas.microsoft.com/office/drawing/2017/decorative" val="1"/>
               </a:ext>
             </a:extLst>
           </p:cNvPr>
@@ -10607,7 +10703,7 @@
           </a:lstStyle>
           <a:p>
             <a:r>
-              <a:rPr lang="en-US" dirty="0" smtClean="0">
+              <a:rPr lang="en-US" dirty="0">
                 <a:solidFill>
                   <a:schemeClr val="bg2">
                     <a:lumMod val="25000"/>
@@ -10623,43 +10719,8 @@
                 <a:latin typeface="Helvetica" panose="020B0604020202020204" pitchFamily="34" charset="0"/>
                 <a:cs typeface="Helvetica" panose="020B0604020202020204" pitchFamily="34" charset="0"/>
               </a:rPr>
-              <a:t>What is unique about it</a:t>
-            </a:r>
-            <a:r>
-              <a:rPr lang="en-US" dirty="0" smtClean="0">
-                <a:solidFill>
-                  <a:schemeClr val="bg2">
-                    <a:lumMod val="25000"/>
-                  </a:schemeClr>
-                </a:solidFill>
-                <a:effectLst>
-                  <a:outerShdw blurRad="38100" dist="38100" dir="2700000" algn="tl">
-                    <a:srgbClr val="000000">
-                      <a:alpha val="43137"/>
-                    </a:srgbClr>
-                  </a:outerShdw>
-                </a:effectLst>
-                <a:latin typeface="Helvetica" panose="020B0604020202020204" pitchFamily="34" charset="0"/>
-                <a:cs typeface="Helvetica" panose="020B0604020202020204" pitchFamily="34" charset="0"/>
-              </a:rPr>
-              <a:t>?</a:t>
-            </a:r>
-            <a:endParaRPr lang="en-US" dirty="0">
-              <a:solidFill>
-                <a:schemeClr val="bg2">
-                  <a:lumMod val="25000"/>
-                </a:schemeClr>
-              </a:solidFill>
-              <a:effectLst>
-                <a:outerShdw blurRad="38100" dist="38100" dir="2700000" algn="tl">
-                  <a:srgbClr val="000000">
-                    <a:alpha val="43137"/>
-                  </a:srgbClr>
-                </a:outerShdw>
-              </a:effectLst>
-              <a:latin typeface="Helvetica" panose="020B0604020202020204" pitchFamily="34" charset="0"/>
-              <a:cs typeface="Helvetica" panose="020B0604020202020204" pitchFamily="34" charset="0"/>
-            </a:endParaRPr>
+              <a:t>What is unique about it?</a:t>
+            </a:r>
           </a:p>
         </p:txBody>
       </p:sp>
@@ -10874,7 +10935,7 @@
           </a:lstStyle>
           <a:p>
             <a:r>
-              <a:rPr lang="en-US" dirty="0" smtClean="0">
+              <a:rPr lang="en-US" dirty="0">
                 <a:solidFill>
                   <a:schemeClr val="bg2">
                     <a:lumMod val="25000"/>
@@ -10892,22 +10953,6 @@
               </a:rPr>
               <a:t>What is learning outcomes?</a:t>
             </a:r>
-            <a:endParaRPr lang="en-US" dirty="0">
-              <a:solidFill>
-                <a:schemeClr val="bg2">
-                  <a:lumMod val="25000"/>
-                </a:schemeClr>
-              </a:solidFill>
-              <a:effectLst>
-                <a:outerShdw blurRad="38100" dist="38100" dir="2700000" algn="tl">
-                  <a:srgbClr val="000000">
-                    <a:alpha val="43137"/>
-                  </a:srgbClr>
-                </a:outerShdw>
-              </a:effectLst>
-              <a:latin typeface="Helvetica" panose="020B0604020202020204" pitchFamily="34" charset="0"/>
-              <a:cs typeface="Helvetica" panose="020B0604020202020204" pitchFamily="34" charset="0"/>
-            </a:endParaRPr>
           </a:p>
         </p:txBody>
       </p:sp>
@@ -10943,18 +10988,6 @@
       </p:grpSpPr>
       <p:sp>
         <p:nvSpPr>
-          <p:cNvPr id="7" name="Picture Placeholder 6"/>
-          <p:cNvSpPr>
-            <a:spLocks noGrp="1"/>
-          </p:cNvSpPr>
-          <p:nvPr>
-            <p:ph type="pic" sz="quarter" idx="10"/>
-          </p:nvPr>
-        </p:nvSpPr>
-        <p:spPr/>
-      </p:sp>
-      <p:sp>
-        <p:nvSpPr>
           <p:cNvPr id="6" name="Title 5"/>
           <p:cNvSpPr>
             <a:spLocks noGrp="1"/>
@@ -10970,19 +11003,6 @@
           </a:bodyPr>
           <a:lstStyle/>
           <a:p>
-            <a:r>
-              <a:rPr lang="en-IE" sz="4400" cap="none" dirty="0" smtClean="0">
-                <a:effectLst>
-                  <a:outerShdw blurRad="38100" dist="38100" dir="2700000" algn="tl">
-                    <a:srgbClr val="000000">
-                      <a:alpha val="43137"/>
-                    </a:srgbClr>
-                  </a:outerShdw>
-                </a:effectLst>
-                <a:latin typeface="Futura"/>
-              </a:rPr>
-              <a:t>Prototype – Web </a:t>
-            </a:r>
             <a:r>
               <a:rPr lang="en-IE" sz="4400" cap="none" dirty="0">
                 <a:effectLst>
@@ -10994,31 +11014,8 @@
                 </a:effectLst>
                 <a:latin typeface="Futura"/>
               </a:rPr>
-              <a:t>A</a:t>
-            </a:r>
-            <a:r>
-              <a:rPr lang="en-IE" sz="4400" cap="none" dirty="0" smtClean="0">
-                <a:effectLst>
-                  <a:outerShdw blurRad="38100" dist="38100" dir="2700000" algn="tl">
-                    <a:srgbClr val="000000">
-                      <a:alpha val="43137"/>
-                    </a:srgbClr>
-                  </a:outerShdw>
-                </a:effectLst>
-                <a:latin typeface="Futura"/>
-              </a:rPr>
-              <a:t>pplication</a:t>
-            </a:r>
-            <a:endParaRPr lang="en-IE" sz="4400" cap="none" dirty="0">
-              <a:effectLst>
-                <a:outerShdw blurRad="38100" dist="38100" dir="2700000" algn="tl">
-                  <a:srgbClr val="000000">
-                    <a:alpha val="43137"/>
-                  </a:srgbClr>
-                </a:outerShdw>
-              </a:effectLst>
-              <a:latin typeface="Futura"/>
-            </a:endParaRPr>
+              <a:t>Prototype – Web Application 1</a:t>
+            </a:r>
           </a:p>
         </p:txBody>
       </p:sp>
@@ -11029,15 +11026,10 @@
             <a:spLocks noGrp="1"/>
           </p:cNvSpPr>
           <p:nvPr>
-            <p:ph type="sldNum" sz="quarter" idx="4294967295"/>
+            <p:ph type="sldNum" sz="quarter" idx="12"/>
           </p:nvPr>
         </p:nvSpPr>
-        <p:spPr>
-          <a:xfrm>
-            <a:off x="11747500" y="6469063"/>
-            <a:ext cx="444500" cy="365125"/>
-          </a:xfrm>
-        </p:spPr>
+        <p:spPr/>
         <p:txBody>
           <a:bodyPr/>
           <a:lstStyle/>
@@ -11050,22 +11042,86 @@
           </a:p>
         </p:txBody>
       </p:sp>
-      <p:sp>
-        <p:nvSpPr>
-          <p:cNvPr id="8" name="Rectangle 7"/>
+      <p:pic>
+        <p:nvPicPr>
+          <p:cNvPr id="13" name="Content Placeholder 12" descr="A screenshot of a social media post&#10;&#10;Description automatically generated">
+            <a:extLst>
+              <a:ext uri="{FF2B5EF4-FFF2-40B4-BE49-F238E27FC236}">
+                <a16:creationId xmlns:a16="http://schemas.microsoft.com/office/drawing/2014/main" id="{2857A5A1-59D0-4E22-9F54-70DCA9391A38}"/>
+              </a:ext>
+            </a:extLst>
+          </p:cNvPr>
+          <p:cNvPicPr>
+            <a:picLocks noGrp="1" noChangeAspect="1"/>
+          </p:cNvPicPr>
+          <p:nvPr>
+            <p:ph sz="half" idx="1"/>
+          </p:nvPr>
+        </p:nvPicPr>
+        <p:blipFill>
+          <a:blip r:embed="rId2"/>
+          <a:stretch>
+            <a:fillRect/>
+          </a:stretch>
+        </p:blipFill>
+        <p:spPr>
+          <a:xfrm>
+            <a:off x="595313" y="2004432"/>
+            <a:ext cx="5181600" cy="3993723"/>
+          </a:xfrm>
+        </p:spPr>
+      </p:pic>
+      <p:pic>
+        <p:nvPicPr>
+          <p:cNvPr id="15" name="Content Placeholder 14" descr="A screenshot of a cell phone&#10;&#10;Description automatically generated">
+            <a:extLst>
+              <a:ext uri="{FF2B5EF4-FFF2-40B4-BE49-F238E27FC236}">
+                <a16:creationId xmlns:a16="http://schemas.microsoft.com/office/drawing/2014/main" id="{69C4F16E-5B83-4CAF-B6EB-46A6173092B3}"/>
+              </a:ext>
+            </a:extLst>
+          </p:cNvPr>
+          <p:cNvPicPr>
+            <a:picLocks noGrp="1" noChangeAspect="1"/>
+          </p:cNvPicPr>
+          <p:nvPr>
+            <p:ph sz="half" idx="2"/>
+          </p:nvPr>
+        </p:nvPicPr>
+        <p:blipFill>
+          <a:blip r:embed="rId3"/>
+          <a:stretch>
+            <a:fillRect/>
+          </a:stretch>
+        </p:blipFill>
+        <p:spPr>
+          <a:xfrm>
+            <a:off x="6415088" y="1984318"/>
+            <a:ext cx="5181600" cy="4033951"/>
+          </a:xfrm>
+        </p:spPr>
+      </p:pic>
+      <p:sp>
+        <p:nvSpPr>
+          <p:cNvPr id="16" name="Rectangle 15">
+            <a:extLst>
+              <a:ext uri="{FF2B5EF4-FFF2-40B4-BE49-F238E27FC236}">
+                <a16:creationId xmlns:a16="http://schemas.microsoft.com/office/drawing/2014/main" id="{5998B594-C1F0-40F7-A2B6-BED2DF74AACB}"/>
+              </a:ext>
+            </a:extLst>
+          </p:cNvPr>
           <p:cNvSpPr/>
           <p:nvPr/>
         </p:nvSpPr>
         <p:spPr>
           <a:xfrm>
-            <a:off x="10182577" y="6469063"/>
-            <a:ext cx="1414903" cy="388937"/>
+            <a:off x="10124661" y="6455051"/>
+            <a:ext cx="1472027" cy="389697"/>
           </a:xfrm>
           <a:prstGeom prst="rect">
             <a:avLst/>
           </a:prstGeom>
           <a:solidFill>
-            <a:schemeClr val="bg1"/>
+            <a:srgbClr val="372C76"/>
           </a:solidFill>
           <a:ln>
             <a:noFill/>
@@ -11096,6 +11152,104 @@
           </a:p>
         </p:txBody>
       </p:sp>
+      <p:sp>
+        <p:nvSpPr>
+          <p:cNvPr id="18" name="TextBox 17">
+            <a:extLst>
+              <a:ext uri="{FF2B5EF4-FFF2-40B4-BE49-F238E27FC236}">
+                <a16:creationId xmlns:a16="http://schemas.microsoft.com/office/drawing/2014/main" id="{70436F99-4F4D-466A-8162-2CC0FD2363CD}"/>
+              </a:ext>
+            </a:extLst>
+          </p:cNvPr>
+          <p:cNvSpPr txBox="1"/>
+          <p:nvPr/>
+        </p:nvSpPr>
+        <p:spPr>
+          <a:xfrm>
+            <a:off x="6673505" y="1412069"/>
+            <a:ext cx="4664766" cy="461665"/>
+          </a:xfrm>
+          <a:prstGeom prst="rect">
+            <a:avLst/>
+          </a:prstGeom>
+          <a:noFill/>
+        </p:spPr>
+        <p:txBody>
+          <a:bodyPr wrap="square" rtlCol="0">
+            <a:spAutoFit/>
+          </a:bodyPr>
+          <a:lstStyle/>
+          <a:p>
+            <a:pPr algn="ctr"/>
+            <a:r>
+              <a:rPr lang="en-IE" sz="2400" dirty="0">
+                <a:solidFill>
+                  <a:schemeClr val="bg1"/>
+                </a:solidFill>
+                <a:effectLst>
+                  <a:outerShdw blurRad="38100" dist="38100" dir="2700000" algn="tl">
+                    <a:srgbClr val="000000">
+                      <a:alpha val="43137"/>
+                    </a:srgbClr>
+                  </a:outerShdw>
+                </a:effectLst>
+                <a:latin typeface="Futura"/>
+              </a:rPr>
+              <a:t>2. Organisation Details Form</a:t>
+            </a:r>
+          </a:p>
+        </p:txBody>
+      </p:sp>
+      <p:sp>
+        <p:nvSpPr>
+          <p:cNvPr id="19" name="TextBox 18">
+            <a:extLst>
+              <a:ext uri="{FF2B5EF4-FFF2-40B4-BE49-F238E27FC236}">
+                <a16:creationId xmlns:a16="http://schemas.microsoft.com/office/drawing/2014/main" id="{874F6907-0F17-4B39-B10D-BF4820365BCE}"/>
+              </a:ext>
+            </a:extLst>
+          </p:cNvPr>
+          <p:cNvSpPr txBox="1"/>
+          <p:nvPr/>
+        </p:nvSpPr>
+        <p:spPr>
+          <a:xfrm>
+            <a:off x="853730" y="1412069"/>
+            <a:ext cx="4664766" cy="461665"/>
+          </a:xfrm>
+          <a:prstGeom prst="rect">
+            <a:avLst/>
+          </a:prstGeom>
+          <a:noFill/>
+        </p:spPr>
+        <p:txBody>
+          <a:bodyPr wrap="square" rtlCol="0">
+            <a:spAutoFit/>
+          </a:bodyPr>
+          <a:lstStyle/>
+          <a:p>
+            <a:pPr algn="ctr"/>
+            <a:r>
+              <a:rPr lang="en-IE" sz="2400" dirty="0">
+                <a:solidFill>
+                  <a:schemeClr val="bg1">
+                    <a:lumMod val="95000"/>
+                  </a:schemeClr>
+                </a:solidFill>
+                <a:effectLst>
+                  <a:outerShdw blurRad="38100" dist="38100" dir="2700000" algn="tl">
+                    <a:srgbClr val="000000">
+                      <a:alpha val="43137"/>
+                    </a:srgbClr>
+                  </a:outerShdw>
+                </a:effectLst>
+                <a:latin typeface="Futura"/>
+              </a:rPr>
+              <a:t>1. Landing Page </a:t>
+            </a:r>
+          </a:p>
+        </p:txBody>
+      </p:sp>
     </p:spTree>
     <p:extLst>
       <p:ext uri="{BB962C8B-B14F-4D97-AF65-F5344CB8AC3E}">
@@ -11112,6 +11266,40 @@
 <file path=ppt/slides/slide4.xml><?xml version="1.0" encoding="utf-8"?>
 <p:sld xmlns:a="http://schemas.openxmlformats.org/drawingml/2006/main" xmlns:r="http://schemas.openxmlformats.org/officeDocument/2006/relationships" xmlns:p="http://schemas.openxmlformats.org/presentationml/2006/main">
   <p:cSld>
+    <p:bg>
+      <p:bgPr>
+        <a:gradFill>
+          <a:gsLst>
+            <a:gs pos="0">
+              <a:schemeClr val="accent1">
+                <a:lumMod val="5000"/>
+                <a:lumOff val="95000"/>
+              </a:schemeClr>
+            </a:gs>
+            <a:gs pos="74000">
+              <a:schemeClr val="accent1">
+                <a:lumMod val="45000"/>
+                <a:lumOff val="55000"/>
+              </a:schemeClr>
+            </a:gs>
+            <a:gs pos="83000">
+              <a:schemeClr val="accent1">
+                <a:lumMod val="45000"/>
+                <a:lumOff val="55000"/>
+              </a:schemeClr>
+            </a:gs>
+            <a:gs pos="100000">
+              <a:schemeClr val="accent1">
+                <a:lumMod val="30000"/>
+                <a:lumOff val="70000"/>
+              </a:schemeClr>
+            </a:gs>
+          </a:gsLst>
+          <a:lin ang="5400000" scaled="1"/>
+        </a:gradFill>
+        <a:effectLst/>
+      </p:bgPr>
+    </p:bg>
     <p:spTree>
       <p:nvGrpSpPr>
         <p:cNvPr id="1" name=""/>
@@ -11128,19 +11316,7 @@
       </p:grpSpPr>
       <p:sp>
         <p:nvSpPr>
-          <p:cNvPr id="5" name="Picture Placeholder 4"/>
-          <p:cNvSpPr>
-            <a:spLocks noGrp="1"/>
-          </p:cNvSpPr>
-          <p:nvPr>
-            <p:ph type="pic" sz="quarter" idx="10"/>
-          </p:nvPr>
-        </p:nvSpPr>
-        <p:spPr/>
-      </p:sp>
-      <p:sp>
-        <p:nvSpPr>
-          <p:cNvPr id="4" name="Title 3"/>
+          <p:cNvPr id="6" name="Title 5"/>
           <p:cNvSpPr>
             <a:spLocks noGrp="1"/>
           </p:cNvSpPr>
@@ -11155,19 +11331,6 @@
           </a:bodyPr>
           <a:lstStyle/>
           <a:p>
-            <a:r>
-              <a:rPr lang="en-IE" sz="4400" cap="none" dirty="0" smtClean="0">
-                <a:effectLst>
-                  <a:outerShdw blurRad="38100" dist="38100" dir="2700000" algn="tl">
-                    <a:srgbClr val="000000">
-                      <a:alpha val="43137"/>
-                    </a:srgbClr>
-                  </a:outerShdw>
-                </a:effectLst>
-                <a:latin typeface="Futura"/>
-              </a:rPr>
-              <a:t>Prototype – Android </a:t>
-            </a:r>
             <a:r>
               <a:rPr lang="en-IE" sz="4400" cap="none" dirty="0">
                 <a:effectLst>
@@ -11179,10 +11342,178 @@
                 </a:effectLst>
                 <a:latin typeface="Futura"/>
               </a:rPr>
-              <a:t>M</a:t>
-            </a:r>
-            <a:r>
-              <a:rPr lang="en-IE" sz="4400" cap="none" dirty="0" smtClean="0">
+              <a:t>Prototype – Web Application 2</a:t>
+            </a:r>
+          </a:p>
+        </p:txBody>
+      </p:sp>
+      <p:sp>
+        <p:nvSpPr>
+          <p:cNvPr id="5" name="Slide Number Placeholder 4"/>
+          <p:cNvSpPr>
+            <a:spLocks noGrp="1"/>
+          </p:cNvSpPr>
+          <p:nvPr>
+            <p:ph type="sldNum" sz="quarter" idx="12"/>
+          </p:nvPr>
+        </p:nvSpPr>
+        <p:spPr/>
+        <p:txBody>
+          <a:bodyPr/>
+          <a:lstStyle/>
+          <a:p>
+            <a:fld id="{8C2E478F-E849-4A8C-AF1F-CBCC78A7CBFA}" type="slidenum">
+              <a:rPr lang="en-US" smtClean="0"/>
+              <a:t>4</a:t>
+            </a:fld>
+            <a:endParaRPr lang="en-US" dirty="0"/>
+          </a:p>
+        </p:txBody>
+      </p:sp>
+      <p:pic>
+        <p:nvPicPr>
+          <p:cNvPr id="10" name="Content Placeholder 9" descr="A screenshot of a cell phone&#10;&#10;Description automatically generated">
+            <a:extLst>
+              <a:ext uri="{FF2B5EF4-FFF2-40B4-BE49-F238E27FC236}">
+                <a16:creationId xmlns:a16="http://schemas.microsoft.com/office/drawing/2014/main" id="{359747D4-796D-4CB2-A0B4-E9A275EA24CC}"/>
+              </a:ext>
+            </a:extLst>
+          </p:cNvPr>
+          <p:cNvPicPr>
+            <a:picLocks noGrp="1" noChangeAspect="1"/>
+          </p:cNvPicPr>
+          <p:nvPr>
+            <p:ph sz="half" idx="1"/>
+          </p:nvPr>
+        </p:nvPicPr>
+        <p:blipFill>
+          <a:blip r:embed="rId2"/>
+          <a:stretch>
+            <a:fillRect/>
+          </a:stretch>
+        </p:blipFill>
+        <p:spPr>
+          <a:xfrm>
+            <a:off x="595313" y="1980882"/>
+            <a:ext cx="5181600" cy="4040823"/>
+          </a:xfrm>
+        </p:spPr>
+      </p:pic>
+      <p:pic>
+        <p:nvPicPr>
+          <p:cNvPr id="12" name="Content Placeholder 11" descr="A screenshot of a cell phone&#10;&#10;Description automatically generated">
+            <a:extLst>
+              <a:ext uri="{FF2B5EF4-FFF2-40B4-BE49-F238E27FC236}">
+                <a16:creationId xmlns:a16="http://schemas.microsoft.com/office/drawing/2014/main" id="{D296472E-1F2B-4BB6-922E-87DA54DAD143}"/>
+              </a:ext>
+            </a:extLst>
+          </p:cNvPr>
+          <p:cNvPicPr>
+            <a:picLocks noGrp="1" noChangeAspect="1"/>
+          </p:cNvPicPr>
+          <p:nvPr>
+            <p:ph sz="half" idx="2"/>
+          </p:nvPr>
+        </p:nvPicPr>
+        <p:blipFill>
+          <a:blip r:embed="rId3"/>
+          <a:stretch>
+            <a:fillRect/>
+          </a:stretch>
+        </p:blipFill>
+        <p:spPr>
+          <a:xfrm>
+            <a:off x="6415088" y="1984318"/>
+            <a:ext cx="5181600" cy="4033951"/>
+          </a:xfrm>
+        </p:spPr>
+      </p:pic>
+      <p:sp>
+        <p:nvSpPr>
+          <p:cNvPr id="14" name="Rectangle 13">
+            <a:extLst>
+              <a:ext uri="{FF2B5EF4-FFF2-40B4-BE49-F238E27FC236}">
+                <a16:creationId xmlns:a16="http://schemas.microsoft.com/office/drawing/2014/main" id="{D2DFEF08-050D-42E2-B528-531625FF0963}"/>
+              </a:ext>
+            </a:extLst>
+          </p:cNvPr>
+          <p:cNvSpPr/>
+          <p:nvPr/>
+        </p:nvSpPr>
+        <p:spPr>
+          <a:xfrm>
+            <a:off x="10124661" y="6455051"/>
+            <a:ext cx="1472027" cy="389697"/>
+          </a:xfrm>
+          <a:prstGeom prst="rect">
+            <a:avLst/>
+          </a:prstGeom>
+          <a:solidFill>
+            <a:srgbClr val="352866"/>
+          </a:solidFill>
+          <a:ln>
+            <a:noFill/>
+          </a:ln>
+        </p:spPr>
+        <p:style>
+          <a:lnRef idx="2">
+            <a:schemeClr val="accent1">
+              <a:shade val="50000"/>
+            </a:schemeClr>
+          </a:lnRef>
+          <a:fillRef idx="1">
+            <a:schemeClr val="accent1"/>
+          </a:fillRef>
+          <a:effectRef idx="0">
+            <a:schemeClr val="accent1"/>
+          </a:effectRef>
+          <a:fontRef idx="minor">
+            <a:schemeClr val="lt1"/>
+          </a:fontRef>
+        </p:style>
+        <p:txBody>
+          <a:bodyPr rtlCol="0" anchor="ctr"/>
+          <a:lstStyle/>
+          <a:p>
+            <a:pPr algn="ctr"/>
+            <a:endParaRPr lang="en-IE"/>
+          </a:p>
+        </p:txBody>
+      </p:sp>
+      <p:sp>
+        <p:nvSpPr>
+          <p:cNvPr id="15" name="TextBox 14">
+            <a:extLst>
+              <a:ext uri="{FF2B5EF4-FFF2-40B4-BE49-F238E27FC236}">
+                <a16:creationId xmlns:a16="http://schemas.microsoft.com/office/drawing/2014/main" id="{17B88E5D-0F43-4414-9E93-EB2164398655}"/>
+              </a:ext>
+            </a:extLst>
+          </p:cNvPr>
+          <p:cNvSpPr txBox="1"/>
+          <p:nvPr/>
+        </p:nvSpPr>
+        <p:spPr>
+          <a:xfrm>
+            <a:off x="6573078" y="1441154"/>
+            <a:ext cx="4664766" cy="461665"/>
+          </a:xfrm>
+          <a:prstGeom prst="rect">
+            <a:avLst/>
+          </a:prstGeom>
+          <a:noFill/>
+        </p:spPr>
+        <p:txBody>
+          <a:bodyPr wrap="square" rtlCol="0">
+            <a:spAutoFit/>
+          </a:bodyPr>
+          <a:lstStyle/>
+          <a:p>
+            <a:pPr algn="ctr"/>
+            <a:r>
+              <a:rPr lang="en-IE" sz="2400" dirty="0">
+                <a:solidFill>
+                  <a:schemeClr val="bg1"/>
+                </a:solidFill>
                 <a:effectLst>
                   <a:outerShdw blurRad="38100" dist="38100" dir="2700000" algn="tl">
                     <a:srgbClr val="000000">
@@ -11192,8 +11523,111 @@
                 </a:effectLst>
                 <a:latin typeface="Futura"/>
               </a:rPr>
-              <a:t>obile </a:t>
-            </a:r>
+              <a:t>4. Maps uploading</a:t>
+            </a:r>
+          </a:p>
+        </p:txBody>
+      </p:sp>
+      <p:sp>
+        <p:nvSpPr>
+          <p:cNvPr id="16" name="TextBox 15">
+            <a:extLst>
+              <a:ext uri="{FF2B5EF4-FFF2-40B4-BE49-F238E27FC236}">
+                <a16:creationId xmlns:a16="http://schemas.microsoft.com/office/drawing/2014/main" id="{111C2AB6-8735-49F7-9987-0738C922424B}"/>
+              </a:ext>
+            </a:extLst>
+          </p:cNvPr>
+          <p:cNvSpPr txBox="1"/>
+          <p:nvPr/>
+        </p:nvSpPr>
+        <p:spPr>
+          <a:xfrm>
+            <a:off x="861391" y="1431235"/>
+            <a:ext cx="4664766" cy="461665"/>
+          </a:xfrm>
+          <a:prstGeom prst="rect">
+            <a:avLst/>
+          </a:prstGeom>
+          <a:noFill/>
+        </p:spPr>
+        <p:txBody>
+          <a:bodyPr wrap="square" rtlCol="0">
+            <a:spAutoFit/>
+          </a:bodyPr>
+          <a:lstStyle/>
+          <a:p>
+            <a:pPr algn="ctr"/>
+            <a:r>
+              <a:rPr lang="en-IE" sz="2400" dirty="0">
+                <a:solidFill>
+                  <a:schemeClr val="bg1"/>
+                </a:solidFill>
+                <a:effectLst>
+                  <a:outerShdw blurRad="38100" dist="38100" dir="2700000" algn="tl">
+                    <a:srgbClr val="000000">
+                      <a:alpha val="43137"/>
+                    </a:srgbClr>
+                  </a:outerShdw>
+                </a:effectLst>
+                <a:latin typeface="Futura"/>
+              </a:rPr>
+              <a:t>3. Login Page</a:t>
+            </a:r>
+          </a:p>
+        </p:txBody>
+      </p:sp>
+    </p:spTree>
+    <p:extLst>
+      <p:ext uri="{BB962C8B-B14F-4D97-AF65-F5344CB8AC3E}">
+        <p14:creationId xmlns:p14="http://schemas.microsoft.com/office/powerpoint/2010/main" val="3307211658"/>
+      </p:ext>
+    </p:extLst>
+  </p:cSld>
+  <p:clrMapOvr>
+    <a:masterClrMapping/>
+  </p:clrMapOvr>
+</p:sld>
+</file>
+
+<file path=ppt/slides/slide5.xml><?xml version="1.0" encoding="utf-8"?>
+<p:sld xmlns:a="http://schemas.openxmlformats.org/drawingml/2006/main" xmlns:r="http://schemas.openxmlformats.org/officeDocument/2006/relationships" xmlns:p="http://schemas.openxmlformats.org/presentationml/2006/main">
+  <p:cSld>
+    <p:spTree>
+      <p:nvGrpSpPr>
+        <p:cNvPr id="1" name=""/>
+        <p:cNvGrpSpPr/>
+        <p:nvPr/>
+      </p:nvGrpSpPr>
+      <p:grpSpPr>
+        <a:xfrm>
+          <a:off x="0" y="0"/>
+          <a:ext cx="0" cy="0"/>
+          <a:chOff x="0" y="0"/>
+          <a:chExt cx="0" cy="0"/>
+        </a:xfrm>
+      </p:grpSpPr>
+      <p:sp>
+        <p:nvSpPr>
+          <p:cNvPr id="4" name="Title 3"/>
+          <p:cNvSpPr>
+            <a:spLocks noGrp="1"/>
+          </p:cNvSpPr>
+          <p:nvPr>
+            <p:ph type="title"/>
+          </p:nvPr>
+        </p:nvSpPr>
+        <p:spPr>
+          <a:xfrm>
+            <a:off x="594519" y="219351"/>
+            <a:ext cx="11002962" cy="823913"/>
+          </a:xfrm>
+        </p:spPr>
+        <p:txBody>
+          <a:bodyPr>
+            <a:normAutofit/>
+          </a:bodyPr>
+          <a:lstStyle/>
+          <a:p>
             <a:r>
               <a:rPr lang="en-IE" sz="4400" cap="none" dirty="0">
                 <a:effectLst>
@@ -11205,31 +11639,8 @@
                 </a:effectLst>
                 <a:latin typeface="Futura"/>
               </a:rPr>
-              <a:t>A</a:t>
-            </a:r>
-            <a:r>
-              <a:rPr lang="en-IE" sz="4400" cap="none" dirty="0" smtClean="0">
-                <a:effectLst>
-                  <a:outerShdw blurRad="38100" dist="38100" dir="2700000" algn="tl">
-                    <a:srgbClr val="000000">
-                      <a:alpha val="43137"/>
-                    </a:srgbClr>
-                  </a:outerShdw>
-                </a:effectLst>
-                <a:latin typeface="Futura"/>
-              </a:rPr>
-              <a:t>pplication</a:t>
-            </a:r>
-            <a:endParaRPr lang="en-IE" sz="4400" cap="none" dirty="0">
-              <a:effectLst>
-                <a:outerShdw blurRad="38100" dist="38100" dir="2700000" algn="tl">
-                  <a:srgbClr val="000000">
-                    <a:alpha val="43137"/>
-                  </a:srgbClr>
-                </a:outerShdw>
-              </a:effectLst>
-              <a:latin typeface="Futura"/>
-            </a:endParaRPr>
+              <a:t>Prototype – Android Mobile Application</a:t>
+            </a:r>
           </a:p>
         </p:txBody>
       </p:sp>
@@ -11296,14 +11707,874 @@
           </a:xfrm>
         </p:spPr>
         <p:txBody>
-          <a:bodyPr/>
+          <a:bodyPr vert="horz" lIns="91440" tIns="45720" rIns="91440" bIns="45720" rtlCol="0" anchor="ctr"/>
           <a:lstStyle/>
           <a:p>
             <a:r>
-              <a:rPr lang="en-US" dirty="0" smtClean="0"/>
+              <a:rPr lang="en-US" dirty="0"/>
+              <a:t>5</a:t>
+            </a:r>
+          </a:p>
+        </p:txBody>
+      </p:sp>
+      <p:pic>
+        <p:nvPicPr>
+          <p:cNvPr id="17" name="Picture 16" descr="A screenshot of a cell phone&#10;&#10;Description automatically generated">
+            <a:extLst>
+              <a:ext uri="{FF2B5EF4-FFF2-40B4-BE49-F238E27FC236}">
+                <a16:creationId xmlns:a16="http://schemas.microsoft.com/office/drawing/2014/main" id="{D8CEF4A5-5AC2-4619-966D-9075DFE6E8CE}"/>
+              </a:ext>
+            </a:extLst>
+          </p:cNvPr>
+          <p:cNvPicPr>
+            <a:picLocks noChangeAspect="1"/>
+          </p:cNvPicPr>
+          <p:nvPr/>
+        </p:nvPicPr>
+        <p:blipFill>
+          <a:blip r:embed="rId2"/>
+          <a:stretch>
+            <a:fillRect/>
+          </a:stretch>
+        </p:blipFill>
+        <p:spPr>
+          <a:xfrm>
+            <a:off x="3154014" y="1056516"/>
+            <a:ext cx="5668618" cy="5668618"/>
+          </a:xfrm>
+          <a:prstGeom prst="rect">
+            <a:avLst/>
+          </a:prstGeom>
+        </p:spPr>
+      </p:pic>
+      <p:sp>
+        <p:nvSpPr>
+          <p:cNvPr id="18" name="TextBox 17">
+            <a:extLst>
+              <a:ext uri="{FF2B5EF4-FFF2-40B4-BE49-F238E27FC236}">
+                <a16:creationId xmlns:a16="http://schemas.microsoft.com/office/drawing/2014/main" id="{81DA2CB2-E6E7-4C68-B28C-A53A356983AF}"/>
+              </a:ext>
+            </a:extLst>
+          </p:cNvPr>
+          <p:cNvSpPr txBox="1"/>
+          <p:nvPr/>
+        </p:nvSpPr>
+        <p:spPr>
+          <a:xfrm>
+            <a:off x="5618917" y="3525079"/>
+            <a:ext cx="371061" cy="369332"/>
+          </a:xfrm>
+          <a:prstGeom prst="rect">
+            <a:avLst/>
+          </a:prstGeom>
+          <a:noFill/>
+        </p:spPr>
+        <p:txBody>
+          <a:bodyPr wrap="square" rtlCol="0">
+            <a:spAutoFit/>
+          </a:bodyPr>
+          <a:lstStyle/>
+          <a:p>
+            <a:r>
+              <a:rPr lang="en-IE" dirty="0">
+                <a:solidFill>
+                  <a:schemeClr val="bg1"/>
+                </a:solidFill>
+              </a:rPr>
+              <a:t>1</a:t>
+            </a:r>
+          </a:p>
+        </p:txBody>
+      </p:sp>
+      <p:sp>
+        <p:nvSpPr>
+          <p:cNvPr id="19" name="TextBox 18">
+            <a:extLst>
+              <a:ext uri="{FF2B5EF4-FFF2-40B4-BE49-F238E27FC236}">
+                <a16:creationId xmlns:a16="http://schemas.microsoft.com/office/drawing/2014/main" id="{6066B5DB-824C-44A9-BCFB-DE1F0BF91E02}"/>
+              </a:ext>
+            </a:extLst>
+          </p:cNvPr>
+          <p:cNvSpPr txBox="1"/>
+          <p:nvPr/>
+        </p:nvSpPr>
+        <p:spPr>
+          <a:xfrm>
+            <a:off x="8464823" y="3521493"/>
+            <a:ext cx="371061" cy="369332"/>
+          </a:xfrm>
+          <a:prstGeom prst="rect">
+            <a:avLst/>
+          </a:prstGeom>
+          <a:noFill/>
+        </p:spPr>
+        <p:txBody>
+          <a:bodyPr wrap="square" rtlCol="0">
+            <a:spAutoFit/>
+          </a:bodyPr>
+          <a:lstStyle/>
+          <a:p>
+            <a:r>
+              <a:rPr lang="en-IE" dirty="0">
+                <a:solidFill>
+                  <a:schemeClr val="bg1"/>
+                </a:solidFill>
+              </a:rPr>
+              <a:t>2</a:t>
+            </a:r>
+          </a:p>
+        </p:txBody>
+      </p:sp>
+      <p:sp>
+        <p:nvSpPr>
+          <p:cNvPr id="20" name="TextBox 19">
+            <a:extLst>
+              <a:ext uri="{FF2B5EF4-FFF2-40B4-BE49-F238E27FC236}">
+                <a16:creationId xmlns:a16="http://schemas.microsoft.com/office/drawing/2014/main" id="{CDFDF35A-BF25-4E33-8627-1A39F1243E42}"/>
+              </a:ext>
+            </a:extLst>
+          </p:cNvPr>
+          <p:cNvSpPr txBox="1"/>
+          <p:nvPr/>
+        </p:nvSpPr>
+        <p:spPr>
+          <a:xfrm>
+            <a:off x="5618917" y="4035287"/>
+            <a:ext cx="371061" cy="369332"/>
+          </a:xfrm>
+          <a:prstGeom prst="rect">
+            <a:avLst/>
+          </a:prstGeom>
+          <a:noFill/>
+        </p:spPr>
+        <p:txBody>
+          <a:bodyPr wrap="square" rtlCol="0">
+            <a:spAutoFit/>
+          </a:bodyPr>
+          <a:lstStyle/>
+          <a:p>
+            <a:r>
+              <a:rPr lang="en-IE" dirty="0">
+                <a:solidFill>
+                  <a:schemeClr val="bg1"/>
+                </a:solidFill>
+              </a:rPr>
+              <a:t>3</a:t>
+            </a:r>
+          </a:p>
+        </p:txBody>
+      </p:sp>
+      <p:sp>
+        <p:nvSpPr>
+          <p:cNvPr id="21" name="TextBox 20">
+            <a:extLst>
+              <a:ext uri="{FF2B5EF4-FFF2-40B4-BE49-F238E27FC236}">
+                <a16:creationId xmlns:a16="http://schemas.microsoft.com/office/drawing/2014/main" id="{AD72779C-6732-4B7F-A61E-597DAA1D6F58}"/>
+              </a:ext>
+            </a:extLst>
+          </p:cNvPr>
+          <p:cNvSpPr txBox="1"/>
+          <p:nvPr/>
+        </p:nvSpPr>
+        <p:spPr>
+          <a:xfrm>
+            <a:off x="8464822" y="4048539"/>
+            <a:ext cx="371061" cy="369332"/>
+          </a:xfrm>
+          <a:prstGeom prst="rect">
+            <a:avLst/>
+          </a:prstGeom>
+          <a:noFill/>
+        </p:spPr>
+        <p:txBody>
+          <a:bodyPr wrap="square" rtlCol="0">
+            <a:spAutoFit/>
+          </a:bodyPr>
+          <a:lstStyle/>
+          <a:p>
+            <a:r>
+              <a:rPr lang="en-IE" dirty="0">
+                <a:solidFill>
+                  <a:schemeClr val="bg1"/>
+                </a:solidFill>
+              </a:rPr>
               <a:t>4</a:t>
             </a:r>
-            <a:endParaRPr lang="en-US" dirty="0"/>
+          </a:p>
+        </p:txBody>
+      </p:sp>
+      <p:sp>
+        <p:nvSpPr>
+          <p:cNvPr id="11" name="Content Placeholder 12">
+            <a:extLst>
+              <a:ext uri="{FF2B5EF4-FFF2-40B4-BE49-F238E27FC236}">
+                <a16:creationId xmlns:a16="http://schemas.microsoft.com/office/drawing/2014/main" id="{8CF5B0B1-F53B-48AD-BEA9-12D39D320CEF}"/>
+              </a:ext>
+            </a:extLst>
+          </p:cNvPr>
+          <p:cNvSpPr txBox="1">
+            <a:spLocks/>
+          </p:cNvSpPr>
+          <p:nvPr/>
+        </p:nvSpPr>
+        <p:spPr>
+          <a:xfrm>
+            <a:off x="8822631" y="1097895"/>
+            <a:ext cx="3369369" cy="5371168"/>
+          </a:xfrm>
+          <a:prstGeom prst="rect">
+            <a:avLst/>
+          </a:prstGeom>
+        </p:spPr>
+        <p:txBody>
+          <a:bodyPr>
+            <a:normAutofit/>
+          </a:bodyPr>
+          <a:lstStyle>
+            <a:lvl1pPr marL="228600" indent="-228600" algn="l" defTabSz="914400" rtl="0" eaLnBrk="1" latinLnBrk="0" hangingPunct="1">
+              <a:lnSpc>
+                <a:spcPct val="150000"/>
+              </a:lnSpc>
+              <a:spcBef>
+                <a:spcPts val="1000"/>
+              </a:spcBef>
+              <a:buFont typeface="Arial" panose="020B0604020202020204" pitchFamily="34" charset="0"/>
+              <a:buChar char="•"/>
+              <a:defRPr sz="1600" kern="1200">
+                <a:solidFill>
+                  <a:schemeClr val="tx1"/>
+                </a:solidFill>
+                <a:latin typeface="+mn-lt"/>
+                <a:ea typeface="+mn-ea"/>
+                <a:cs typeface="+mn-cs"/>
+              </a:defRPr>
+            </a:lvl1pPr>
+            <a:lvl2pPr marL="685800" indent="-228600" algn="l" defTabSz="914400" rtl="0" eaLnBrk="1" latinLnBrk="0" hangingPunct="1">
+              <a:lnSpc>
+                <a:spcPct val="150000"/>
+              </a:lnSpc>
+              <a:spcBef>
+                <a:spcPts val="500"/>
+              </a:spcBef>
+              <a:buFont typeface="Arial" panose="020B0604020202020204" pitchFamily="34" charset="0"/>
+              <a:buChar char="•"/>
+              <a:defRPr sz="1400" kern="1200">
+                <a:solidFill>
+                  <a:schemeClr val="tx1"/>
+                </a:solidFill>
+                <a:latin typeface="+mn-lt"/>
+                <a:ea typeface="+mn-ea"/>
+                <a:cs typeface="+mn-cs"/>
+              </a:defRPr>
+            </a:lvl2pPr>
+            <a:lvl3pPr marL="1143000" indent="-228600" algn="l" defTabSz="914400" rtl="0" eaLnBrk="1" latinLnBrk="0" hangingPunct="1">
+              <a:lnSpc>
+                <a:spcPct val="150000"/>
+              </a:lnSpc>
+              <a:spcBef>
+                <a:spcPts val="500"/>
+              </a:spcBef>
+              <a:buFont typeface="Arial" panose="020B0604020202020204" pitchFamily="34" charset="0"/>
+              <a:buChar char="•"/>
+              <a:defRPr sz="1400" kern="1200">
+                <a:solidFill>
+                  <a:schemeClr val="tx1"/>
+                </a:solidFill>
+                <a:latin typeface="+mn-lt"/>
+                <a:ea typeface="+mn-ea"/>
+                <a:cs typeface="+mn-cs"/>
+              </a:defRPr>
+            </a:lvl3pPr>
+            <a:lvl4pPr marL="1600200" indent="-228600" algn="l" defTabSz="914400" rtl="0" eaLnBrk="1" latinLnBrk="0" hangingPunct="1">
+              <a:lnSpc>
+                <a:spcPct val="150000"/>
+              </a:lnSpc>
+              <a:spcBef>
+                <a:spcPts val="500"/>
+              </a:spcBef>
+              <a:buFont typeface="Arial" panose="020B0604020202020204" pitchFamily="34" charset="0"/>
+              <a:buChar char="•"/>
+              <a:defRPr sz="1200" kern="1200">
+                <a:solidFill>
+                  <a:schemeClr val="tx1"/>
+                </a:solidFill>
+                <a:latin typeface="+mn-lt"/>
+                <a:ea typeface="+mn-ea"/>
+                <a:cs typeface="+mn-cs"/>
+              </a:defRPr>
+            </a:lvl4pPr>
+            <a:lvl5pPr marL="2057400" indent="-228600" algn="l" defTabSz="914400" rtl="0" eaLnBrk="1" latinLnBrk="0" hangingPunct="1">
+              <a:lnSpc>
+                <a:spcPct val="150000"/>
+              </a:lnSpc>
+              <a:spcBef>
+                <a:spcPts val="500"/>
+              </a:spcBef>
+              <a:buFont typeface="Arial" panose="020B0604020202020204" pitchFamily="34" charset="0"/>
+              <a:buChar char="•"/>
+              <a:defRPr sz="1200" kern="1200">
+                <a:solidFill>
+                  <a:schemeClr val="tx1"/>
+                </a:solidFill>
+                <a:latin typeface="+mn-lt"/>
+                <a:ea typeface="+mn-ea"/>
+                <a:cs typeface="+mn-cs"/>
+              </a:defRPr>
+            </a:lvl5pPr>
+            <a:lvl6pPr marL="2514600" indent="-228600" algn="l" defTabSz="914400" rtl="0" eaLnBrk="1" latinLnBrk="0" hangingPunct="1">
+              <a:lnSpc>
+                <a:spcPct val="90000"/>
+              </a:lnSpc>
+              <a:spcBef>
+                <a:spcPts val="500"/>
+              </a:spcBef>
+              <a:buFont typeface="Arial" panose="020B0604020202020204" pitchFamily="34" charset="0"/>
+              <a:buChar char="•"/>
+              <a:defRPr sz="1800" kern="1200">
+                <a:solidFill>
+                  <a:schemeClr val="tx1"/>
+                </a:solidFill>
+                <a:latin typeface="+mn-lt"/>
+                <a:ea typeface="+mn-ea"/>
+                <a:cs typeface="+mn-cs"/>
+              </a:defRPr>
+            </a:lvl6pPr>
+            <a:lvl7pPr marL="2971800" indent="-228600" algn="l" defTabSz="914400" rtl="0" eaLnBrk="1" latinLnBrk="0" hangingPunct="1">
+              <a:lnSpc>
+                <a:spcPct val="90000"/>
+              </a:lnSpc>
+              <a:spcBef>
+                <a:spcPts val="500"/>
+              </a:spcBef>
+              <a:buFont typeface="Arial" panose="020B0604020202020204" pitchFamily="34" charset="0"/>
+              <a:buChar char="•"/>
+              <a:defRPr sz="1800" kern="1200">
+                <a:solidFill>
+                  <a:schemeClr val="tx1"/>
+                </a:solidFill>
+                <a:latin typeface="+mn-lt"/>
+                <a:ea typeface="+mn-ea"/>
+                <a:cs typeface="+mn-cs"/>
+              </a:defRPr>
+            </a:lvl7pPr>
+            <a:lvl8pPr marL="3429000" indent="-228600" algn="l" defTabSz="914400" rtl="0" eaLnBrk="1" latinLnBrk="0" hangingPunct="1">
+              <a:lnSpc>
+                <a:spcPct val="90000"/>
+              </a:lnSpc>
+              <a:spcBef>
+                <a:spcPts val="500"/>
+              </a:spcBef>
+              <a:buFont typeface="Arial" panose="020B0604020202020204" pitchFamily="34" charset="0"/>
+              <a:buChar char="•"/>
+              <a:defRPr sz="1800" kern="1200">
+                <a:solidFill>
+                  <a:schemeClr val="tx1"/>
+                </a:solidFill>
+                <a:latin typeface="+mn-lt"/>
+                <a:ea typeface="+mn-ea"/>
+                <a:cs typeface="+mn-cs"/>
+              </a:defRPr>
+            </a:lvl8pPr>
+            <a:lvl9pPr marL="3886200" indent="-228600" algn="l" defTabSz="914400" rtl="0" eaLnBrk="1" latinLnBrk="0" hangingPunct="1">
+              <a:lnSpc>
+                <a:spcPct val="90000"/>
+              </a:lnSpc>
+              <a:spcBef>
+                <a:spcPts val="500"/>
+              </a:spcBef>
+              <a:buFont typeface="Arial" panose="020B0604020202020204" pitchFamily="34" charset="0"/>
+              <a:buChar char="•"/>
+              <a:defRPr sz="1800" kern="1200">
+                <a:solidFill>
+                  <a:schemeClr val="tx1"/>
+                </a:solidFill>
+                <a:latin typeface="+mn-lt"/>
+                <a:ea typeface="+mn-ea"/>
+                <a:cs typeface="+mn-cs"/>
+              </a:defRPr>
+            </a:lvl9pPr>
+          </a:lstStyle>
+          <a:p>
+            <a:pPr marL="457200" indent="-457200">
+              <a:lnSpc>
+                <a:spcPct val="200000"/>
+              </a:lnSpc>
+              <a:spcBef>
+                <a:spcPts val="600"/>
+              </a:spcBef>
+              <a:buFont typeface="+mj-lt"/>
+              <a:buAutoNum type="arabicPeriod" startAt="2"/>
+            </a:pPr>
+            <a:r>
+              <a:rPr lang="en-US" sz="2000" spc="400" dirty="0">
+                <a:solidFill>
+                  <a:schemeClr val="bg2">
+                    <a:lumMod val="25000"/>
+                  </a:schemeClr>
+                </a:solidFill>
+                <a:effectLst>
+                  <a:outerShdw blurRad="38100" dist="38100" dir="2700000" algn="tl">
+                    <a:srgbClr val="000000">
+                      <a:alpha val="43137"/>
+                    </a:srgbClr>
+                  </a:outerShdw>
+                </a:effectLst>
+                <a:latin typeface="Helvetica" panose="020B0604020202020204" pitchFamily="34" charset="0"/>
+                <a:cs typeface="Helvetica" panose="020B0604020202020204" pitchFamily="34" charset="0"/>
+              </a:rPr>
+              <a:t>QR code scan</a:t>
+            </a:r>
+          </a:p>
+          <a:p>
+            <a:pPr marL="457200" indent="-457200">
+              <a:lnSpc>
+                <a:spcPct val="200000"/>
+              </a:lnSpc>
+              <a:spcBef>
+                <a:spcPts val="600"/>
+              </a:spcBef>
+              <a:buFont typeface="+mj-lt"/>
+              <a:buAutoNum type="arabicPeriod" startAt="2"/>
+            </a:pPr>
+            <a:endParaRPr lang="en-US" sz="2000" spc="400" dirty="0">
+              <a:solidFill>
+                <a:schemeClr val="bg2">
+                  <a:lumMod val="25000"/>
+                </a:schemeClr>
+              </a:solidFill>
+              <a:effectLst>
+                <a:outerShdw blurRad="38100" dist="38100" dir="2700000" algn="tl">
+                  <a:srgbClr val="000000">
+                    <a:alpha val="43137"/>
+                  </a:srgbClr>
+                </a:outerShdw>
+              </a:effectLst>
+              <a:latin typeface="Helvetica" panose="020B0604020202020204" pitchFamily="34" charset="0"/>
+              <a:cs typeface="Helvetica" panose="020B0604020202020204" pitchFamily="34" charset="0"/>
+            </a:endParaRPr>
+          </a:p>
+          <a:p>
+            <a:pPr marL="457200" indent="-457200">
+              <a:lnSpc>
+                <a:spcPct val="200000"/>
+              </a:lnSpc>
+              <a:spcBef>
+                <a:spcPts val="600"/>
+              </a:spcBef>
+              <a:buFont typeface="+mj-lt"/>
+              <a:buAutoNum type="arabicPeriod" startAt="2"/>
+            </a:pPr>
+            <a:endParaRPr lang="en-US" sz="2000" spc="400" dirty="0">
+              <a:solidFill>
+                <a:schemeClr val="bg2">
+                  <a:lumMod val="25000"/>
+                </a:schemeClr>
+              </a:solidFill>
+              <a:effectLst>
+                <a:outerShdw blurRad="38100" dist="38100" dir="2700000" algn="tl">
+                  <a:srgbClr val="000000">
+                    <a:alpha val="43137"/>
+                  </a:srgbClr>
+                </a:outerShdw>
+              </a:effectLst>
+              <a:latin typeface="Helvetica" panose="020B0604020202020204" pitchFamily="34" charset="0"/>
+              <a:cs typeface="Helvetica" panose="020B0604020202020204" pitchFamily="34" charset="0"/>
+            </a:endParaRPr>
+          </a:p>
+          <a:p>
+            <a:pPr marL="457200" indent="-457200">
+              <a:lnSpc>
+                <a:spcPct val="200000"/>
+              </a:lnSpc>
+              <a:spcBef>
+                <a:spcPts val="600"/>
+              </a:spcBef>
+              <a:buFont typeface="+mj-lt"/>
+              <a:buAutoNum type="arabicPeriod" startAt="2"/>
+            </a:pPr>
+            <a:endParaRPr lang="en-US" sz="2000" spc="400" dirty="0">
+              <a:solidFill>
+                <a:schemeClr val="bg2">
+                  <a:lumMod val="25000"/>
+                </a:schemeClr>
+              </a:solidFill>
+              <a:effectLst>
+                <a:outerShdw blurRad="38100" dist="38100" dir="2700000" algn="tl">
+                  <a:srgbClr val="000000">
+                    <a:alpha val="43137"/>
+                  </a:srgbClr>
+                </a:outerShdw>
+              </a:effectLst>
+              <a:latin typeface="Helvetica" panose="020B0604020202020204" pitchFamily="34" charset="0"/>
+              <a:cs typeface="Helvetica" panose="020B0604020202020204" pitchFamily="34" charset="0"/>
+            </a:endParaRPr>
+          </a:p>
+          <a:p>
+            <a:pPr marL="457200" indent="-457200">
+              <a:lnSpc>
+                <a:spcPct val="200000"/>
+              </a:lnSpc>
+              <a:spcBef>
+                <a:spcPts val="600"/>
+              </a:spcBef>
+              <a:buFont typeface="+mj-lt"/>
+              <a:buAutoNum type="arabicPeriod" startAt="4"/>
+            </a:pPr>
+            <a:r>
+              <a:rPr lang="en-US" sz="2000" spc="200" dirty="0">
+                <a:solidFill>
+                  <a:schemeClr val="bg2">
+                    <a:lumMod val="25000"/>
+                  </a:schemeClr>
+                </a:solidFill>
+                <a:effectLst>
+                  <a:outerShdw blurRad="38100" dist="38100" dir="2700000" algn="tl">
+                    <a:srgbClr val="000000">
+                      <a:alpha val="43137"/>
+                    </a:srgbClr>
+                  </a:outerShdw>
+                </a:effectLst>
+                <a:latin typeface="Helvetica" panose="020B0604020202020204" pitchFamily="34" charset="0"/>
+                <a:cs typeface="Helvetica" panose="020B0604020202020204" pitchFamily="34" charset="0"/>
+              </a:rPr>
+              <a:t>Place of destination</a:t>
+            </a:r>
+          </a:p>
+        </p:txBody>
+      </p:sp>
+      <p:sp>
+        <p:nvSpPr>
+          <p:cNvPr id="12" name="Content Placeholder 12">
+            <a:extLst>
+              <a:ext uri="{FF2B5EF4-FFF2-40B4-BE49-F238E27FC236}">
+                <a16:creationId xmlns:a16="http://schemas.microsoft.com/office/drawing/2014/main" id="{19E8A089-71FC-4284-902D-5AC91ADBC3AD}"/>
+              </a:ext>
+            </a:extLst>
+          </p:cNvPr>
+          <p:cNvSpPr txBox="1">
+            <a:spLocks/>
+          </p:cNvSpPr>
+          <p:nvPr/>
+        </p:nvSpPr>
+        <p:spPr>
+          <a:xfrm>
+            <a:off x="0" y="1109111"/>
+            <a:ext cx="3154014" cy="5359951"/>
+          </a:xfrm>
+          <a:prstGeom prst="rect">
+            <a:avLst/>
+          </a:prstGeom>
+        </p:spPr>
+        <p:txBody>
+          <a:bodyPr>
+            <a:normAutofit/>
+          </a:bodyPr>
+          <a:lstStyle>
+            <a:lvl1pPr marL="228600" indent="-228600" algn="l" defTabSz="914400" rtl="0" eaLnBrk="1" latinLnBrk="0" hangingPunct="1">
+              <a:lnSpc>
+                <a:spcPct val="150000"/>
+              </a:lnSpc>
+              <a:spcBef>
+                <a:spcPts val="1000"/>
+              </a:spcBef>
+              <a:buFont typeface="Arial" panose="020B0604020202020204" pitchFamily="34" charset="0"/>
+              <a:buChar char="•"/>
+              <a:defRPr sz="1600" kern="1200">
+                <a:solidFill>
+                  <a:schemeClr val="tx1"/>
+                </a:solidFill>
+                <a:latin typeface="+mn-lt"/>
+                <a:ea typeface="+mn-ea"/>
+                <a:cs typeface="+mn-cs"/>
+              </a:defRPr>
+            </a:lvl1pPr>
+            <a:lvl2pPr marL="685800" indent="-228600" algn="l" defTabSz="914400" rtl="0" eaLnBrk="1" latinLnBrk="0" hangingPunct="1">
+              <a:lnSpc>
+                <a:spcPct val="150000"/>
+              </a:lnSpc>
+              <a:spcBef>
+                <a:spcPts val="500"/>
+              </a:spcBef>
+              <a:buFont typeface="Arial" panose="020B0604020202020204" pitchFamily="34" charset="0"/>
+              <a:buChar char="•"/>
+              <a:defRPr sz="1400" kern="1200">
+                <a:solidFill>
+                  <a:schemeClr val="tx1"/>
+                </a:solidFill>
+                <a:latin typeface="+mn-lt"/>
+                <a:ea typeface="+mn-ea"/>
+                <a:cs typeface="+mn-cs"/>
+              </a:defRPr>
+            </a:lvl2pPr>
+            <a:lvl3pPr marL="1143000" indent="-228600" algn="l" defTabSz="914400" rtl="0" eaLnBrk="1" latinLnBrk="0" hangingPunct="1">
+              <a:lnSpc>
+                <a:spcPct val="150000"/>
+              </a:lnSpc>
+              <a:spcBef>
+                <a:spcPts val="500"/>
+              </a:spcBef>
+              <a:buFont typeface="Arial" panose="020B0604020202020204" pitchFamily="34" charset="0"/>
+              <a:buChar char="•"/>
+              <a:defRPr sz="1400" kern="1200">
+                <a:solidFill>
+                  <a:schemeClr val="tx1"/>
+                </a:solidFill>
+                <a:latin typeface="+mn-lt"/>
+                <a:ea typeface="+mn-ea"/>
+                <a:cs typeface="+mn-cs"/>
+              </a:defRPr>
+            </a:lvl3pPr>
+            <a:lvl4pPr marL="1600200" indent="-228600" algn="l" defTabSz="914400" rtl="0" eaLnBrk="1" latinLnBrk="0" hangingPunct="1">
+              <a:lnSpc>
+                <a:spcPct val="150000"/>
+              </a:lnSpc>
+              <a:spcBef>
+                <a:spcPts val="500"/>
+              </a:spcBef>
+              <a:buFont typeface="Arial" panose="020B0604020202020204" pitchFamily="34" charset="0"/>
+              <a:buChar char="•"/>
+              <a:defRPr sz="1200" kern="1200">
+                <a:solidFill>
+                  <a:schemeClr val="tx1"/>
+                </a:solidFill>
+                <a:latin typeface="+mn-lt"/>
+                <a:ea typeface="+mn-ea"/>
+                <a:cs typeface="+mn-cs"/>
+              </a:defRPr>
+            </a:lvl4pPr>
+            <a:lvl5pPr marL="2057400" indent="-228600" algn="l" defTabSz="914400" rtl="0" eaLnBrk="1" latinLnBrk="0" hangingPunct="1">
+              <a:lnSpc>
+                <a:spcPct val="150000"/>
+              </a:lnSpc>
+              <a:spcBef>
+                <a:spcPts val="500"/>
+              </a:spcBef>
+              <a:buFont typeface="Arial" panose="020B0604020202020204" pitchFamily="34" charset="0"/>
+              <a:buChar char="•"/>
+              <a:defRPr sz="1200" kern="1200">
+                <a:solidFill>
+                  <a:schemeClr val="tx1"/>
+                </a:solidFill>
+                <a:latin typeface="+mn-lt"/>
+                <a:ea typeface="+mn-ea"/>
+                <a:cs typeface="+mn-cs"/>
+              </a:defRPr>
+            </a:lvl5pPr>
+            <a:lvl6pPr marL="2514600" indent="-228600" algn="l" defTabSz="914400" rtl="0" eaLnBrk="1" latinLnBrk="0" hangingPunct="1">
+              <a:lnSpc>
+                <a:spcPct val="90000"/>
+              </a:lnSpc>
+              <a:spcBef>
+                <a:spcPts val="500"/>
+              </a:spcBef>
+              <a:buFont typeface="Arial" panose="020B0604020202020204" pitchFamily="34" charset="0"/>
+              <a:buChar char="•"/>
+              <a:defRPr sz="1800" kern="1200">
+                <a:solidFill>
+                  <a:schemeClr val="tx1"/>
+                </a:solidFill>
+                <a:latin typeface="+mn-lt"/>
+                <a:ea typeface="+mn-ea"/>
+                <a:cs typeface="+mn-cs"/>
+              </a:defRPr>
+            </a:lvl6pPr>
+            <a:lvl7pPr marL="2971800" indent="-228600" algn="l" defTabSz="914400" rtl="0" eaLnBrk="1" latinLnBrk="0" hangingPunct="1">
+              <a:lnSpc>
+                <a:spcPct val="90000"/>
+              </a:lnSpc>
+              <a:spcBef>
+                <a:spcPts val="500"/>
+              </a:spcBef>
+              <a:buFont typeface="Arial" panose="020B0604020202020204" pitchFamily="34" charset="0"/>
+              <a:buChar char="•"/>
+              <a:defRPr sz="1800" kern="1200">
+                <a:solidFill>
+                  <a:schemeClr val="tx1"/>
+                </a:solidFill>
+                <a:latin typeface="+mn-lt"/>
+                <a:ea typeface="+mn-ea"/>
+                <a:cs typeface="+mn-cs"/>
+              </a:defRPr>
+            </a:lvl7pPr>
+            <a:lvl8pPr marL="3429000" indent="-228600" algn="l" defTabSz="914400" rtl="0" eaLnBrk="1" latinLnBrk="0" hangingPunct="1">
+              <a:lnSpc>
+                <a:spcPct val="90000"/>
+              </a:lnSpc>
+              <a:spcBef>
+                <a:spcPts val="500"/>
+              </a:spcBef>
+              <a:buFont typeface="Arial" panose="020B0604020202020204" pitchFamily="34" charset="0"/>
+              <a:buChar char="•"/>
+              <a:defRPr sz="1800" kern="1200">
+                <a:solidFill>
+                  <a:schemeClr val="tx1"/>
+                </a:solidFill>
+                <a:latin typeface="+mn-lt"/>
+                <a:ea typeface="+mn-ea"/>
+                <a:cs typeface="+mn-cs"/>
+              </a:defRPr>
+            </a:lvl8pPr>
+            <a:lvl9pPr marL="3886200" indent="-228600" algn="l" defTabSz="914400" rtl="0" eaLnBrk="1" latinLnBrk="0" hangingPunct="1">
+              <a:lnSpc>
+                <a:spcPct val="90000"/>
+              </a:lnSpc>
+              <a:spcBef>
+                <a:spcPts val="500"/>
+              </a:spcBef>
+              <a:buFont typeface="Arial" panose="020B0604020202020204" pitchFamily="34" charset="0"/>
+              <a:buChar char="•"/>
+              <a:defRPr sz="1800" kern="1200">
+                <a:solidFill>
+                  <a:schemeClr val="tx1"/>
+                </a:solidFill>
+                <a:latin typeface="+mn-lt"/>
+                <a:ea typeface="+mn-ea"/>
+                <a:cs typeface="+mn-cs"/>
+              </a:defRPr>
+            </a:lvl9pPr>
+          </a:lstStyle>
+          <a:p>
+            <a:pPr marL="457200" indent="-457200">
+              <a:lnSpc>
+                <a:spcPct val="200000"/>
+              </a:lnSpc>
+              <a:spcBef>
+                <a:spcPts val="600"/>
+              </a:spcBef>
+              <a:buFont typeface="+mj-lt"/>
+              <a:buAutoNum type="arabicPeriod"/>
+            </a:pPr>
+            <a:r>
+              <a:rPr lang="en-US" sz="2000" spc="400" dirty="0">
+                <a:solidFill>
+                  <a:schemeClr val="bg2">
+                    <a:lumMod val="25000"/>
+                  </a:schemeClr>
+                </a:solidFill>
+                <a:effectLst>
+                  <a:outerShdw blurRad="38100" dist="38100" dir="2700000" algn="tl">
+                    <a:srgbClr val="000000">
+                      <a:alpha val="43137"/>
+                    </a:srgbClr>
+                  </a:outerShdw>
+                </a:effectLst>
+                <a:latin typeface="Helvetica" panose="020B0604020202020204" pitchFamily="34" charset="0"/>
+                <a:cs typeface="Helvetica" panose="020B0604020202020204" pitchFamily="34" charset="0"/>
+              </a:rPr>
+              <a:t>Landing Page</a:t>
+            </a:r>
+          </a:p>
+          <a:p>
+            <a:pPr marL="0" indent="0">
+              <a:lnSpc>
+                <a:spcPct val="200000"/>
+              </a:lnSpc>
+              <a:spcBef>
+                <a:spcPts val="600"/>
+              </a:spcBef>
+              <a:buNone/>
+            </a:pPr>
+            <a:endParaRPr lang="en-US" sz="2000" spc="400" dirty="0">
+              <a:solidFill>
+                <a:schemeClr val="bg2">
+                  <a:lumMod val="25000"/>
+                </a:schemeClr>
+              </a:solidFill>
+              <a:effectLst>
+                <a:outerShdw blurRad="38100" dist="38100" dir="2700000" algn="tl">
+                  <a:srgbClr val="000000">
+                    <a:alpha val="43137"/>
+                  </a:srgbClr>
+                </a:outerShdw>
+              </a:effectLst>
+              <a:latin typeface="Helvetica" panose="020B0604020202020204" pitchFamily="34" charset="0"/>
+              <a:cs typeface="Helvetica" panose="020B0604020202020204" pitchFamily="34" charset="0"/>
+            </a:endParaRPr>
+          </a:p>
+          <a:p>
+            <a:pPr marL="0" indent="0">
+              <a:lnSpc>
+                <a:spcPct val="200000"/>
+              </a:lnSpc>
+              <a:spcBef>
+                <a:spcPts val="600"/>
+              </a:spcBef>
+              <a:buNone/>
+            </a:pPr>
+            <a:endParaRPr lang="en-US" sz="2000" spc="400" dirty="0">
+              <a:solidFill>
+                <a:schemeClr val="bg2">
+                  <a:lumMod val="25000"/>
+                </a:schemeClr>
+              </a:solidFill>
+              <a:effectLst>
+                <a:outerShdw blurRad="38100" dist="38100" dir="2700000" algn="tl">
+                  <a:srgbClr val="000000">
+                    <a:alpha val="43137"/>
+                  </a:srgbClr>
+                </a:outerShdw>
+              </a:effectLst>
+              <a:latin typeface="Helvetica" panose="020B0604020202020204" pitchFamily="34" charset="0"/>
+              <a:cs typeface="Helvetica" panose="020B0604020202020204" pitchFamily="34" charset="0"/>
+            </a:endParaRPr>
+          </a:p>
+          <a:p>
+            <a:pPr marL="0" indent="0">
+              <a:lnSpc>
+                <a:spcPct val="200000"/>
+              </a:lnSpc>
+              <a:spcBef>
+                <a:spcPts val="600"/>
+              </a:spcBef>
+              <a:buNone/>
+            </a:pPr>
+            <a:endParaRPr lang="en-US" sz="2000" spc="400" dirty="0">
+              <a:solidFill>
+                <a:schemeClr val="bg2">
+                  <a:lumMod val="25000"/>
+                </a:schemeClr>
+              </a:solidFill>
+              <a:effectLst>
+                <a:outerShdw blurRad="38100" dist="38100" dir="2700000" algn="tl">
+                  <a:srgbClr val="000000">
+                    <a:alpha val="43137"/>
+                  </a:srgbClr>
+                </a:outerShdw>
+              </a:effectLst>
+              <a:latin typeface="Helvetica" panose="020B0604020202020204" pitchFamily="34" charset="0"/>
+              <a:cs typeface="Helvetica" panose="020B0604020202020204" pitchFamily="34" charset="0"/>
+            </a:endParaRPr>
+          </a:p>
+          <a:p>
+            <a:pPr marL="457200" indent="-457200">
+              <a:lnSpc>
+                <a:spcPct val="200000"/>
+              </a:lnSpc>
+              <a:spcBef>
+                <a:spcPts val="600"/>
+              </a:spcBef>
+              <a:buFont typeface="+mj-lt"/>
+              <a:buAutoNum type="arabicPeriod" startAt="3"/>
+            </a:pPr>
+            <a:r>
+              <a:rPr lang="en-US" sz="2000" spc="250" dirty="0">
+                <a:solidFill>
+                  <a:schemeClr val="bg2">
+                    <a:lumMod val="25000"/>
+                  </a:schemeClr>
+                </a:solidFill>
+                <a:effectLst>
+                  <a:outerShdw blurRad="38100" dist="38100" dir="2700000" algn="tl">
+                    <a:srgbClr val="000000">
+                      <a:alpha val="43137"/>
+                    </a:srgbClr>
+                  </a:outerShdw>
+                </a:effectLst>
+                <a:latin typeface="Helvetica" panose="020B0604020202020204" pitchFamily="34" charset="0"/>
+                <a:cs typeface="Helvetica" panose="020B0604020202020204" pitchFamily="34" charset="0"/>
+              </a:rPr>
+              <a:t>Map downloading</a:t>
+            </a:r>
           </a:p>
         </p:txBody>
       </p:sp>
@@ -11320,7 +12591,7 @@
 </p:sld>
 </file>
 
-<file path=ppt/slides/slide5.xml><?xml version="1.0" encoding="utf-8"?>
+<file path=ppt/slides/slide6.xml><?xml version="1.0" encoding="utf-8"?>
 <p:sld xmlns:a="http://schemas.openxmlformats.org/drawingml/2006/main" xmlns:r="http://schemas.openxmlformats.org/officeDocument/2006/relationships" xmlns:p="http://schemas.openxmlformats.org/presentationml/2006/main">
   <p:cSld>
     <p:spTree>
@@ -11601,7 +12872,7 @@
           <a:p>
             <a:fld id="{8C2E478F-E849-4A8C-AF1F-CBCC78A7CBFA}" type="slidenum">
               <a:rPr lang="en-US" smtClean="0"/>
-              <a:t>5</a:t>
+              <a:t>6</a:t>
             </a:fld>
             <a:endParaRPr lang="en-US" dirty="0"/>
           </a:p>
@@ -11786,7 +13057,7 @@
 </p:sld>
 </file>
 
-<file path=ppt/slides/slide6.xml><?xml version="1.0" encoding="utf-8"?>
+<file path=ppt/slides/slide7.xml><?xml version="1.0" encoding="utf-8"?>
 <p:sld xmlns:a="http://schemas.openxmlformats.org/drawingml/2006/main" xmlns:r="http://schemas.openxmlformats.org/officeDocument/2006/relationships" xmlns:p="http://schemas.openxmlformats.org/presentationml/2006/main">
   <p:cSld>
     <p:spTree>
@@ -11822,7 +13093,7 @@
           <a:p>
             <a:pPr algn="ctr"/>
             <a:r>
-              <a:rPr lang="en-IE" sz="4400" cap="none" spc="0" dirty="0" smtClean="0">
+              <a:rPr lang="en-IE" sz="4400" cap="none" spc="0" dirty="0">
                 <a:effectLst>
                   <a:outerShdw blurRad="38100" dist="38100" dir="2700000" algn="tl">
                     <a:srgbClr val="000000">
@@ -11834,16 +13105,6 @@
               </a:rPr>
               <a:t>Architecture diagram</a:t>
             </a:r>
-            <a:endParaRPr lang="en-IE" sz="4400" cap="none" spc="0" dirty="0">
-              <a:effectLst>
-                <a:outerShdw blurRad="38100" dist="38100" dir="2700000" algn="tl">
-                  <a:srgbClr val="000000">
-                    <a:alpha val="43137"/>
-                  </a:srgbClr>
-                </a:outerShdw>
-              </a:effectLst>
-              <a:latin typeface="Futura"/>
-            </a:endParaRPr>
           </a:p>
         </p:txBody>
       </p:sp>
@@ -11864,7 +13125,7 @@
           <a:p>
             <a:fld id="{8C2E478F-E849-4A8C-AF1F-CBCC78A7CBFA}" type="slidenum">
               <a:rPr lang="en-US" smtClean="0"/>
-              <a:t>6</a:t>
+              <a:t>7</a:t>
             </a:fld>
             <a:endParaRPr lang="en-US" dirty="0"/>
           </a:p>
@@ -12023,7 +13284,7 @@
 </p:sld>
 </file>
 
-<file path=ppt/slides/slide7.xml><?xml version="1.0" encoding="utf-8"?>
+<file path=ppt/slides/slide8.xml><?xml version="1.0" encoding="utf-8"?>
 <p:sld xmlns:a="http://schemas.openxmlformats.org/drawingml/2006/main" xmlns:r="http://schemas.openxmlformats.org/officeDocument/2006/relationships" xmlns:p="http://schemas.openxmlformats.org/presentationml/2006/main">
   <p:cSld>
     <p:spTree>
@@ -12059,7 +13320,7 @@
           <a:p>
             <a:pPr algn="ctr"/>
             <a:r>
-              <a:rPr lang="en-IE" sz="4400" cap="none" spc="0" dirty="0" smtClean="0">
+              <a:rPr lang="en-IE" sz="4400" cap="none" spc="0" dirty="0">
                 <a:effectLst>
                   <a:outerShdw blurRad="38100" dist="38100" dir="2700000" algn="tl">
                     <a:srgbClr val="000000">
@@ -12071,16 +13332,6 @@
               </a:rPr>
               <a:t>Architecture diagram</a:t>
             </a:r>
-            <a:endParaRPr lang="en-IE" sz="4400" cap="none" spc="0" dirty="0">
-              <a:effectLst>
-                <a:outerShdw blurRad="38100" dist="38100" dir="2700000" algn="tl">
-                  <a:srgbClr val="000000">
-                    <a:alpha val="43137"/>
-                  </a:srgbClr>
-                </a:outerShdw>
-              </a:effectLst>
-              <a:latin typeface="Futura"/>
-            </a:endParaRPr>
           </a:p>
         </p:txBody>
       </p:sp>
@@ -12101,7 +13352,7 @@
           <a:p>
             <a:fld id="{8C2E478F-E849-4A8C-AF1F-CBCC78A7CBFA}" type="slidenum">
               <a:rPr lang="en-US" smtClean="0"/>
-              <a:t>7</a:t>
+              <a:t>8</a:t>
             </a:fld>
             <a:endParaRPr lang="en-US" dirty="0"/>
           </a:p>
@@ -12214,7 +13465,7 @@
 </p:sld>
 </file>
 
-<file path=ppt/slides/slide8.xml><?xml version="1.0" encoding="utf-8"?>
+<file path=ppt/slides/slide9.xml><?xml version="1.0" encoding="utf-8"?>
 <p:sld xmlns:a="http://schemas.openxmlformats.org/drawingml/2006/main" xmlns:r="http://schemas.openxmlformats.org/officeDocument/2006/relationships" xmlns:p="http://schemas.openxmlformats.org/presentationml/2006/main">
   <p:cSld>
     <p:spTree>
@@ -12351,7 +13602,7 @@
             <a:fld id="{8C2E478F-E849-4A8C-AF1F-CBCC78A7CBFA}" type="slidenum">
               <a:rPr lang="en-US" smtClean="0"/>
               <a:pPr/>
-              <a:t>8</a:t>
+              <a:t>9</a:t>
             </a:fld>
             <a:endParaRPr lang="en-US" dirty="0"/>
           </a:p>
@@ -12502,183 +13753,6 @@
     <p:extLst>
       <p:ext uri="{BB962C8B-B14F-4D97-AF65-F5344CB8AC3E}">
         <p14:creationId xmlns:p14="http://schemas.microsoft.com/office/powerpoint/2010/main" val="3578503173"/>
-      </p:ext>
-    </p:extLst>
-  </p:cSld>
-  <p:clrMapOvr>
-    <a:masterClrMapping/>
-  </p:clrMapOvr>
-</p:sld>
-</file>
-
-<file path=ppt/slides/slide9.xml><?xml version="1.0" encoding="utf-8"?>
-<p:sld xmlns:a="http://schemas.openxmlformats.org/drawingml/2006/main" xmlns:r="http://schemas.openxmlformats.org/officeDocument/2006/relationships" xmlns:p="http://schemas.openxmlformats.org/presentationml/2006/main">
-  <p:cSld>
-    <p:spTree>
-      <p:nvGrpSpPr>
-        <p:cNvPr id="1" name=""/>
-        <p:cNvGrpSpPr/>
-        <p:nvPr/>
-      </p:nvGrpSpPr>
-      <p:grpSpPr>
-        <a:xfrm>
-          <a:off x="0" y="0"/>
-          <a:ext cx="0" cy="0"/>
-          <a:chOff x="0" y="0"/>
-          <a:chExt cx="0" cy="0"/>
-        </a:xfrm>
-      </p:grpSpPr>
-      <p:pic>
-        <p:nvPicPr>
-          <p:cNvPr id="2" name="Picture Placeholder 1"/>
-          <p:cNvPicPr>
-            <a:picLocks noGrp="1" noChangeAspect="1"/>
-          </p:cNvPicPr>
-          <p:nvPr>
-            <p:ph type="pic" sz="quarter" idx="10"/>
-          </p:nvPr>
-        </p:nvPicPr>
-        <p:blipFill>
-          <a:blip r:embed="rId2">
-            <a:extLst>
-              <a:ext uri="{28A0092B-C50C-407E-A947-70E740481C1C}">
-                <a14:useLocalDpi xmlns:a14="http://schemas.microsoft.com/office/drawing/2010/main" val="0"/>
-              </a:ext>
-            </a:extLst>
-          </a:blip>
-          <a:srcRect l="3699" r="3699"/>
-          <a:stretch>
-            <a:fillRect/>
-          </a:stretch>
-        </p:blipFill>
-        <p:spPr>
-          <a:xfrm>
-            <a:off x="1004711" y="1106488"/>
-            <a:ext cx="10182577" cy="5727700"/>
-          </a:xfrm>
-        </p:spPr>
-      </p:pic>
-      <p:sp>
-        <p:nvSpPr>
-          <p:cNvPr id="6" name="Title 5"/>
-          <p:cNvSpPr>
-            <a:spLocks noGrp="1"/>
-          </p:cNvSpPr>
-          <p:nvPr>
-            <p:ph type="title"/>
-          </p:nvPr>
-        </p:nvSpPr>
-        <p:spPr/>
-        <p:txBody>
-          <a:bodyPr>
-            <a:normAutofit/>
-          </a:bodyPr>
-          <a:lstStyle/>
-          <a:p>
-            <a:r>
-              <a:rPr lang="en-IE" sz="4400" cap="none" dirty="0" smtClean="0">
-                <a:effectLst>
-                  <a:outerShdw blurRad="38100" dist="38100" dir="2700000" algn="tl">
-                    <a:srgbClr val="000000">
-                      <a:alpha val="43137"/>
-                    </a:srgbClr>
-                  </a:outerShdw>
-                </a:effectLst>
-                <a:latin typeface="Futura"/>
-              </a:rPr>
-              <a:t>Gantt chart</a:t>
-            </a:r>
-            <a:endParaRPr lang="en-IE" sz="4400" cap="none" dirty="0">
-              <a:effectLst>
-                <a:outerShdw blurRad="38100" dist="38100" dir="2700000" algn="tl">
-                  <a:srgbClr val="000000">
-                    <a:alpha val="43137"/>
-                  </a:srgbClr>
-                </a:outerShdw>
-              </a:effectLst>
-              <a:latin typeface="Futura"/>
-            </a:endParaRPr>
-          </a:p>
-        </p:txBody>
-      </p:sp>
-      <p:sp>
-        <p:nvSpPr>
-          <p:cNvPr id="5" name="Slide Number Placeholder 4"/>
-          <p:cNvSpPr>
-            <a:spLocks noGrp="1"/>
-          </p:cNvSpPr>
-          <p:nvPr>
-            <p:ph type="sldNum" sz="quarter" idx="4294967295"/>
-          </p:nvPr>
-        </p:nvSpPr>
-        <p:spPr>
-          <a:xfrm>
-            <a:off x="11747500" y="6469063"/>
-            <a:ext cx="444500" cy="365125"/>
-          </a:xfrm>
-        </p:spPr>
-        <p:txBody>
-          <a:bodyPr/>
-          <a:lstStyle/>
-          <a:p>
-            <a:fld id="{8C2E478F-E849-4A8C-AF1F-CBCC78A7CBFA}" type="slidenum">
-              <a:rPr lang="en-US" smtClean="0"/>
-              <a:t>9</a:t>
-            </a:fld>
-            <a:endParaRPr lang="en-US" dirty="0"/>
-          </a:p>
-        </p:txBody>
-      </p:sp>
-      <p:sp>
-        <p:nvSpPr>
-          <p:cNvPr id="8" name="Rectangle 7"/>
-          <p:cNvSpPr/>
-          <p:nvPr/>
-        </p:nvSpPr>
-        <p:spPr>
-          <a:xfrm>
-            <a:off x="10182577" y="6469063"/>
-            <a:ext cx="1414903" cy="388937"/>
-          </a:xfrm>
-          <a:prstGeom prst="rect">
-            <a:avLst/>
-          </a:prstGeom>
-          <a:solidFill>
-            <a:schemeClr val="bg1"/>
-          </a:solidFill>
-          <a:ln>
-            <a:noFill/>
-          </a:ln>
-        </p:spPr>
-        <p:style>
-          <a:lnRef idx="2">
-            <a:schemeClr val="accent1">
-              <a:shade val="50000"/>
-            </a:schemeClr>
-          </a:lnRef>
-          <a:fillRef idx="1">
-            <a:schemeClr val="accent1"/>
-          </a:fillRef>
-          <a:effectRef idx="0">
-            <a:schemeClr val="accent1"/>
-          </a:effectRef>
-          <a:fontRef idx="minor">
-            <a:schemeClr val="lt1"/>
-          </a:fontRef>
-        </p:style>
-        <p:txBody>
-          <a:bodyPr rtlCol="0" anchor="ctr"/>
-          <a:lstStyle/>
-          <a:p>
-            <a:pPr algn="ctr"/>
-            <a:endParaRPr lang="en-IE"/>
-          </a:p>
-        </p:txBody>
-      </p:sp>
-    </p:spTree>
-    <p:extLst>
-      <p:ext uri="{BB962C8B-B14F-4D97-AF65-F5344CB8AC3E}">
-        <p14:creationId xmlns:p14="http://schemas.microsoft.com/office/powerpoint/2010/main" val="4060996907"/>
       </p:ext>
     </p:extLst>
   </p:cSld>
@@ -13574,6 +14648,23 @@
 </file>
 
 <file path=customXml/item1.xml><?xml version="1.0" encoding="utf-8"?>
+<?mso-contentType ?>
+<FormTemplates xmlns="http://schemas.microsoft.com/sharepoint/v3/contenttype/forms">
+  <Display>DocumentLibraryForm</Display>
+  <Edit>DocumentLibraryForm</Edit>
+  <New>DocumentLibraryForm</New>
+</FormTemplates>
+</file>
+
+<file path=customXml/item2.xml><?xml version="1.0" encoding="utf-8"?>
+<p:properties xmlns:p="http://schemas.microsoft.com/office/2006/metadata/properties" xmlns:xsi="http://www.w3.org/2001/XMLSchema-instance" xmlns:pc="http://schemas.microsoft.com/office/infopath/2007/PartnerControls">
+  <documentManagement>
+    <MediaServiceKeyPoints xmlns="71af3243-3dd4-4a8d-8c0d-dd76da1f02a5" xsi:nil="true"/>
+  </documentManagement>
+</p:properties>
+</file>
+
+<file path=customXml/item3.xml><?xml version="1.0" encoding="utf-8"?>
 <ct:contentTypeSchema xmlns:ct="http://schemas.microsoft.com/office/2006/metadata/contentType" xmlns:ma="http://schemas.microsoft.com/office/2006/metadata/properties/metaAttributes" ct:_="" ma:_="" ma:contentTypeName="Document" ma:contentTypeID="0x01010079F111ED35F8CC479449609E8A0923A6" ma:contentTypeVersion="11" ma:contentTypeDescription="Create a new document." ma:contentTypeScope="" ma:versionID="96291512c1ee715ab617f4c07df79fc1">
   <xsd:schema xmlns:xsd="http://www.w3.org/2001/XMLSchema" xmlns:xs="http://www.w3.org/2001/XMLSchema" xmlns:p="http://schemas.microsoft.com/office/2006/metadata/properties" xmlns:ns2="71af3243-3dd4-4a8d-8c0d-dd76da1f02a5" xmlns:ns3="16c05727-aa75-4e4a-9b5f-8a80a1165891" targetNamespace="http://schemas.microsoft.com/office/2006/metadata/properties" ma:root="true" ma:fieldsID="8256c27c40ca5c40ce1cf6c44f0205df" ns2:_="" ns3:_="">
     <xsd:import namespace="71af3243-3dd4-4a8d-8c0d-dd76da1f02a5"/>
@@ -13784,24 +14875,32 @@
 </ct:contentTypeSchema>
 </file>
 
-<file path=customXml/item2.xml><?xml version="1.0" encoding="utf-8"?>
-<?mso-contentType ?>
-<FormTemplates xmlns="http://schemas.microsoft.com/sharepoint/v3/contenttype/forms">
-  <Display>DocumentLibraryForm</Display>
-  <Edit>DocumentLibraryForm</Edit>
-  <New>DocumentLibraryForm</New>
-</FormTemplates>
+<file path=customXml/itemProps1.xml><?xml version="1.0" encoding="utf-8"?>
+<ds:datastoreItem xmlns:ds="http://schemas.openxmlformats.org/officeDocument/2006/customXml" ds:itemID="{89B3E157-1CAC-4231-A2EC-E93952D57E42}">
+  <ds:schemaRefs>
+    <ds:schemaRef ds:uri="http://schemas.microsoft.com/sharepoint/v3/contenttype/forms"/>
+  </ds:schemaRefs>
+</ds:datastoreItem>
 </file>
 
-<file path=customXml/item3.xml><?xml version="1.0" encoding="utf-8"?>
-<p:properties xmlns:p="http://schemas.microsoft.com/office/2006/metadata/properties" xmlns:xsi="http://www.w3.org/2001/XMLSchema-instance" xmlns:pc="http://schemas.microsoft.com/office/infopath/2007/PartnerControls">
-  <documentManagement>
-    <MediaServiceKeyPoints xmlns="71af3243-3dd4-4a8d-8c0d-dd76da1f02a5" xsi:nil="true"/>
-  </documentManagement>
-</p:properties>
+<file path=customXml/itemProps2.xml><?xml version="1.0" encoding="utf-8"?>
+<ds:datastoreItem xmlns:ds="http://schemas.openxmlformats.org/officeDocument/2006/customXml" ds:itemID="{22E71848-B78E-4D58-BFA5-D2D5918911CD}">
+  <ds:schemaRefs>
+    <ds:schemaRef ds:uri="http://purl.org/dc/terms/"/>
+    <ds:schemaRef ds:uri="http://purl.org/dc/dcmitype/"/>
+    <ds:schemaRef ds:uri="http://schemas.microsoft.com/office/infopath/2007/PartnerControls"/>
+    <ds:schemaRef ds:uri="16c05727-aa75-4e4a-9b5f-8a80a1165891"/>
+    <ds:schemaRef ds:uri="http://schemas.microsoft.com/office/2006/metadata/properties"/>
+    <ds:schemaRef ds:uri="http://purl.org/dc/elements/1.1/"/>
+    <ds:schemaRef ds:uri="http://schemas.microsoft.com/office/2006/documentManagement/types"/>
+    <ds:schemaRef ds:uri="http://www.w3.org/XML/1998/namespace"/>
+    <ds:schemaRef ds:uri="http://schemas.openxmlformats.org/package/2006/metadata/core-properties"/>
+    <ds:schemaRef ds:uri="71af3243-3dd4-4a8d-8c0d-dd76da1f02a5"/>
+  </ds:schemaRefs>
+</ds:datastoreItem>
 </file>
 
-<file path=customXml/itemProps1.xml><?xml version="1.0" encoding="utf-8"?>
+<file path=customXml/itemProps3.xml><?xml version="1.0" encoding="utf-8"?>
 <ds:datastoreItem xmlns:ds="http://schemas.openxmlformats.org/officeDocument/2006/customXml" ds:itemID="{80B16AC2-D7DD-48B6-919A-4ADE887D756B}">
   <ds:schemaRefs>
     <ds:schemaRef ds:uri="http://schemas.microsoft.com/office/2006/metadata/contentType"/>
@@ -13818,29 +14917,4 @@
     <ds:schemaRef ds:uri="http://schemas.microsoft.com/internal/obd"/>
   </ds:schemaRefs>
 </ds:datastoreItem>
-</file>
-
-<file path=customXml/itemProps2.xml><?xml version="1.0" encoding="utf-8"?>
-<ds:datastoreItem xmlns:ds="http://schemas.openxmlformats.org/officeDocument/2006/customXml" ds:itemID="{89B3E157-1CAC-4231-A2EC-E93952D57E42}">
-  <ds:schemaRefs>
-    <ds:schemaRef ds:uri="http://schemas.microsoft.com/sharepoint/v3/contenttype/forms"/>
-  </ds:schemaRefs>
-</ds:datastoreItem>
-</file>
-
-<file path=customXml/itemProps3.xml><?xml version="1.0" encoding="utf-8"?>
-<ds:datastoreItem xmlns:ds="http://schemas.openxmlformats.org/officeDocument/2006/customXml" ds:itemID="{22E71848-B78E-4D58-BFA5-D2D5918911CD}">
-  <ds:schemaRefs>
-    <ds:schemaRef ds:uri="http://purl.org/dc/terms/"/>
-    <ds:schemaRef ds:uri="http://purl.org/dc/dcmitype/"/>
-    <ds:schemaRef ds:uri="http://schemas.microsoft.com/office/infopath/2007/PartnerControls"/>
-    <ds:schemaRef ds:uri="16c05727-aa75-4e4a-9b5f-8a80a1165891"/>
-    <ds:schemaRef ds:uri="http://schemas.microsoft.com/office/2006/metadata/properties"/>
-    <ds:schemaRef ds:uri="http://purl.org/dc/elements/1.1/"/>
-    <ds:schemaRef ds:uri="http://schemas.microsoft.com/office/2006/documentManagement/types"/>
-    <ds:schemaRef ds:uri="http://www.w3.org/XML/1998/namespace"/>
-    <ds:schemaRef ds:uri="http://schemas.openxmlformats.org/package/2006/metadata/core-properties"/>
-    <ds:schemaRef ds:uri="71af3243-3dd4-4a8d-8c0d-dd76da1f02a5"/>
-  </ds:schemaRefs>
-</ds:datastoreItem>
 </file>